--- a/TeamEffort/userify_team_effort_breakdown.pptx
+++ b/TeamEffort/userify_team_effort_breakdown.pptx
@@ -1,19 +1,19 @@
 
 <file path=ppt/presentation.xml><?xml version="1.0" encoding="utf-8"?>
-<p:presentation xmlns:a="http://schemas.openxmlformats.org/drawingml/2006/main" xmlns:r="http://schemas.openxmlformats.org/officeDocument/2006/relationships" xmlns:mc="http://schemas.openxmlformats.org/markup-compatibility/2006" xmlns:mv="urn:schemas-microsoft-com:mac:vml" xmlns:p="http://schemas.openxmlformats.org/presentationml/2006/main" xmlns:c="http://schemas.openxmlformats.org/drawingml/2006/chart" xmlns:dgm="http://schemas.openxmlformats.org/drawingml/2006/diagram" xmlns:o="urn:schemas-microsoft-com:office:office" xmlns:v="urn:schemas-microsoft-com:vml" xmlns:pvml="urn:schemas-microsoft-com:office:powerpoint" xmlns:com="http://schemas.openxmlformats.org/drawingml/2006/compatibility" xmlns:p14="http://schemas.microsoft.com/office/powerpoint/2010/main" xmlns:p15="http://schemas.microsoft.com/office/powerpoint/2012/main" xmlns:ahyp="http://schemas.microsoft.com/office/drawing/2018/hyperlinkcolor" autoCompressPictures="0" strictFirstAndLastChars="0" saveSubsetFonts="1">
+<p:presentation xmlns:a="http://schemas.openxmlformats.org/drawingml/2006/main" xmlns:r="http://schemas.openxmlformats.org/officeDocument/2006/relationships" xmlns:p="http://schemas.openxmlformats.org/presentationml/2006/main" strictFirstAndLastChars="0" saveSubsetFonts="1" autoCompressPictures="0">
   <p:sldMasterIdLst>
-    <p:sldMasterId id="2147483659" r:id="rId4"/>
+    <p:sldMasterId id="2147483659" r:id="rId1"/>
   </p:sldMasterIdLst>
   <p:notesMasterIdLst>
-    <p:notesMasterId r:id="rId5"/>
+    <p:notesMasterId r:id="rId3"/>
   </p:notesMasterIdLst>
   <p:sldIdLst>
-    <p:sldId id="256" r:id="rId6"/>
+    <p:sldId id="256" r:id="rId2"/>
   </p:sldIdLst>
-  <p:sldSz cy="5143500" cx="9144000"/>
+  <p:sldSz cx="9144000" cy="5143500" type="screen16x9"/>
   <p:notesSz cx="6858000" cy="9144000"/>
   <p:defaultTextStyle>
-    <a:defPPr lvl="0" marR="0" rtl="0" algn="l">
+    <a:defPPr marR="0" lvl="0" algn="l" rtl="0">
       <a:lnSpc>
         <a:spcPct val="100000"/>
       </a:lnSpc>
@@ -24,7 +24,7 @@
         <a:spcPts val="0"/>
       </a:spcAft>
     </a:defPPr>
-    <a:lvl1pPr lvl="0" marR="0" rtl="0" algn="l">
+    <a:lvl1pPr marR="0" lvl="0" algn="l" rtl="0">
       <a:lnSpc>
         <a:spcPct val="100000"/>
       </a:lnSpc>
@@ -38,7 +38,7 @@
         <a:srgbClr val="000000"/>
       </a:buClr>
       <a:buFont typeface="Arial"/>
-      <a:defRPr b="0" i="0" sz="1400" u="none" cap="none" strike="noStrike">
+      <a:defRPr sz="1400" b="0" i="0" u="none" strike="noStrike" cap="none">
         <a:solidFill>
           <a:srgbClr val="000000"/>
         </a:solidFill>
@@ -48,7 +48,7 @@
         <a:sym typeface="Arial"/>
       </a:defRPr>
     </a:lvl1pPr>
-    <a:lvl2pPr lvl="1" marR="0" rtl="0" algn="l">
+    <a:lvl2pPr marR="0" lvl="1" algn="l" rtl="0">
       <a:lnSpc>
         <a:spcPct val="100000"/>
       </a:lnSpc>
@@ -62,7 +62,7 @@
         <a:srgbClr val="000000"/>
       </a:buClr>
       <a:buFont typeface="Arial"/>
-      <a:defRPr b="0" i="0" sz="1400" u="none" cap="none" strike="noStrike">
+      <a:defRPr sz="1400" b="0" i="0" u="none" strike="noStrike" cap="none">
         <a:solidFill>
           <a:srgbClr val="000000"/>
         </a:solidFill>
@@ -72,7 +72,7 @@
         <a:sym typeface="Arial"/>
       </a:defRPr>
     </a:lvl2pPr>
-    <a:lvl3pPr lvl="2" marR="0" rtl="0" algn="l">
+    <a:lvl3pPr marR="0" lvl="2" algn="l" rtl="0">
       <a:lnSpc>
         <a:spcPct val="100000"/>
       </a:lnSpc>
@@ -86,7 +86,7 @@
         <a:srgbClr val="000000"/>
       </a:buClr>
       <a:buFont typeface="Arial"/>
-      <a:defRPr b="0" i="0" sz="1400" u="none" cap="none" strike="noStrike">
+      <a:defRPr sz="1400" b="0" i="0" u="none" strike="noStrike" cap="none">
         <a:solidFill>
           <a:srgbClr val="000000"/>
         </a:solidFill>
@@ -96,7 +96,7 @@
         <a:sym typeface="Arial"/>
       </a:defRPr>
     </a:lvl3pPr>
-    <a:lvl4pPr lvl="3" marR="0" rtl="0" algn="l">
+    <a:lvl4pPr marR="0" lvl="3" algn="l" rtl="0">
       <a:lnSpc>
         <a:spcPct val="100000"/>
       </a:lnSpc>
@@ -110,7 +110,7 @@
         <a:srgbClr val="000000"/>
       </a:buClr>
       <a:buFont typeface="Arial"/>
-      <a:defRPr b="0" i="0" sz="1400" u="none" cap="none" strike="noStrike">
+      <a:defRPr sz="1400" b="0" i="0" u="none" strike="noStrike" cap="none">
         <a:solidFill>
           <a:srgbClr val="000000"/>
         </a:solidFill>
@@ -120,7 +120,7 @@
         <a:sym typeface="Arial"/>
       </a:defRPr>
     </a:lvl4pPr>
-    <a:lvl5pPr lvl="4" marR="0" rtl="0" algn="l">
+    <a:lvl5pPr marR="0" lvl="4" algn="l" rtl="0">
       <a:lnSpc>
         <a:spcPct val="100000"/>
       </a:lnSpc>
@@ -134,7 +134,7 @@
         <a:srgbClr val="000000"/>
       </a:buClr>
       <a:buFont typeface="Arial"/>
-      <a:defRPr b="0" i="0" sz="1400" u="none" cap="none" strike="noStrike">
+      <a:defRPr sz="1400" b="0" i="0" u="none" strike="noStrike" cap="none">
         <a:solidFill>
           <a:srgbClr val="000000"/>
         </a:solidFill>
@@ -144,7 +144,7 @@
         <a:sym typeface="Arial"/>
       </a:defRPr>
     </a:lvl5pPr>
-    <a:lvl6pPr lvl="5" marR="0" rtl="0" algn="l">
+    <a:lvl6pPr marR="0" lvl="5" algn="l" rtl="0">
       <a:lnSpc>
         <a:spcPct val="100000"/>
       </a:lnSpc>
@@ -158,7 +158,7 @@
         <a:srgbClr val="000000"/>
       </a:buClr>
       <a:buFont typeface="Arial"/>
-      <a:defRPr b="0" i="0" sz="1400" u="none" cap="none" strike="noStrike">
+      <a:defRPr sz="1400" b="0" i="0" u="none" strike="noStrike" cap="none">
         <a:solidFill>
           <a:srgbClr val="000000"/>
         </a:solidFill>
@@ -168,7 +168,7 @@
         <a:sym typeface="Arial"/>
       </a:defRPr>
     </a:lvl6pPr>
-    <a:lvl7pPr lvl="6" marR="0" rtl="0" algn="l">
+    <a:lvl7pPr marR="0" lvl="6" algn="l" rtl="0">
       <a:lnSpc>
         <a:spcPct val="100000"/>
       </a:lnSpc>
@@ -182,7 +182,7 @@
         <a:srgbClr val="000000"/>
       </a:buClr>
       <a:buFont typeface="Arial"/>
-      <a:defRPr b="0" i="0" sz="1400" u="none" cap="none" strike="noStrike">
+      <a:defRPr sz="1400" b="0" i="0" u="none" strike="noStrike" cap="none">
         <a:solidFill>
           <a:srgbClr val="000000"/>
         </a:solidFill>
@@ -192,7 +192,7 @@
         <a:sym typeface="Arial"/>
       </a:defRPr>
     </a:lvl7pPr>
-    <a:lvl8pPr lvl="7" marR="0" rtl="0" algn="l">
+    <a:lvl8pPr marR="0" lvl="7" algn="l" rtl="0">
       <a:lnSpc>
         <a:spcPct val="100000"/>
       </a:lnSpc>
@@ -206,7 +206,7 @@
         <a:srgbClr val="000000"/>
       </a:buClr>
       <a:buFont typeface="Arial"/>
-      <a:defRPr b="0" i="0" sz="1400" u="none" cap="none" strike="noStrike">
+      <a:defRPr sz="1400" b="0" i="0" u="none" strike="noStrike" cap="none">
         <a:solidFill>
           <a:srgbClr val="000000"/>
         </a:solidFill>
@@ -216,7 +216,7 @@
         <a:sym typeface="Arial"/>
       </a:defRPr>
     </a:lvl8pPr>
-    <a:lvl9pPr lvl="8" marR="0" rtl="0" algn="l">
+    <a:lvl9pPr marR="0" lvl="8" algn="l" rtl="0">
       <a:lnSpc>
         <a:spcPct val="100000"/>
       </a:lnSpc>
@@ -230,7 +230,7 @@
         <a:srgbClr val="000000"/>
       </a:buClr>
       <a:buFont typeface="Arial"/>
-      <a:defRPr b="0" i="0" sz="1400" u="none" cap="none" strike="noStrike">
+      <a:defRPr sz="1400" b="0" i="0" u="none" strike="noStrike" cap="none">
         <a:solidFill>
           <a:srgbClr val="000000"/>
         </a:solidFill>
@@ -243,7 +243,7 @@
   </p:defaultTextStyle>
   <p:extLst>
     <p:ext uri="{EFAFB233-063F-42B5-8137-9DF3F51BA10A}">
-      <p15:sldGuideLst>
+      <p15:sldGuideLst xmlns:p15="http://schemas.microsoft.com/office/powerpoint/2012/main">
         <p15:guide id="1" orient="horz" pos="1620">
           <p15:clr>
             <a:srgbClr val="A4A3A4"/>
@@ -261,11 +261,16 @@
 </file>
 
 <file path=ppt/notesMasters/notesMaster1.xml><?xml version="1.0" encoding="utf-8"?>
-<p:notesMaster xmlns:a="http://schemas.openxmlformats.org/drawingml/2006/main" xmlns:r="http://schemas.openxmlformats.org/officeDocument/2006/relationships" xmlns:mc="http://schemas.openxmlformats.org/markup-compatibility/2006" xmlns:mv="urn:schemas-microsoft-com:mac:vml" xmlns:p="http://schemas.openxmlformats.org/presentationml/2006/main" xmlns:c="http://schemas.openxmlformats.org/drawingml/2006/chart" xmlns:dgm="http://schemas.openxmlformats.org/drawingml/2006/diagram" xmlns:o="urn:schemas-microsoft-com:office:office" xmlns:v="urn:schemas-microsoft-com:vml" xmlns:pvml="urn:schemas-microsoft-com:office:powerpoint" xmlns:com="http://schemas.openxmlformats.org/drawingml/2006/compatibility" xmlns:p14="http://schemas.microsoft.com/office/powerpoint/2010/main" xmlns:p15="http://schemas.microsoft.com/office/powerpoint/2012/main" xmlns:ahyp="http://schemas.microsoft.com/office/drawing/2018/hyperlinkcolor">
+<p:notesMaster xmlns:a="http://schemas.openxmlformats.org/drawingml/2006/main" xmlns:r="http://schemas.openxmlformats.org/officeDocument/2006/relationships" xmlns:p="http://schemas.openxmlformats.org/presentationml/2006/main">
   <p:cSld>
+    <p:bg>
+      <p:bgRef idx="1001">
+        <a:schemeClr val="bg1"/>
+      </p:bgRef>
+    </p:bg>
     <p:spTree>
       <p:nvGrpSpPr>
-        <p:cNvPr id="2" name="Shape 2"/>
+        <p:cNvPr id="1" name="Shape 2"/>
         <p:cNvGrpSpPr/>
         <p:nvPr/>
       </p:nvGrpSpPr>
@@ -280,9 +285,11 @@
       <p:sp>
         <p:nvSpPr>
           <p:cNvPr id="3" name="Google Shape;3;n"/>
-          <p:cNvSpPr/>
+          <p:cNvSpPr>
+            <a:spLocks noGrp="1" noRot="1" noChangeAspect="1"/>
+          </p:cNvSpPr>
           <p:nvPr>
-            <p:ph idx="2" type="sldImg"/>
+            <p:ph type="sldImg" idx="2"/>
           </p:nvPr>
         </p:nvSpPr>
         <p:spPr>
@@ -291,9 +298,13 @@
             <a:ext cx="6096075" cy="3429000"/>
           </a:xfrm>
           <a:custGeom>
-            <a:rect b="b" l="l" r="r" t="t"/>
+            <a:avLst/>
+            <a:gdLst/>
+            <a:ahLst/>
+            <a:cxnLst/>
+            <a:rect l="l" t="t" r="r" b="b"/>
             <a:pathLst>
-              <a:path extrusionOk="0" h="120000" w="120000">
+              <a:path w="120000" h="120000" extrusionOk="0">
                 <a:moveTo>
                   <a:pt x="0" y="0"/>
                 </a:moveTo>
@@ -311,23 +322,25 @@
             </a:pathLst>
           </a:custGeom>
           <a:noFill/>
-          <a:ln cap="flat" cmpd="sng" w="9525">
+          <a:ln w="9525" cap="flat" cmpd="sng">
             <a:solidFill>
               <a:srgbClr val="000000"/>
             </a:solidFill>
             <a:prstDash val="solid"/>
             <a:round/>
-            <a:headEnd len="sm" w="sm" type="none"/>
-            <a:tailEnd len="sm" w="sm" type="none"/>
+            <a:headEnd type="none" w="sm" len="sm"/>
+            <a:tailEnd type="none" w="sm" len="sm"/>
           </a:ln>
         </p:spPr>
       </p:sp>
       <p:sp>
         <p:nvSpPr>
           <p:cNvPr id="4" name="Google Shape;4;n"/>
-          <p:cNvSpPr txBox="1"/>
+          <p:cNvSpPr txBox="1">
+            <a:spLocks noGrp="1"/>
+          </p:cNvSpPr>
           <p:nvPr>
-            <p:ph idx="1" type="body"/>
+            <p:ph type="body" idx="1"/>
           </p:nvPr>
         </p:nvSpPr>
         <p:spPr>
@@ -344,11 +357,11 @@
           </a:ln>
         </p:spPr>
         <p:txBody>
-          <a:bodyPr anchorCtr="0" anchor="t" bIns="91425" lIns="91425" spcFirstLastPara="1" rIns="91425" wrap="square" tIns="91425">
+          <a:bodyPr spcFirstLastPara="1" wrap="square" lIns="91425" tIns="91425" rIns="91425" bIns="91425" anchor="t" anchorCtr="0">
             <a:noAutofit/>
           </a:bodyPr>
           <a:lstStyle>
-            <a:lvl1pPr indent="-298450" lvl="0" marL="457200">
+            <a:lvl1pPr marL="457200" lvl="0" indent="-298450">
               <a:spcBef>
                 <a:spcPts val="0"/>
               </a:spcBef>
@@ -359,7 +372,7 @@
               <a:buChar char="●"/>
               <a:defRPr sz="1100"/>
             </a:lvl1pPr>
-            <a:lvl2pPr indent="-298450" lvl="1" marL="914400">
+            <a:lvl2pPr marL="914400" lvl="1" indent="-298450">
               <a:spcBef>
                 <a:spcPts val="0"/>
               </a:spcBef>
@@ -370,7 +383,7 @@
               <a:buChar char="○"/>
               <a:defRPr sz="1100"/>
             </a:lvl2pPr>
-            <a:lvl3pPr indent="-298450" lvl="2" marL="1371600">
+            <a:lvl3pPr marL="1371600" lvl="2" indent="-298450">
               <a:spcBef>
                 <a:spcPts val="0"/>
               </a:spcBef>
@@ -381,7 +394,7 @@
               <a:buChar char="■"/>
               <a:defRPr sz="1100"/>
             </a:lvl3pPr>
-            <a:lvl4pPr indent="-298450" lvl="3" marL="1828800">
+            <a:lvl4pPr marL="1828800" lvl="3" indent="-298450">
               <a:spcBef>
                 <a:spcPts val="0"/>
               </a:spcBef>
@@ -392,7 +405,7 @@
               <a:buChar char="●"/>
               <a:defRPr sz="1100"/>
             </a:lvl4pPr>
-            <a:lvl5pPr indent="-298450" lvl="4" marL="2286000">
+            <a:lvl5pPr marL="2286000" lvl="4" indent="-298450">
               <a:spcBef>
                 <a:spcPts val="0"/>
               </a:spcBef>
@@ -403,7 +416,7 @@
               <a:buChar char="○"/>
               <a:defRPr sz="1100"/>
             </a:lvl5pPr>
-            <a:lvl6pPr indent="-298450" lvl="5" marL="2743200">
+            <a:lvl6pPr marL="2743200" lvl="5" indent="-298450">
               <a:spcBef>
                 <a:spcPts val="0"/>
               </a:spcBef>
@@ -414,7 +427,7 @@
               <a:buChar char="■"/>
               <a:defRPr sz="1100"/>
             </a:lvl6pPr>
-            <a:lvl7pPr indent="-298450" lvl="6" marL="3200400">
+            <a:lvl7pPr marL="3200400" lvl="6" indent="-298450">
               <a:spcBef>
                 <a:spcPts val="0"/>
               </a:spcBef>
@@ -425,7 +438,7 @@
               <a:buChar char="●"/>
               <a:defRPr sz="1100"/>
             </a:lvl7pPr>
-            <a:lvl8pPr indent="-298450" lvl="7" marL="3657600">
+            <a:lvl8pPr marL="3657600" lvl="7" indent="-298450">
               <a:spcBef>
                 <a:spcPts val="0"/>
               </a:spcBef>
@@ -436,7 +449,7 @@
               <a:buChar char="○"/>
               <a:defRPr sz="1100"/>
             </a:lvl8pPr>
-            <a:lvl9pPr indent="-298450" lvl="8" marL="4114800">
+            <a:lvl9pPr marL="4114800" lvl="8" indent="-298450">
               <a:spcBef>
                 <a:spcPts val="0"/>
               </a:spcBef>
@@ -448,14 +461,16 @@
               <a:defRPr sz="1100"/>
             </a:lvl9pPr>
           </a:lstStyle>
-          <a:p/>
+          <a:p>
+            <a:endParaRPr/>
+          </a:p>
         </p:txBody>
       </p:sp>
     </p:spTree>
   </p:cSld>
-  <p:clrMap accent1="accent1" accent2="accent2" accent3="accent3" accent4="accent4" accent5="accent5" accent6="accent6" bg1="lt1" bg2="dk2" tx1="dk1" tx2="lt2" folHlink="folHlink" hlink="hlink"/>
+  <p:clrMap bg1="lt1" tx1="dk1" bg2="dk2" tx2="lt2" accent1="accent1" accent2="accent2" accent3="accent3" accent4="accent4" accent5="accent5" accent6="accent6" hlink="hlink" folHlink="folHlink"/>
   <p:notesStyle>
-    <a:defPPr lvl="0" marR="0" rtl="0" algn="l">
+    <a:defPPr marR="0" lvl="0" algn="l" rtl="0">
       <a:lnSpc>
         <a:spcPct val="100000"/>
       </a:lnSpc>
@@ -466,7 +481,7 @@
         <a:spcPts val="0"/>
       </a:spcAft>
     </a:defPPr>
-    <a:lvl1pPr lvl="0" marR="0" rtl="0" algn="l">
+    <a:lvl1pPr marR="0" lvl="0" algn="l" rtl="0">
       <a:lnSpc>
         <a:spcPct val="100000"/>
       </a:lnSpc>
@@ -480,7 +495,7 @@
         <a:srgbClr val="000000"/>
       </a:buClr>
       <a:buFont typeface="Arial"/>
-      <a:defRPr b="0" i="0" sz="1400" u="none" cap="none" strike="noStrike">
+      <a:defRPr sz="1400" b="0" i="0" u="none" strike="noStrike" cap="none">
         <a:solidFill>
           <a:srgbClr val="000000"/>
         </a:solidFill>
@@ -490,7 +505,7 @@
         <a:sym typeface="Arial"/>
       </a:defRPr>
     </a:lvl1pPr>
-    <a:lvl2pPr lvl="1" marR="0" rtl="0" algn="l">
+    <a:lvl2pPr marR="0" lvl="1" algn="l" rtl="0">
       <a:lnSpc>
         <a:spcPct val="100000"/>
       </a:lnSpc>
@@ -504,7 +519,7 @@
         <a:srgbClr val="000000"/>
       </a:buClr>
       <a:buFont typeface="Arial"/>
-      <a:defRPr b="0" i="0" sz="1400" u="none" cap="none" strike="noStrike">
+      <a:defRPr sz="1400" b="0" i="0" u="none" strike="noStrike" cap="none">
         <a:solidFill>
           <a:srgbClr val="000000"/>
         </a:solidFill>
@@ -514,7 +529,7 @@
         <a:sym typeface="Arial"/>
       </a:defRPr>
     </a:lvl2pPr>
-    <a:lvl3pPr lvl="2" marR="0" rtl="0" algn="l">
+    <a:lvl3pPr marR="0" lvl="2" algn="l" rtl="0">
       <a:lnSpc>
         <a:spcPct val="100000"/>
       </a:lnSpc>
@@ -528,7 +543,7 @@
         <a:srgbClr val="000000"/>
       </a:buClr>
       <a:buFont typeface="Arial"/>
-      <a:defRPr b="0" i="0" sz="1400" u="none" cap="none" strike="noStrike">
+      <a:defRPr sz="1400" b="0" i="0" u="none" strike="noStrike" cap="none">
         <a:solidFill>
           <a:srgbClr val="000000"/>
         </a:solidFill>
@@ -538,7 +553,7 @@
         <a:sym typeface="Arial"/>
       </a:defRPr>
     </a:lvl3pPr>
-    <a:lvl4pPr lvl="3" marR="0" rtl="0" algn="l">
+    <a:lvl4pPr marR="0" lvl="3" algn="l" rtl="0">
       <a:lnSpc>
         <a:spcPct val="100000"/>
       </a:lnSpc>
@@ -552,7 +567,7 @@
         <a:srgbClr val="000000"/>
       </a:buClr>
       <a:buFont typeface="Arial"/>
-      <a:defRPr b="0" i="0" sz="1400" u="none" cap="none" strike="noStrike">
+      <a:defRPr sz="1400" b="0" i="0" u="none" strike="noStrike" cap="none">
         <a:solidFill>
           <a:srgbClr val="000000"/>
         </a:solidFill>
@@ -562,7 +577,7 @@
         <a:sym typeface="Arial"/>
       </a:defRPr>
     </a:lvl4pPr>
-    <a:lvl5pPr lvl="4" marR="0" rtl="0" algn="l">
+    <a:lvl5pPr marR="0" lvl="4" algn="l" rtl="0">
       <a:lnSpc>
         <a:spcPct val="100000"/>
       </a:lnSpc>
@@ -576,7 +591,7 @@
         <a:srgbClr val="000000"/>
       </a:buClr>
       <a:buFont typeface="Arial"/>
-      <a:defRPr b="0" i="0" sz="1400" u="none" cap="none" strike="noStrike">
+      <a:defRPr sz="1400" b="0" i="0" u="none" strike="noStrike" cap="none">
         <a:solidFill>
           <a:srgbClr val="000000"/>
         </a:solidFill>
@@ -586,7 +601,7 @@
         <a:sym typeface="Arial"/>
       </a:defRPr>
     </a:lvl5pPr>
-    <a:lvl6pPr lvl="5" marR="0" rtl="0" algn="l">
+    <a:lvl6pPr marR="0" lvl="5" algn="l" rtl="0">
       <a:lnSpc>
         <a:spcPct val="100000"/>
       </a:lnSpc>
@@ -600,7 +615,7 @@
         <a:srgbClr val="000000"/>
       </a:buClr>
       <a:buFont typeface="Arial"/>
-      <a:defRPr b="0" i="0" sz="1400" u="none" cap="none" strike="noStrike">
+      <a:defRPr sz="1400" b="0" i="0" u="none" strike="noStrike" cap="none">
         <a:solidFill>
           <a:srgbClr val="000000"/>
         </a:solidFill>
@@ -610,7 +625,7 @@
         <a:sym typeface="Arial"/>
       </a:defRPr>
     </a:lvl6pPr>
-    <a:lvl7pPr lvl="6" marR="0" rtl="0" algn="l">
+    <a:lvl7pPr marR="0" lvl="6" algn="l" rtl="0">
       <a:lnSpc>
         <a:spcPct val="100000"/>
       </a:lnSpc>
@@ -624,7 +639,7 @@
         <a:srgbClr val="000000"/>
       </a:buClr>
       <a:buFont typeface="Arial"/>
-      <a:defRPr b="0" i="0" sz="1400" u="none" cap="none" strike="noStrike">
+      <a:defRPr sz="1400" b="0" i="0" u="none" strike="noStrike" cap="none">
         <a:solidFill>
           <a:srgbClr val="000000"/>
         </a:solidFill>
@@ -634,7 +649,7 @@
         <a:sym typeface="Arial"/>
       </a:defRPr>
     </a:lvl7pPr>
-    <a:lvl8pPr lvl="7" marR="0" rtl="0" algn="l">
+    <a:lvl8pPr marR="0" lvl="7" algn="l" rtl="0">
       <a:lnSpc>
         <a:spcPct val="100000"/>
       </a:lnSpc>
@@ -648,7 +663,7 @@
         <a:srgbClr val="000000"/>
       </a:buClr>
       <a:buFont typeface="Arial"/>
-      <a:defRPr b="0" i="0" sz="1400" u="none" cap="none" strike="noStrike">
+      <a:defRPr sz="1400" b="0" i="0" u="none" strike="noStrike" cap="none">
         <a:solidFill>
           <a:srgbClr val="000000"/>
         </a:solidFill>
@@ -658,7 +673,7 @@
         <a:sym typeface="Arial"/>
       </a:defRPr>
     </a:lvl8pPr>
-    <a:lvl9pPr lvl="8" marR="0" rtl="0" algn="l">
+    <a:lvl9pPr marR="0" lvl="8" algn="l" rtl="0">
       <a:lnSpc>
         <a:spcPct val="100000"/>
       </a:lnSpc>
@@ -672,7 +687,7 @@
         <a:srgbClr val="000000"/>
       </a:buClr>
       <a:buFont typeface="Arial"/>
-      <a:defRPr b="0" i="0" sz="1400" u="none" cap="none" strike="noStrike">
+      <a:defRPr sz="1400" b="0" i="0" u="none" strike="noStrike" cap="none">
         <a:solidFill>
           <a:srgbClr val="000000"/>
         </a:solidFill>
@@ -687,11 +702,11 @@
 </file>
 
 <file path=ppt/notesSlides/notesSlide1.xml><?xml version="1.0" encoding="utf-8"?>
-<p:notes xmlns:a="http://schemas.openxmlformats.org/drawingml/2006/main" xmlns:r="http://schemas.openxmlformats.org/officeDocument/2006/relationships" xmlns:mc="http://schemas.openxmlformats.org/markup-compatibility/2006" xmlns:mv="urn:schemas-microsoft-com:mac:vml" xmlns:p="http://schemas.openxmlformats.org/presentationml/2006/main" xmlns:c="http://schemas.openxmlformats.org/drawingml/2006/chart" xmlns:dgm="http://schemas.openxmlformats.org/drawingml/2006/diagram" xmlns:o="urn:schemas-microsoft-com:office:office" xmlns:v="urn:schemas-microsoft-com:vml" xmlns:pvml="urn:schemas-microsoft-com:office:powerpoint" xmlns:com="http://schemas.openxmlformats.org/drawingml/2006/compatibility" xmlns:p14="http://schemas.microsoft.com/office/powerpoint/2010/main" xmlns:p15="http://schemas.microsoft.com/office/powerpoint/2012/main" xmlns:ahyp="http://schemas.microsoft.com/office/drawing/2018/hyperlinkcolor" showMasterPhAnim="0" showMasterSp="0">
+<p:notes xmlns:a="http://schemas.openxmlformats.org/drawingml/2006/main" xmlns:r="http://schemas.openxmlformats.org/officeDocument/2006/relationships" xmlns:p="http://schemas.openxmlformats.org/presentationml/2006/main" showMasterSp="0" showMasterPhAnim="0">
   <p:cSld>
     <p:spTree>
       <p:nvGrpSpPr>
-        <p:cNvPr id="50" name="Shape 50"/>
+        <p:cNvPr id="1" name="Shape 50"/>
         <p:cNvGrpSpPr/>
         <p:nvPr/>
       </p:nvGrpSpPr>
@@ -706,20 +721,26 @@
       <p:sp>
         <p:nvSpPr>
           <p:cNvPr id="51" name="Google Shape;51;p:notes"/>
-          <p:cNvSpPr/>
+          <p:cNvSpPr>
+            <a:spLocks noGrp="1" noRot="1" noChangeAspect="1"/>
+          </p:cNvSpPr>
           <p:nvPr>
-            <p:ph idx="2" type="sldImg"/>
+            <p:ph type="sldImg" idx="2"/>
           </p:nvPr>
         </p:nvSpPr>
         <p:spPr>
           <a:xfrm>
-            <a:off x="381300" y="685800"/>
-            <a:ext cx="6096075" cy="3429000"/>
+            <a:off x="381000" y="685800"/>
+            <a:ext cx="6096000" cy="3429000"/>
           </a:xfrm>
           <a:custGeom>
-            <a:rect b="b" l="l" r="r" t="t"/>
+            <a:avLst/>
+            <a:gdLst/>
+            <a:ahLst/>
+            <a:cxnLst/>
+            <a:rect l="l" t="t" r="r" b="b"/>
             <a:pathLst>
-              <a:path extrusionOk="0" h="120000" w="120000">
+              <a:path w="120000" h="120000" extrusionOk="0">
                 <a:moveTo>
                   <a:pt x="0" y="0"/>
                 </a:moveTo>
@@ -741,9 +762,11 @@
       <p:sp>
         <p:nvSpPr>
           <p:cNvPr id="52" name="Google Shape;52;p:notes"/>
-          <p:cNvSpPr txBox="1"/>
+          <p:cNvSpPr txBox="1">
+            <a:spLocks noGrp="1"/>
+          </p:cNvSpPr>
           <p:nvPr>
-            <p:ph idx="1" type="body"/>
+            <p:ph type="body" idx="1"/>
           </p:nvPr>
         </p:nvSpPr>
         <p:spPr>
@@ -756,12 +779,12 @@
           </a:prstGeom>
         </p:spPr>
         <p:txBody>
-          <a:bodyPr anchorCtr="0" anchor="t" bIns="91425" lIns="91425" spcFirstLastPara="1" rIns="91425" wrap="square" tIns="91425">
+          <a:bodyPr spcFirstLastPara="1" wrap="square" lIns="91425" tIns="91425" rIns="91425" bIns="91425" anchor="t" anchorCtr="0">
             <a:noAutofit/>
           </a:bodyPr>
           <a:lstStyle/>
           <a:p>
-            <a:pPr indent="0" lvl="0" marL="0" rtl="0" algn="l">
+            <a:pPr marL="0" lvl="0" indent="0" algn="l" rtl="0">
               <a:spcBef>
                 <a:spcPts val="0"/>
               </a:spcBef>
@@ -770,9 +793,6 @@
               </a:spcAft>
               <a:buNone/>
             </a:pPr>
-            <a:r>
-              <a:t/>
-            </a:r>
             <a:endParaRPr/>
           </a:p>
         </p:txBody>
@@ -786,11 +806,11 @@
 </file>
 
 <file path=ppt/slideLayouts/slideLayout1.xml><?xml version="1.0" encoding="utf-8"?>
-<p:sldLayout xmlns:a="http://schemas.openxmlformats.org/drawingml/2006/main" xmlns:r="http://schemas.openxmlformats.org/officeDocument/2006/relationships" xmlns:mc="http://schemas.openxmlformats.org/markup-compatibility/2006" xmlns:mv="urn:schemas-microsoft-com:mac:vml" xmlns:p="http://schemas.openxmlformats.org/presentationml/2006/main" xmlns:c="http://schemas.openxmlformats.org/drawingml/2006/chart" xmlns:dgm="http://schemas.openxmlformats.org/drawingml/2006/diagram" xmlns:o="urn:schemas-microsoft-com:office:office" xmlns:v="urn:schemas-microsoft-com:vml" xmlns:pvml="urn:schemas-microsoft-com:office:powerpoint" xmlns:com="http://schemas.openxmlformats.org/drawingml/2006/compatibility" xmlns:p14="http://schemas.microsoft.com/office/powerpoint/2010/main" xmlns:p15="http://schemas.microsoft.com/office/powerpoint/2012/main" xmlns:ahyp="http://schemas.microsoft.com/office/drawing/2018/hyperlinkcolor" matchingName="Title slide" type="title">
+<p:sldLayout xmlns:a="http://schemas.openxmlformats.org/drawingml/2006/main" xmlns:r="http://schemas.openxmlformats.org/officeDocument/2006/relationships" xmlns:p="http://schemas.openxmlformats.org/presentationml/2006/main" matchingName="Title slide" type="title">
   <p:cSld name="TITLE">
     <p:spTree>
       <p:nvGrpSpPr>
-        <p:cNvPr id="9" name="Shape 9"/>
+        <p:cNvPr id="1" name="Shape 9"/>
         <p:cNvGrpSpPr/>
         <p:nvPr/>
       </p:nvGrpSpPr>
@@ -805,7 +825,9 @@
       <p:sp>
         <p:nvSpPr>
           <p:cNvPr id="10" name="Google Shape;10;p2"/>
-          <p:cNvSpPr txBox="1"/>
+          <p:cNvSpPr txBox="1">
+            <a:spLocks noGrp="1"/>
+          </p:cNvSpPr>
           <p:nvPr>
             <p:ph type="ctrTitle"/>
           </p:nvPr>
@@ -820,7 +842,7 @@
           </a:prstGeom>
         </p:spPr>
         <p:txBody>
-          <a:bodyPr anchorCtr="0" anchor="b" bIns="91425" lIns="91425" spcFirstLastPara="1" rIns="91425" wrap="square" tIns="91425">
+          <a:bodyPr spcFirstLastPara="1" wrap="square" lIns="91425" tIns="91425" rIns="91425" bIns="91425" anchor="b" anchorCtr="0">
             <a:normAutofit/>
           </a:bodyPr>
           <a:lstStyle>
@@ -924,15 +946,19 @@
               <a:defRPr sz="5200"/>
             </a:lvl9pPr>
           </a:lstStyle>
-          <a:p/>
+          <a:p>
+            <a:endParaRPr/>
+          </a:p>
         </p:txBody>
       </p:sp>
       <p:sp>
         <p:nvSpPr>
           <p:cNvPr id="11" name="Google Shape;11;p2"/>
-          <p:cNvSpPr txBox="1"/>
+          <p:cNvSpPr txBox="1">
+            <a:spLocks noGrp="1"/>
+          </p:cNvSpPr>
           <p:nvPr>
-            <p:ph idx="1" type="subTitle"/>
+            <p:ph type="subTitle" idx="1"/>
           </p:nvPr>
         </p:nvSpPr>
         <p:spPr>
@@ -945,7 +971,7 @@
           </a:prstGeom>
         </p:spPr>
         <p:txBody>
-          <a:bodyPr anchorCtr="0" anchor="t" bIns="91425" lIns="91425" spcFirstLastPara="1" rIns="91425" wrap="square" tIns="91425">
+          <a:bodyPr spcFirstLastPara="1" wrap="square" lIns="91425" tIns="91425" rIns="91425" bIns="91425" anchor="t" anchorCtr="0">
             <a:normAutofit/>
           </a:bodyPr>
           <a:lstStyle>
@@ -1076,15 +1102,19 @@
               <a:defRPr sz="2800"/>
             </a:lvl9pPr>
           </a:lstStyle>
-          <a:p/>
+          <a:p>
+            <a:endParaRPr/>
+          </a:p>
         </p:txBody>
       </p:sp>
       <p:sp>
         <p:nvSpPr>
           <p:cNvPr id="12" name="Google Shape;12;p2"/>
-          <p:cNvSpPr txBox="1"/>
+          <p:cNvSpPr txBox="1">
+            <a:spLocks noGrp="1"/>
+          </p:cNvSpPr>
           <p:nvPr>
-            <p:ph idx="12" type="sldNum"/>
+            <p:ph type="sldNum" idx="12"/>
           </p:nvPr>
         </p:nvSpPr>
         <p:spPr>
@@ -1097,7 +1127,7 @@
           </a:prstGeom>
         </p:spPr>
         <p:txBody>
-          <a:bodyPr anchorCtr="0" anchor="ctr" bIns="91425" lIns="91425" spcFirstLastPara="1" rIns="91425" wrap="square" tIns="91425">
+          <a:bodyPr spcFirstLastPara="1" wrap="square" lIns="91425" tIns="91425" rIns="91425" bIns="91425" anchor="ctr" anchorCtr="0">
             <a:normAutofit/>
           </a:bodyPr>
           <a:lstStyle>
@@ -1139,7 +1169,7 @@
             </a:lvl9pPr>
           </a:lstStyle>
           <a:p>
-            <a:pPr indent="0" lvl="0" marL="0" rtl="0" algn="r">
+            <a:pPr marL="0" lvl="0" indent="0" algn="r" rtl="0">
               <a:spcBef>
                 <a:spcPts val="0"/>
               </a:spcBef>
@@ -1165,367 +1195,11 @@
 </file>
 
 <file path=ppt/slideLayouts/slideLayout10.xml><?xml version="1.0" encoding="utf-8"?>
-<p:sldLayout xmlns:a="http://schemas.openxmlformats.org/drawingml/2006/main" xmlns:r="http://schemas.openxmlformats.org/officeDocument/2006/relationships" xmlns:mc="http://schemas.openxmlformats.org/markup-compatibility/2006" xmlns:mv="urn:schemas-microsoft-com:mac:vml" xmlns:p="http://schemas.openxmlformats.org/presentationml/2006/main" xmlns:c="http://schemas.openxmlformats.org/drawingml/2006/chart" xmlns:dgm="http://schemas.openxmlformats.org/drawingml/2006/diagram" xmlns:o="urn:schemas-microsoft-com:office:office" xmlns:v="urn:schemas-microsoft-com:vml" xmlns:pvml="urn:schemas-microsoft-com:office:powerpoint" xmlns:com="http://schemas.openxmlformats.org/drawingml/2006/compatibility" xmlns:p14="http://schemas.microsoft.com/office/powerpoint/2010/main" xmlns:p15="http://schemas.microsoft.com/office/powerpoint/2012/main" xmlns:ahyp="http://schemas.microsoft.com/office/drawing/2018/hyperlinkcolor" matchingName="Big number">
-  <p:cSld name="BIG_NUMBER">
-    <p:spTree>
-      <p:nvGrpSpPr>
-        <p:cNvPr id="44" name="Shape 44"/>
-        <p:cNvGrpSpPr/>
-        <p:nvPr/>
-      </p:nvGrpSpPr>
-      <p:grpSpPr>
-        <a:xfrm>
-          <a:off x="0" y="0"/>
-          <a:ext cx="0" cy="0"/>
-          <a:chOff x="0" y="0"/>
-          <a:chExt cx="0" cy="0"/>
-        </a:xfrm>
-      </p:grpSpPr>
-      <p:sp>
-        <p:nvSpPr>
-          <p:cNvPr id="45" name="Google Shape;45;p11"/>
-          <p:cNvSpPr txBox="1"/>
-          <p:nvPr>
-            <p:ph hasCustomPrompt="1" type="title"/>
-          </p:nvPr>
-        </p:nvSpPr>
-        <p:spPr>
-          <a:xfrm>
-            <a:off x="311700" y="1106125"/>
-            <a:ext cx="8520600" cy="1963500"/>
-          </a:xfrm>
-          <a:prstGeom prst="rect">
-            <a:avLst/>
-          </a:prstGeom>
-        </p:spPr>
-        <p:txBody>
-          <a:bodyPr anchorCtr="0" anchor="b" bIns="91425" lIns="91425" spcFirstLastPara="1" rIns="91425" wrap="square" tIns="91425">
-            <a:normAutofit/>
-          </a:bodyPr>
-          <a:lstStyle>
-            <a:lvl1pPr lvl="0" algn="ctr">
-              <a:spcBef>
-                <a:spcPts val="0"/>
-              </a:spcBef>
-              <a:spcAft>
-                <a:spcPts val="0"/>
-              </a:spcAft>
-              <a:buSzPts val="12000"/>
-              <a:buNone/>
-              <a:defRPr sz="12000"/>
-            </a:lvl1pPr>
-            <a:lvl2pPr lvl="1" algn="ctr">
-              <a:spcBef>
-                <a:spcPts val="0"/>
-              </a:spcBef>
-              <a:spcAft>
-                <a:spcPts val="0"/>
-              </a:spcAft>
-              <a:buSzPts val="12000"/>
-              <a:buNone/>
-              <a:defRPr sz="12000"/>
-            </a:lvl2pPr>
-            <a:lvl3pPr lvl="2" algn="ctr">
-              <a:spcBef>
-                <a:spcPts val="0"/>
-              </a:spcBef>
-              <a:spcAft>
-                <a:spcPts val="0"/>
-              </a:spcAft>
-              <a:buSzPts val="12000"/>
-              <a:buNone/>
-              <a:defRPr sz="12000"/>
-            </a:lvl3pPr>
-            <a:lvl4pPr lvl="3" algn="ctr">
-              <a:spcBef>
-                <a:spcPts val="0"/>
-              </a:spcBef>
-              <a:spcAft>
-                <a:spcPts val="0"/>
-              </a:spcAft>
-              <a:buSzPts val="12000"/>
-              <a:buNone/>
-              <a:defRPr sz="12000"/>
-            </a:lvl4pPr>
-            <a:lvl5pPr lvl="4" algn="ctr">
-              <a:spcBef>
-                <a:spcPts val="0"/>
-              </a:spcBef>
-              <a:spcAft>
-                <a:spcPts val="0"/>
-              </a:spcAft>
-              <a:buSzPts val="12000"/>
-              <a:buNone/>
-              <a:defRPr sz="12000"/>
-            </a:lvl5pPr>
-            <a:lvl6pPr lvl="5" algn="ctr">
-              <a:spcBef>
-                <a:spcPts val="0"/>
-              </a:spcBef>
-              <a:spcAft>
-                <a:spcPts val="0"/>
-              </a:spcAft>
-              <a:buSzPts val="12000"/>
-              <a:buNone/>
-              <a:defRPr sz="12000"/>
-            </a:lvl6pPr>
-            <a:lvl7pPr lvl="6" algn="ctr">
-              <a:spcBef>
-                <a:spcPts val="0"/>
-              </a:spcBef>
-              <a:spcAft>
-                <a:spcPts val="0"/>
-              </a:spcAft>
-              <a:buSzPts val="12000"/>
-              <a:buNone/>
-              <a:defRPr sz="12000"/>
-            </a:lvl7pPr>
-            <a:lvl8pPr lvl="7" algn="ctr">
-              <a:spcBef>
-                <a:spcPts val="0"/>
-              </a:spcBef>
-              <a:spcAft>
-                <a:spcPts val="0"/>
-              </a:spcAft>
-              <a:buSzPts val="12000"/>
-              <a:buNone/>
-              <a:defRPr sz="12000"/>
-            </a:lvl8pPr>
-            <a:lvl9pPr lvl="8" algn="ctr">
-              <a:spcBef>
-                <a:spcPts val="0"/>
-              </a:spcBef>
-              <a:spcAft>
-                <a:spcPts val="0"/>
-              </a:spcAft>
-              <a:buSzPts val="12000"/>
-              <a:buNone/>
-              <a:defRPr sz="12000"/>
-            </a:lvl9pPr>
-          </a:lstStyle>
-          <a:p>
-            <a:r>
-              <a:t>xx%</a:t>
-            </a:r>
-          </a:p>
-        </p:txBody>
-      </p:sp>
-      <p:sp>
-        <p:nvSpPr>
-          <p:cNvPr id="46" name="Google Shape;46;p11"/>
-          <p:cNvSpPr txBox="1"/>
-          <p:nvPr>
-            <p:ph idx="1" type="body"/>
-          </p:nvPr>
-        </p:nvSpPr>
-        <p:spPr>
-          <a:xfrm>
-            <a:off x="311700" y="3152225"/>
-            <a:ext cx="8520600" cy="1300800"/>
-          </a:xfrm>
-          <a:prstGeom prst="rect">
-            <a:avLst/>
-          </a:prstGeom>
-        </p:spPr>
-        <p:txBody>
-          <a:bodyPr anchorCtr="0" anchor="t" bIns="91425" lIns="91425" spcFirstLastPara="1" rIns="91425" wrap="square" tIns="91425">
-            <a:normAutofit/>
-          </a:bodyPr>
-          <a:lstStyle>
-            <a:lvl1pPr indent="-342900" lvl="0" marL="457200" algn="ctr">
-              <a:spcBef>
-                <a:spcPts val="0"/>
-              </a:spcBef>
-              <a:spcAft>
-                <a:spcPts val="0"/>
-              </a:spcAft>
-              <a:buSzPts val="1800"/>
-              <a:buChar char="●"/>
-              <a:defRPr/>
-            </a:lvl1pPr>
-            <a:lvl2pPr indent="-317500" lvl="1" marL="914400" algn="ctr">
-              <a:spcBef>
-                <a:spcPts val="0"/>
-              </a:spcBef>
-              <a:spcAft>
-                <a:spcPts val="0"/>
-              </a:spcAft>
-              <a:buSzPts val="1400"/>
-              <a:buChar char="○"/>
-              <a:defRPr/>
-            </a:lvl2pPr>
-            <a:lvl3pPr indent="-317500" lvl="2" marL="1371600" algn="ctr">
-              <a:spcBef>
-                <a:spcPts val="0"/>
-              </a:spcBef>
-              <a:spcAft>
-                <a:spcPts val="0"/>
-              </a:spcAft>
-              <a:buSzPts val="1400"/>
-              <a:buChar char="■"/>
-              <a:defRPr/>
-            </a:lvl3pPr>
-            <a:lvl4pPr indent="-317500" lvl="3" marL="1828800" algn="ctr">
-              <a:spcBef>
-                <a:spcPts val="0"/>
-              </a:spcBef>
-              <a:spcAft>
-                <a:spcPts val="0"/>
-              </a:spcAft>
-              <a:buSzPts val="1400"/>
-              <a:buChar char="●"/>
-              <a:defRPr/>
-            </a:lvl4pPr>
-            <a:lvl5pPr indent="-317500" lvl="4" marL="2286000" algn="ctr">
-              <a:spcBef>
-                <a:spcPts val="0"/>
-              </a:spcBef>
-              <a:spcAft>
-                <a:spcPts val="0"/>
-              </a:spcAft>
-              <a:buSzPts val="1400"/>
-              <a:buChar char="○"/>
-              <a:defRPr/>
-            </a:lvl5pPr>
-            <a:lvl6pPr indent="-317500" lvl="5" marL="2743200" algn="ctr">
-              <a:spcBef>
-                <a:spcPts val="0"/>
-              </a:spcBef>
-              <a:spcAft>
-                <a:spcPts val="0"/>
-              </a:spcAft>
-              <a:buSzPts val="1400"/>
-              <a:buChar char="■"/>
-              <a:defRPr/>
-            </a:lvl6pPr>
-            <a:lvl7pPr indent="-317500" lvl="6" marL="3200400" algn="ctr">
-              <a:spcBef>
-                <a:spcPts val="0"/>
-              </a:spcBef>
-              <a:spcAft>
-                <a:spcPts val="0"/>
-              </a:spcAft>
-              <a:buSzPts val="1400"/>
-              <a:buChar char="●"/>
-              <a:defRPr/>
-            </a:lvl7pPr>
-            <a:lvl8pPr indent="-317500" lvl="7" marL="3657600" algn="ctr">
-              <a:spcBef>
-                <a:spcPts val="0"/>
-              </a:spcBef>
-              <a:spcAft>
-                <a:spcPts val="0"/>
-              </a:spcAft>
-              <a:buSzPts val="1400"/>
-              <a:buChar char="○"/>
-              <a:defRPr/>
-            </a:lvl8pPr>
-            <a:lvl9pPr indent="-317500" lvl="8" marL="4114800" algn="ctr">
-              <a:spcBef>
-                <a:spcPts val="0"/>
-              </a:spcBef>
-              <a:spcAft>
-                <a:spcPts val="0"/>
-              </a:spcAft>
-              <a:buSzPts val="1400"/>
-              <a:buChar char="■"/>
-              <a:defRPr/>
-            </a:lvl9pPr>
-          </a:lstStyle>
-          <a:p/>
-        </p:txBody>
-      </p:sp>
-      <p:sp>
-        <p:nvSpPr>
-          <p:cNvPr id="47" name="Google Shape;47;p11"/>
-          <p:cNvSpPr txBox="1"/>
-          <p:nvPr>
-            <p:ph idx="12" type="sldNum"/>
-          </p:nvPr>
-        </p:nvSpPr>
-        <p:spPr>
-          <a:xfrm>
-            <a:off x="8472458" y="4663217"/>
-            <a:ext cx="548700" cy="393600"/>
-          </a:xfrm>
-          <a:prstGeom prst="rect">
-            <a:avLst/>
-          </a:prstGeom>
-        </p:spPr>
-        <p:txBody>
-          <a:bodyPr anchorCtr="0" anchor="ctr" bIns="91425" lIns="91425" spcFirstLastPara="1" rIns="91425" wrap="square" tIns="91425">
-            <a:normAutofit/>
-          </a:bodyPr>
-          <a:lstStyle>
-            <a:lvl1pPr lvl="0">
-              <a:buNone/>
-              <a:defRPr/>
-            </a:lvl1pPr>
-            <a:lvl2pPr lvl="1">
-              <a:buNone/>
-              <a:defRPr/>
-            </a:lvl2pPr>
-            <a:lvl3pPr lvl="2">
-              <a:buNone/>
-              <a:defRPr/>
-            </a:lvl3pPr>
-            <a:lvl4pPr lvl="3">
-              <a:buNone/>
-              <a:defRPr/>
-            </a:lvl4pPr>
-            <a:lvl5pPr lvl="4">
-              <a:buNone/>
-              <a:defRPr/>
-            </a:lvl5pPr>
-            <a:lvl6pPr lvl="5">
-              <a:buNone/>
-              <a:defRPr/>
-            </a:lvl6pPr>
-            <a:lvl7pPr lvl="6">
-              <a:buNone/>
-              <a:defRPr/>
-            </a:lvl7pPr>
-            <a:lvl8pPr lvl="7">
-              <a:buNone/>
-              <a:defRPr/>
-            </a:lvl8pPr>
-            <a:lvl9pPr lvl="8">
-              <a:buNone/>
-              <a:defRPr/>
-            </a:lvl9pPr>
-          </a:lstStyle>
-          <a:p>
-            <a:pPr indent="0" lvl="0" marL="0" rtl="0" algn="r">
-              <a:spcBef>
-                <a:spcPts val="0"/>
-              </a:spcBef>
-              <a:spcAft>
-                <a:spcPts val="0"/>
-              </a:spcAft>
-              <a:buNone/>
-            </a:pPr>
-            <a:fld id="{00000000-1234-1234-1234-123412341234}" type="slidenum">
-              <a:rPr lang="en"/>
-              <a:t>‹#›</a:t>
-            </a:fld>
-            <a:endParaRPr/>
-          </a:p>
-        </p:txBody>
-      </p:sp>
-    </p:spTree>
-  </p:cSld>
-  <p:clrMapOvr>
-    <a:masterClrMapping/>
-  </p:clrMapOvr>
-</p:sldLayout>
-</file>
-
-<file path=ppt/slideLayouts/slideLayout11.xml><?xml version="1.0" encoding="utf-8"?>
-<p:sldLayout xmlns:a="http://schemas.openxmlformats.org/drawingml/2006/main" xmlns:r="http://schemas.openxmlformats.org/officeDocument/2006/relationships" xmlns:mc="http://schemas.openxmlformats.org/markup-compatibility/2006" xmlns:mv="urn:schemas-microsoft-com:mac:vml" xmlns:p="http://schemas.openxmlformats.org/presentationml/2006/main" xmlns:c="http://schemas.openxmlformats.org/drawingml/2006/chart" xmlns:dgm="http://schemas.openxmlformats.org/drawingml/2006/diagram" xmlns:o="urn:schemas-microsoft-com:office:office" xmlns:v="urn:schemas-microsoft-com:vml" xmlns:pvml="urn:schemas-microsoft-com:office:powerpoint" xmlns:com="http://schemas.openxmlformats.org/drawingml/2006/compatibility" xmlns:p14="http://schemas.microsoft.com/office/powerpoint/2010/main" xmlns:p15="http://schemas.microsoft.com/office/powerpoint/2012/main" xmlns:ahyp="http://schemas.microsoft.com/office/drawing/2018/hyperlinkcolor" matchingName="Blank" type="blank">
+<p:sldLayout xmlns:a="http://schemas.openxmlformats.org/drawingml/2006/main" xmlns:r="http://schemas.openxmlformats.org/officeDocument/2006/relationships" xmlns:p="http://schemas.openxmlformats.org/presentationml/2006/main" matchingName="Blank" type="blank">
   <p:cSld name="BLANK">
     <p:spTree>
       <p:nvGrpSpPr>
-        <p:cNvPr id="48" name="Shape 48"/>
+        <p:cNvPr id="1" name="Shape 48"/>
         <p:cNvGrpSpPr/>
         <p:nvPr/>
       </p:nvGrpSpPr>
@@ -1540,9 +1214,11 @@
       <p:sp>
         <p:nvSpPr>
           <p:cNvPr id="49" name="Google Shape;49;p12"/>
-          <p:cNvSpPr txBox="1"/>
+          <p:cNvSpPr txBox="1">
+            <a:spLocks noGrp="1"/>
+          </p:cNvSpPr>
           <p:nvPr>
-            <p:ph idx="12" type="sldNum"/>
+            <p:ph type="sldNum" idx="12"/>
           </p:nvPr>
         </p:nvSpPr>
         <p:spPr>
@@ -1555,7 +1231,7 @@
           </a:prstGeom>
         </p:spPr>
         <p:txBody>
-          <a:bodyPr anchorCtr="0" anchor="ctr" bIns="91425" lIns="91425" spcFirstLastPara="1" rIns="91425" wrap="square" tIns="91425">
+          <a:bodyPr spcFirstLastPara="1" wrap="square" lIns="91425" tIns="91425" rIns="91425" bIns="91425" anchor="ctr" anchorCtr="0">
             <a:normAutofit/>
           </a:bodyPr>
           <a:lstStyle>
@@ -1597,7 +1273,7 @@
             </a:lvl9pPr>
           </a:lstStyle>
           <a:p>
-            <a:pPr indent="0" lvl="0" marL="0" rtl="0" algn="r">
+            <a:pPr marL="0" lvl="0" indent="0" algn="r" rtl="0">
               <a:spcBef>
                 <a:spcPts val="0"/>
               </a:spcBef>
@@ -1623,11 +1299,11 @@
 </file>
 
 <file path=ppt/slideLayouts/slideLayout2.xml><?xml version="1.0" encoding="utf-8"?>
-<p:sldLayout xmlns:a="http://schemas.openxmlformats.org/drawingml/2006/main" xmlns:r="http://schemas.openxmlformats.org/officeDocument/2006/relationships" xmlns:mc="http://schemas.openxmlformats.org/markup-compatibility/2006" xmlns:mv="urn:schemas-microsoft-com:mac:vml" xmlns:p="http://schemas.openxmlformats.org/presentationml/2006/main" xmlns:c="http://schemas.openxmlformats.org/drawingml/2006/chart" xmlns:dgm="http://schemas.openxmlformats.org/drawingml/2006/diagram" xmlns:o="urn:schemas-microsoft-com:office:office" xmlns:v="urn:schemas-microsoft-com:vml" xmlns:pvml="urn:schemas-microsoft-com:office:powerpoint" xmlns:com="http://schemas.openxmlformats.org/drawingml/2006/compatibility" xmlns:p14="http://schemas.microsoft.com/office/powerpoint/2010/main" xmlns:p15="http://schemas.microsoft.com/office/powerpoint/2012/main" xmlns:ahyp="http://schemas.microsoft.com/office/drawing/2018/hyperlinkcolor" matchingName="Section header" type="secHead">
-  <p:cSld name="SECTION_HEADER">
+<p:sldLayout xmlns:a="http://schemas.openxmlformats.org/drawingml/2006/main" xmlns:r="http://schemas.openxmlformats.org/officeDocument/2006/relationships" xmlns:p="http://schemas.openxmlformats.org/presentationml/2006/main" matchingName="Title and body" type="tx">
+  <p:cSld name="TITLE_AND_BODY">
     <p:spTree>
       <p:nvGrpSpPr>
-        <p:cNvPr id="13" name="Shape 13"/>
+        <p:cNvPr id="1" name="Shape 16"/>
         <p:cNvGrpSpPr/>
         <p:nvPr/>
       </p:nvGrpSpPr>
@@ -1641,135 +1317,270 @@
       </p:grpSpPr>
       <p:sp>
         <p:nvSpPr>
-          <p:cNvPr id="14" name="Google Shape;14;p3"/>
-          <p:cNvSpPr txBox="1"/>
+          <p:cNvPr id="17" name="Google Shape;17;p4"/>
+          <p:cNvSpPr txBox="1">
+            <a:spLocks noGrp="1"/>
+          </p:cNvSpPr>
           <p:nvPr>
             <p:ph type="title"/>
           </p:nvPr>
         </p:nvSpPr>
         <p:spPr>
           <a:xfrm>
-            <a:off x="311700" y="2150850"/>
-            <a:ext cx="8520600" cy="841800"/>
+            <a:off x="311700" y="445025"/>
+            <a:ext cx="8520600" cy="572700"/>
           </a:xfrm>
           <a:prstGeom prst="rect">
             <a:avLst/>
           </a:prstGeom>
         </p:spPr>
         <p:txBody>
-          <a:bodyPr anchorCtr="0" anchor="ctr" bIns="91425" lIns="91425" spcFirstLastPara="1" rIns="91425" wrap="square" tIns="91425">
+          <a:bodyPr spcFirstLastPara="1" wrap="square" lIns="91425" tIns="91425" rIns="91425" bIns="91425" anchor="t" anchorCtr="0">
             <a:normAutofit/>
           </a:bodyPr>
           <a:lstStyle>
-            <a:lvl1pPr lvl="0" algn="ctr">
-              <a:spcBef>
-                <a:spcPts val="0"/>
-              </a:spcBef>
-              <a:spcAft>
-                <a:spcPts val="0"/>
-              </a:spcAft>
-              <a:buSzPts val="3600"/>
-              <a:buNone/>
-              <a:defRPr sz="3600"/>
+            <a:lvl1pPr lvl="0">
+              <a:spcBef>
+                <a:spcPts val="0"/>
+              </a:spcBef>
+              <a:spcAft>
+                <a:spcPts val="0"/>
+              </a:spcAft>
+              <a:buSzPts val="2800"/>
+              <a:buNone/>
+              <a:defRPr/>
             </a:lvl1pPr>
-            <a:lvl2pPr lvl="1" algn="ctr">
-              <a:spcBef>
-                <a:spcPts val="0"/>
-              </a:spcBef>
-              <a:spcAft>
-                <a:spcPts val="0"/>
-              </a:spcAft>
-              <a:buSzPts val="3600"/>
-              <a:buNone/>
-              <a:defRPr sz="3600"/>
+            <a:lvl2pPr lvl="1">
+              <a:spcBef>
+                <a:spcPts val="0"/>
+              </a:spcBef>
+              <a:spcAft>
+                <a:spcPts val="0"/>
+              </a:spcAft>
+              <a:buSzPts val="2800"/>
+              <a:buNone/>
+              <a:defRPr/>
             </a:lvl2pPr>
-            <a:lvl3pPr lvl="2" algn="ctr">
-              <a:spcBef>
-                <a:spcPts val="0"/>
-              </a:spcBef>
-              <a:spcAft>
-                <a:spcPts val="0"/>
-              </a:spcAft>
-              <a:buSzPts val="3600"/>
-              <a:buNone/>
-              <a:defRPr sz="3600"/>
+            <a:lvl3pPr lvl="2">
+              <a:spcBef>
+                <a:spcPts val="0"/>
+              </a:spcBef>
+              <a:spcAft>
+                <a:spcPts val="0"/>
+              </a:spcAft>
+              <a:buSzPts val="2800"/>
+              <a:buNone/>
+              <a:defRPr/>
             </a:lvl3pPr>
-            <a:lvl4pPr lvl="3" algn="ctr">
-              <a:spcBef>
-                <a:spcPts val="0"/>
-              </a:spcBef>
-              <a:spcAft>
-                <a:spcPts val="0"/>
-              </a:spcAft>
-              <a:buSzPts val="3600"/>
-              <a:buNone/>
-              <a:defRPr sz="3600"/>
+            <a:lvl4pPr lvl="3">
+              <a:spcBef>
+                <a:spcPts val="0"/>
+              </a:spcBef>
+              <a:spcAft>
+                <a:spcPts val="0"/>
+              </a:spcAft>
+              <a:buSzPts val="2800"/>
+              <a:buNone/>
+              <a:defRPr/>
             </a:lvl4pPr>
-            <a:lvl5pPr lvl="4" algn="ctr">
-              <a:spcBef>
-                <a:spcPts val="0"/>
-              </a:spcBef>
-              <a:spcAft>
-                <a:spcPts val="0"/>
-              </a:spcAft>
-              <a:buSzPts val="3600"/>
-              <a:buNone/>
-              <a:defRPr sz="3600"/>
+            <a:lvl5pPr lvl="4">
+              <a:spcBef>
+                <a:spcPts val="0"/>
+              </a:spcBef>
+              <a:spcAft>
+                <a:spcPts val="0"/>
+              </a:spcAft>
+              <a:buSzPts val="2800"/>
+              <a:buNone/>
+              <a:defRPr/>
             </a:lvl5pPr>
-            <a:lvl6pPr lvl="5" algn="ctr">
-              <a:spcBef>
-                <a:spcPts val="0"/>
-              </a:spcBef>
-              <a:spcAft>
-                <a:spcPts val="0"/>
-              </a:spcAft>
-              <a:buSzPts val="3600"/>
-              <a:buNone/>
-              <a:defRPr sz="3600"/>
+            <a:lvl6pPr lvl="5">
+              <a:spcBef>
+                <a:spcPts val="0"/>
+              </a:spcBef>
+              <a:spcAft>
+                <a:spcPts val="0"/>
+              </a:spcAft>
+              <a:buSzPts val="2800"/>
+              <a:buNone/>
+              <a:defRPr/>
             </a:lvl6pPr>
-            <a:lvl7pPr lvl="6" algn="ctr">
-              <a:spcBef>
-                <a:spcPts val="0"/>
-              </a:spcBef>
-              <a:spcAft>
-                <a:spcPts val="0"/>
-              </a:spcAft>
-              <a:buSzPts val="3600"/>
-              <a:buNone/>
-              <a:defRPr sz="3600"/>
+            <a:lvl7pPr lvl="6">
+              <a:spcBef>
+                <a:spcPts val="0"/>
+              </a:spcBef>
+              <a:spcAft>
+                <a:spcPts val="0"/>
+              </a:spcAft>
+              <a:buSzPts val="2800"/>
+              <a:buNone/>
+              <a:defRPr/>
             </a:lvl7pPr>
-            <a:lvl8pPr lvl="7" algn="ctr">
-              <a:spcBef>
-                <a:spcPts val="0"/>
-              </a:spcBef>
-              <a:spcAft>
-                <a:spcPts val="0"/>
-              </a:spcAft>
-              <a:buSzPts val="3600"/>
-              <a:buNone/>
-              <a:defRPr sz="3600"/>
+            <a:lvl8pPr lvl="7">
+              <a:spcBef>
+                <a:spcPts val="0"/>
+              </a:spcBef>
+              <a:spcAft>
+                <a:spcPts val="0"/>
+              </a:spcAft>
+              <a:buSzPts val="2800"/>
+              <a:buNone/>
+              <a:defRPr/>
             </a:lvl8pPr>
-            <a:lvl9pPr lvl="8" algn="ctr">
-              <a:spcBef>
-                <a:spcPts val="0"/>
-              </a:spcBef>
-              <a:spcAft>
-                <a:spcPts val="0"/>
-              </a:spcAft>
-              <a:buSzPts val="3600"/>
-              <a:buNone/>
-              <a:defRPr sz="3600"/>
+            <a:lvl9pPr lvl="8">
+              <a:spcBef>
+                <a:spcPts val="0"/>
+              </a:spcBef>
+              <a:spcAft>
+                <a:spcPts val="0"/>
+              </a:spcAft>
+              <a:buSzPts val="2800"/>
+              <a:buNone/>
+              <a:defRPr/>
             </a:lvl9pPr>
           </a:lstStyle>
-          <a:p/>
+          <a:p>
+            <a:endParaRPr/>
+          </a:p>
         </p:txBody>
       </p:sp>
       <p:sp>
         <p:nvSpPr>
-          <p:cNvPr id="15" name="Google Shape;15;p3"/>
-          <p:cNvSpPr txBox="1"/>
+          <p:cNvPr id="18" name="Google Shape;18;p4"/>
+          <p:cNvSpPr txBox="1">
+            <a:spLocks noGrp="1"/>
+          </p:cNvSpPr>
           <p:nvPr>
-            <p:ph idx="12" type="sldNum"/>
+            <p:ph type="body" idx="1"/>
+          </p:nvPr>
+        </p:nvSpPr>
+        <p:spPr>
+          <a:xfrm>
+            <a:off x="311700" y="1152475"/>
+            <a:ext cx="8520600" cy="3416400"/>
+          </a:xfrm>
+          <a:prstGeom prst="rect">
+            <a:avLst/>
+          </a:prstGeom>
+        </p:spPr>
+        <p:txBody>
+          <a:bodyPr spcFirstLastPara="1" wrap="square" lIns="91425" tIns="91425" rIns="91425" bIns="91425" anchor="t" anchorCtr="0">
+            <a:normAutofit/>
+          </a:bodyPr>
+          <a:lstStyle>
+            <a:lvl1pPr marL="457200" lvl="0" indent="-342900">
+              <a:spcBef>
+                <a:spcPts val="0"/>
+              </a:spcBef>
+              <a:spcAft>
+                <a:spcPts val="0"/>
+              </a:spcAft>
+              <a:buSzPts val="1800"/>
+              <a:buChar char="●"/>
+              <a:defRPr/>
+            </a:lvl1pPr>
+            <a:lvl2pPr marL="914400" lvl="1" indent="-317500">
+              <a:spcBef>
+                <a:spcPts val="0"/>
+              </a:spcBef>
+              <a:spcAft>
+                <a:spcPts val="0"/>
+              </a:spcAft>
+              <a:buSzPts val="1400"/>
+              <a:buChar char="○"/>
+              <a:defRPr/>
+            </a:lvl2pPr>
+            <a:lvl3pPr marL="1371600" lvl="2" indent="-317500">
+              <a:spcBef>
+                <a:spcPts val="0"/>
+              </a:spcBef>
+              <a:spcAft>
+                <a:spcPts val="0"/>
+              </a:spcAft>
+              <a:buSzPts val="1400"/>
+              <a:buChar char="■"/>
+              <a:defRPr/>
+            </a:lvl3pPr>
+            <a:lvl4pPr marL="1828800" lvl="3" indent="-317500">
+              <a:spcBef>
+                <a:spcPts val="0"/>
+              </a:spcBef>
+              <a:spcAft>
+                <a:spcPts val="0"/>
+              </a:spcAft>
+              <a:buSzPts val="1400"/>
+              <a:buChar char="●"/>
+              <a:defRPr/>
+            </a:lvl4pPr>
+            <a:lvl5pPr marL="2286000" lvl="4" indent="-317500">
+              <a:spcBef>
+                <a:spcPts val="0"/>
+              </a:spcBef>
+              <a:spcAft>
+                <a:spcPts val="0"/>
+              </a:spcAft>
+              <a:buSzPts val="1400"/>
+              <a:buChar char="○"/>
+              <a:defRPr/>
+            </a:lvl5pPr>
+            <a:lvl6pPr marL="2743200" lvl="5" indent="-317500">
+              <a:spcBef>
+                <a:spcPts val="0"/>
+              </a:spcBef>
+              <a:spcAft>
+                <a:spcPts val="0"/>
+              </a:spcAft>
+              <a:buSzPts val="1400"/>
+              <a:buChar char="■"/>
+              <a:defRPr/>
+            </a:lvl6pPr>
+            <a:lvl7pPr marL="3200400" lvl="6" indent="-317500">
+              <a:spcBef>
+                <a:spcPts val="0"/>
+              </a:spcBef>
+              <a:spcAft>
+                <a:spcPts val="0"/>
+              </a:spcAft>
+              <a:buSzPts val="1400"/>
+              <a:buChar char="●"/>
+              <a:defRPr/>
+            </a:lvl7pPr>
+            <a:lvl8pPr marL="3657600" lvl="7" indent="-317500">
+              <a:spcBef>
+                <a:spcPts val="0"/>
+              </a:spcBef>
+              <a:spcAft>
+                <a:spcPts val="0"/>
+              </a:spcAft>
+              <a:buSzPts val="1400"/>
+              <a:buChar char="○"/>
+              <a:defRPr/>
+            </a:lvl8pPr>
+            <a:lvl9pPr marL="4114800" lvl="8" indent="-317500">
+              <a:spcBef>
+                <a:spcPts val="0"/>
+              </a:spcBef>
+              <a:spcAft>
+                <a:spcPts val="0"/>
+              </a:spcAft>
+              <a:buSzPts val="1400"/>
+              <a:buChar char="■"/>
+              <a:defRPr/>
+            </a:lvl9pPr>
+          </a:lstStyle>
+          <a:p>
+            <a:endParaRPr/>
+          </a:p>
+        </p:txBody>
+      </p:sp>
+      <p:sp>
+        <p:nvSpPr>
+          <p:cNvPr id="19" name="Google Shape;19;p4"/>
+          <p:cNvSpPr txBox="1">
+            <a:spLocks noGrp="1"/>
+          </p:cNvSpPr>
+          <p:nvPr>
+            <p:ph type="sldNum" idx="12"/>
           </p:nvPr>
         </p:nvSpPr>
         <p:spPr>
@@ -1782,7 +1593,7 @@
           </a:prstGeom>
         </p:spPr>
         <p:txBody>
-          <a:bodyPr anchorCtr="0" anchor="ctr" bIns="91425" lIns="91425" spcFirstLastPara="1" rIns="91425" wrap="square" tIns="91425">
+          <a:bodyPr spcFirstLastPara="1" wrap="square" lIns="91425" tIns="91425" rIns="91425" bIns="91425" anchor="ctr" anchorCtr="0">
             <a:normAutofit/>
           </a:bodyPr>
           <a:lstStyle>
@@ -1824,7 +1635,7 @@
             </a:lvl9pPr>
           </a:lstStyle>
           <a:p>
-            <a:pPr indent="0" lvl="0" marL="0" rtl="0" algn="r">
+            <a:pPr marL="0" lvl="0" indent="0" algn="r" rtl="0">
               <a:spcBef>
                 <a:spcPts val="0"/>
               </a:spcBef>
@@ -1850,11 +1661,11 @@
 </file>
 
 <file path=ppt/slideLayouts/slideLayout3.xml><?xml version="1.0" encoding="utf-8"?>
-<p:sldLayout xmlns:a="http://schemas.openxmlformats.org/drawingml/2006/main" xmlns:r="http://schemas.openxmlformats.org/officeDocument/2006/relationships" xmlns:mc="http://schemas.openxmlformats.org/markup-compatibility/2006" xmlns:mv="urn:schemas-microsoft-com:mac:vml" xmlns:p="http://schemas.openxmlformats.org/presentationml/2006/main" xmlns:c="http://schemas.openxmlformats.org/drawingml/2006/chart" xmlns:dgm="http://schemas.openxmlformats.org/drawingml/2006/diagram" xmlns:o="urn:schemas-microsoft-com:office:office" xmlns:v="urn:schemas-microsoft-com:vml" xmlns:pvml="urn:schemas-microsoft-com:office:powerpoint" xmlns:com="http://schemas.openxmlformats.org/drawingml/2006/compatibility" xmlns:p14="http://schemas.microsoft.com/office/powerpoint/2010/main" xmlns:p15="http://schemas.microsoft.com/office/powerpoint/2012/main" xmlns:ahyp="http://schemas.microsoft.com/office/drawing/2018/hyperlinkcolor" matchingName="Title and body" type="tx">
-  <p:cSld name="TITLE_AND_BODY">
+<p:sldLayout xmlns:a="http://schemas.openxmlformats.org/drawingml/2006/main" xmlns:r="http://schemas.openxmlformats.org/officeDocument/2006/relationships" xmlns:p="http://schemas.openxmlformats.org/presentationml/2006/main" matchingName="Title and two columns" type="twoColTx">
+  <p:cSld name="TITLE_AND_TWO_COLUMNS">
     <p:spTree>
       <p:nvGrpSpPr>
-        <p:cNvPr id="16" name="Shape 16"/>
+        <p:cNvPr id="1" name="Shape 20"/>
         <p:cNvGrpSpPr/>
         <p:nvPr/>
       </p:nvGrpSpPr>
@@ -1868,8 +1679,10 @@
       </p:grpSpPr>
       <p:sp>
         <p:nvSpPr>
-          <p:cNvPr id="17" name="Google Shape;17;p4"/>
-          <p:cNvSpPr txBox="1"/>
+          <p:cNvPr id="21" name="Google Shape;21;p5"/>
+          <p:cNvSpPr txBox="1">
+            <a:spLocks noGrp="1"/>
+          </p:cNvSpPr>
           <p:nvPr>
             <p:ph type="title"/>
           </p:nvPr>
@@ -1884,7 +1697,7 @@
           </a:prstGeom>
         </p:spPr>
         <p:txBody>
-          <a:bodyPr anchorCtr="0" anchor="t" bIns="91425" lIns="91425" spcFirstLastPara="1" rIns="91425" wrap="square" tIns="91425">
+          <a:bodyPr spcFirstLastPara="1" wrap="square" lIns="91425" tIns="91425" rIns="91425" bIns="91425" anchor="t" anchorCtr="0">
             <a:normAutofit/>
           </a:bodyPr>
           <a:lstStyle>
@@ -1988,65 +1801,36 @@
               <a:defRPr/>
             </a:lvl9pPr>
           </a:lstStyle>
-          <a:p/>
+          <a:p>
+            <a:endParaRPr/>
+          </a:p>
         </p:txBody>
       </p:sp>
       <p:sp>
         <p:nvSpPr>
-          <p:cNvPr id="18" name="Google Shape;18;p4"/>
-          <p:cNvSpPr txBox="1"/>
+          <p:cNvPr id="22" name="Google Shape;22;p5"/>
+          <p:cNvSpPr txBox="1">
+            <a:spLocks noGrp="1"/>
+          </p:cNvSpPr>
           <p:nvPr>
-            <p:ph idx="1" type="body"/>
+            <p:ph type="body" idx="1"/>
           </p:nvPr>
         </p:nvSpPr>
         <p:spPr>
           <a:xfrm>
             <a:off x="311700" y="1152475"/>
-            <a:ext cx="8520600" cy="3416400"/>
+            <a:ext cx="3999900" cy="3416400"/>
           </a:xfrm>
           <a:prstGeom prst="rect">
             <a:avLst/>
           </a:prstGeom>
         </p:spPr>
         <p:txBody>
-          <a:bodyPr anchorCtr="0" anchor="t" bIns="91425" lIns="91425" spcFirstLastPara="1" rIns="91425" wrap="square" tIns="91425">
+          <a:bodyPr spcFirstLastPara="1" wrap="square" lIns="91425" tIns="91425" rIns="91425" bIns="91425" anchor="t" anchorCtr="0">
             <a:normAutofit/>
           </a:bodyPr>
           <a:lstStyle>
-            <a:lvl1pPr indent="-342900" lvl="0" marL="457200">
-              <a:spcBef>
-                <a:spcPts val="0"/>
-              </a:spcBef>
-              <a:spcAft>
-                <a:spcPts val="0"/>
-              </a:spcAft>
-              <a:buSzPts val="1800"/>
-              <a:buChar char="●"/>
-              <a:defRPr/>
-            </a:lvl1pPr>
-            <a:lvl2pPr indent="-317500" lvl="1" marL="914400">
-              <a:spcBef>
-                <a:spcPts val="0"/>
-              </a:spcBef>
-              <a:spcAft>
-                <a:spcPts val="0"/>
-              </a:spcAft>
-              <a:buSzPts val="1400"/>
-              <a:buChar char="○"/>
-              <a:defRPr/>
-            </a:lvl2pPr>
-            <a:lvl3pPr indent="-317500" lvl="2" marL="1371600">
-              <a:spcBef>
-                <a:spcPts val="0"/>
-              </a:spcBef>
-              <a:spcAft>
-                <a:spcPts val="0"/>
-              </a:spcAft>
-              <a:buSzPts val="1400"/>
-              <a:buChar char="■"/>
-              <a:defRPr/>
-            </a:lvl3pPr>
-            <a:lvl4pPr indent="-317500" lvl="3" marL="1828800">
+            <a:lvl1pPr marL="457200" lvl="0" indent="-317500">
               <a:spcBef>
                 <a:spcPts val="0"/>
               </a:spcBef>
@@ -2055,73 +1839,239 @@
               </a:spcAft>
               <a:buSzPts val="1400"/>
               <a:buChar char="●"/>
-              <a:defRPr/>
+              <a:defRPr sz="1400"/>
+            </a:lvl1pPr>
+            <a:lvl2pPr marL="914400" lvl="1" indent="-304800">
+              <a:spcBef>
+                <a:spcPts val="0"/>
+              </a:spcBef>
+              <a:spcAft>
+                <a:spcPts val="0"/>
+              </a:spcAft>
+              <a:buSzPts val="1200"/>
+              <a:buChar char="○"/>
+              <a:defRPr sz="1200"/>
+            </a:lvl2pPr>
+            <a:lvl3pPr marL="1371600" lvl="2" indent="-304800">
+              <a:spcBef>
+                <a:spcPts val="0"/>
+              </a:spcBef>
+              <a:spcAft>
+                <a:spcPts val="0"/>
+              </a:spcAft>
+              <a:buSzPts val="1200"/>
+              <a:buChar char="■"/>
+              <a:defRPr sz="1200"/>
+            </a:lvl3pPr>
+            <a:lvl4pPr marL="1828800" lvl="3" indent="-304800">
+              <a:spcBef>
+                <a:spcPts val="0"/>
+              </a:spcBef>
+              <a:spcAft>
+                <a:spcPts val="0"/>
+              </a:spcAft>
+              <a:buSzPts val="1200"/>
+              <a:buChar char="●"/>
+              <a:defRPr sz="1200"/>
             </a:lvl4pPr>
-            <a:lvl5pPr indent="-317500" lvl="4" marL="2286000">
-              <a:spcBef>
-                <a:spcPts val="0"/>
-              </a:spcBef>
-              <a:spcAft>
-                <a:spcPts val="0"/>
-              </a:spcAft>
-              <a:buSzPts val="1400"/>
+            <a:lvl5pPr marL="2286000" lvl="4" indent="-304800">
+              <a:spcBef>
+                <a:spcPts val="0"/>
+              </a:spcBef>
+              <a:spcAft>
+                <a:spcPts val="0"/>
+              </a:spcAft>
+              <a:buSzPts val="1200"/>
               <a:buChar char="○"/>
-              <a:defRPr/>
+              <a:defRPr sz="1200"/>
             </a:lvl5pPr>
-            <a:lvl6pPr indent="-317500" lvl="5" marL="2743200">
-              <a:spcBef>
-                <a:spcPts val="0"/>
-              </a:spcBef>
-              <a:spcAft>
-                <a:spcPts val="0"/>
-              </a:spcAft>
-              <a:buSzPts val="1400"/>
+            <a:lvl6pPr marL="2743200" lvl="5" indent="-304800">
+              <a:spcBef>
+                <a:spcPts val="0"/>
+              </a:spcBef>
+              <a:spcAft>
+                <a:spcPts val="0"/>
+              </a:spcAft>
+              <a:buSzPts val="1200"/>
               <a:buChar char="■"/>
-              <a:defRPr/>
+              <a:defRPr sz="1200"/>
             </a:lvl6pPr>
-            <a:lvl7pPr indent="-317500" lvl="6" marL="3200400">
-              <a:spcBef>
-                <a:spcPts val="0"/>
-              </a:spcBef>
-              <a:spcAft>
-                <a:spcPts val="0"/>
-              </a:spcAft>
-              <a:buSzPts val="1400"/>
+            <a:lvl7pPr marL="3200400" lvl="6" indent="-304800">
+              <a:spcBef>
+                <a:spcPts val="0"/>
+              </a:spcBef>
+              <a:spcAft>
+                <a:spcPts val="0"/>
+              </a:spcAft>
+              <a:buSzPts val="1200"/>
               <a:buChar char="●"/>
-              <a:defRPr/>
+              <a:defRPr sz="1200"/>
             </a:lvl7pPr>
-            <a:lvl8pPr indent="-317500" lvl="7" marL="3657600">
-              <a:spcBef>
-                <a:spcPts val="0"/>
-              </a:spcBef>
-              <a:spcAft>
-                <a:spcPts val="0"/>
-              </a:spcAft>
-              <a:buSzPts val="1400"/>
+            <a:lvl8pPr marL="3657600" lvl="7" indent="-304800">
+              <a:spcBef>
+                <a:spcPts val="0"/>
+              </a:spcBef>
+              <a:spcAft>
+                <a:spcPts val="0"/>
+              </a:spcAft>
+              <a:buSzPts val="1200"/>
               <a:buChar char="○"/>
-              <a:defRPr/>
+              <a:defRPr sz="1200"/>
             </a:lvl8pPr>
-            <a:lvl9pPr indent="-317500" lvl="8" marL="4114800">
-              <a:spcBef>
-                <a:spcPts val="0"/>
-              </a:spcBef>
-              <a:spcAft>
-                <a:spcPts val="0"/>
-              </a:spcAft>
-              <a:buSzPts val="1400"/>
+            <a:lvl9pPr marL="4114800" lvl="8" indent="-304800">
+              <a:spcBef>
+                <a:spcPts val="0"/>
+              </a:spcBef>
+              <a:spcAft>
+                <a:spcPts val="0"/>
+              </a:spcAft>
+              <a:buSzPts val="1200"/>
               <a:buChar char="■"/>
-              <a:defRPr/>
+              <a:defRPr sz="1200"/>
             </a:lvl9pPr>
           </a:lstStyle>
-          <a:p/>
+          <a:p>
+            <a:endParaRPr/>
+          </a:p>
         </p:txBody>
       </p:sp>
       <p:sp>
         <p:nvSpPr>
-          <p:cNvPr id="19" name="Google Shape;19;p4"/>
-          <p:cNvSpPr txBox="1"/>
+          <p:cNvPr id="23" name="Google Shape;23;p5"/>
+          <p:cNvSpPr txBox="1">
+            <a:spLocks noGrp="1"/>
+          </p:cNvSpPr>
           <p:nvPr>
-            <p:ph idx="12" type="sldNum"/>
+            <p:ph type="body" idx="2"/>
+          </p:nvPr>
+        </p:nvSpPr>
+        <p:spPr>
+          <a:xfrm>
+            <a:off x="4832400" y="1152475"/>
+            <a:ext cx="3999900" cy="3416400"/>
+          </a:xfrm>
+          <a:prstGeom prst="rect">
+            <a:avLst/>
+          </a:prstGeom>
+        </p:spPr>
+        <p:txBody>
+          <a:bodyPr spcFirstLastPara="1" wrap="square" lIns="91425" tIns="91425" rIns="91425" bIns="91425" anchor="t" anchorCtr="0">
+            <a:normAutofit/>
+          </a:bodyPr>
+          <a:lstStyle>
+            <a:lvl1pPr marL="457200" lvl="0" indent="-317500">
+              <a:spcBef>
+                <a:spcPts val="0"/>
+              </a:spcBef>
+              <a:spcAft>
+                <a:spcPts val="0"/>
+              </a:spcAft>
+              <a:buSzPts val="1400"/>
+              <a:buChar char="●"/>
+              <a:defRPr sz="1400"/>
+            </a:lvl1pPr>
+            <a:lvl2pPr marL="914400" lvl="1" indent="-304800">
+              <a:spcBef>
+                <a:spcPts val="0"/>
+              </a:spcBef>
+              <a:spcAft>
+                <a:spcPts val="0"/>
+              </a:spcAft>
+              <a:buSzPts val="1200"/>
+              <a:buChar char="○"/>
+              <a:defRPr sz="1200"/>
+            </a:lvl2pPr>
+            <a:lvl3pPr marL="1371600" lvl="2" indent="-304800">
+              <a:spcBef>
+                <a:spcPts val="0"/>
+              </a:spcBef>
+              <a:spcAft>
+                <a:spcPts val="0"/>
+              </a:spcAft>
+              <a:buSzPts val="1200"/>
+              <a:buChar char="■"/>
+              <a:defRPr sz="1200"/>
+            </a:lvl3pPr>
+            <a:lvl4pPr marL="1828800" lvl="3" indent="-304800">
+              <a:spcBef>
+                <a:spcPts val="0"/>
+              </a:spcBef>
+              <a:spcAft>
+                <a:spcPts val="0"/>
+              </a:spcAft>
+              <a:buSzPts val="1200"/>
+              <a:buChar char="●"/>
+              <a:defRPr sz="1200"/>
+            </a:lvl4pPr>
+            <a:lvl5pPr marL="2286000" lvl="4" indent="-304800">
+              <a:spcBef>
+                <a:spcPts val="0"/>
+              </a:spcBef>
+              <a:spcAft>
+                <a:spcPts val="0"/>
+              </a:spcAft>
+              <a:buSzPts val="1200"/>
+              <a:buChar char="○"/>
+              <a:defRPr sz="1200"/>
+            </a:lvl5pPr>
+            <a:lvl6pPr marL="2743200" lvl="5" indent="-304800">
+              <a:spcBef>
+                <a:spcPts val="0"/>
+              </a:spcBef>
+              <a:spcAft>
+                <a:spcPts val="0"/>
+              </a:spcAft>
+              <a:buSzPts val="1200"/>
+              <a:buChar char="■"/>
+              <a:defRPr sz="1200"/>
+            </a:lvl6pPr>
+            <a:lvl7pPr marL="3200400" lvl="6" indent="-304800">
+              <a:spcBef>
+                <a:spcPts val="0"/>
+              </a:spcBef>
+              <a:spcAft>
+                <a:spcPts val="0"/>
+              </a:spcAft>
+              <a:buSzPts val="1200"/>
+              <a:buChar char="●"/>
+              <a:defRPr sz="1200"/>
+            </a:lvl7pPr>
+            <a:lvl8pPr marL="3657600" lvl="7" indent="-304800">
+              <a:spcBef>
+                <a:spcPts val="0"/>
+              </a:spcBef>
+              <a:spcAft>
+                <a:spcPts val="0"/>
+              </a:spcAft>
+              <a:buSzPts val="1200"/>
+              <a:buChar char="○"/>
+              <a:defRPr sz="1200"/>
+            </a:lvl8pPr>
+            <a:lvl9pPr marL="4114800" lvl="8" indent="-304800">
+              <a:spcBef>
+                <a:spcPts val="0"/>
+              </a:spcBef>
+              <a:spcAft>
+                <a:spcPts val="0"/>
+              </a:spcAft>
+              <a:buSzPts val="1200"/>
+              <a:buChar char="■"/>
+              <a:defRPr sz="1200"/>
+            </a:lvl9pPr>
+          </a:lstStyle>
+          <a:p>
+            <a:endParaRPr/>
+          </a:p>
+        </p:txBody>
+      </p:sp>
+      <p:sp>
+        <p:nvSpPr>
+          <p:cNvPr id="24" name="Google Shape;24;p5"/>
+          <p:cNvSpPr txBox="1">
+            <a:spLocks noGrp="1"/>
+          </p:cNvSpPr>
+          <p:nvPr>
+            <p:ph type="sldNum" idx="12"/>
           </p:nvPr>
         </p:nvSpPr>
         <p:spPr>
@@ -2134,7 +2084,7 @@
           </a:prstGeom>
         </p:spPr>
         <p:txBody>
-          <a:bodyPr anchorCtr="0" anchor="ctr" bIns="91425" lIns="91425" spcFirstLastPara="1" rIns="91425" wrap="square" tIns="91425">
+          <a:bodyPr spcFirstLastPara="1" wrap="square" lIns="91425" tIns="91425" rIns="91425" bIns="91425" anchor="ctr" anchorCtr="0">
             <a:normAutofit/>
           </a:bodyPr>
           <a:lstStyle>
@@ -2176,7 +2126,7 @@
             </a:lvl9pPr>
           </a:lstStyle>
           <a:p>
-            <a:pPr indent="0" lvl="0" marL="0" rtl="0" algn="r">
+            <a:pPr marL="0" lvl="0" indent="0" algn="r" rtl="0">
               <a:spcBef>
                 <a:spcPts val="0"/>
               </a:spcBef>
@@ -2202,11 +2152,11 @@
 </file>
 
 <file path=ppt/slideLayouts/slideLayout4.xml><?xml version="1.0" encoding="utf-8"?>
-<p:sldLayout xmlns:a="http://schemas.openxmlformats.org/drawingml/2006/main" xmlns:r="http://schemas.openxmlformats.org/officeDocument/2006/relationships" xmlns:mc="http://schemas.openxmlformats.org/markup-compatibility/2006" xmlns:mv="urn:schemas-microsoft-com:mac:vml" xmlns:p="http://schemas.openxmlformats.org/presentationml/2006/main" xmlns:c="http://schemas.openxmlformats.org/drawingml/2006/chart" xmlns:dgm="http://schemas.openxmlformats.org/drawingml/2006/diagram" xmlns:o="urn:schemas-microsoft-com:office:office" xmlns:v="urn:schemas-microsoft-com:vml" xmlns:pvml="urn:schemas-microsoft-com:office:powerpoint" xmlns:com="http://schemas.openxmlformats.org/drawingml/2006/compatibility" xmlns:p14="http://schemas.microsoft.com/office/powerpoint/2010/main" xmlns:p15="http://schemas.microsoft.com/office/powerpoint/2012/main" xmlns:ahyp="http://schemas.microsoft.com/office/drawing/2018/hyperlinkcolor" matchingName="Title and two columns" type="twoColTx">
-  <p:cSld name="TITLE_AND_TWO_COLUMNS">
+<p:sldLayout xmlns:a="http://schemas.openxmlformats.org/drawingml/2006/main" xmlns:r="http://schemas.openxmlformats.org/officeDocument/2006/relationships" xmlns:p="http://schemas.openxmlformats.org/presentationml/2006/main" matchingName="Title only" type="titleOnly">
+  <p:cSld name="TITLE_ONLY">
     <p:spTree>
       <p:nvGrpSpPr>
-        <p:cNvPr id="20" name="Shape 20"/>
+        <p:cNvPr id="1" name="Shape 25"/>
         <p:cNvGrpSpPr/>
         <p:nvPr/>
       </p:nvGrpSpPr>
@@ -2220,8 +2170,10 @@
       </p:grpSpPr>
       <p:sp>
         <p:nvSpPr>
-          <p:cNvPr id="21" name="Google Shape;21;p5"/>
-          <p:cNvSpPr txBox="1"/>
+          <p:cNvPr id="26" name="Google Shape;26;p6"/>
+          <p:cNvSpPr txBox="1">
+            <a:spLocks noGrp="1"/>
+          </p:cNvSpPr>
           <p:nvPr>
             <p:ph type="title"/>
           </p:nvPr>
@@ -2236,7 +2188,7 @@
           </a:prstGeom>
         </p:spPr>
         <p:txBody>
-          <a:bodyPr anchorCtr="0" anchor="t" bIns="91425" lIns="91425" spcFirstLastPara="1" rIns="91425" wrap="square" tIns="91425">
+          <a:bodyPr spcFirstLastPara="1" wrap="square" lIns="91425" tIns="91425" rIns="91425" bIns="91425" anchor="t" anchorCtr="0">
             <a:normAutofit/>
           </a:bodyPr>
           <a:lstStyle>
@@ -2340,265 +2292,19 @@
               <a:defRPr/>
             </a:lvl9pPr>
           </a:lstStyle>
-          <a:p/>
+          <a:p>
+            <a:endParaRPr/>
+          </a:p>
         </p:txBody>
       </p:sp>
       <p:sp>
         <p:nvSpPr>
-          <p:cNvPr id="22" name="Google Shape;22;p5"/>
-          <p:cNvSpPr txBox="1"/>
+          <p:cNvPr id="27" name="Google Shape;27;p6"/>
+          <p:cNvSpPr txBox="1">
+            <a:spLocks noGrp="1"/>
+          </p:cNvSpPr>
           <p:nvPr>
-            <p:ph idx="1" type="body"/>
-          </p:nvPr>
-        </p:nvSpPr>
-        <p:spPr>
-          <a:xfrm>
-            <a:off x="311700" y="1152475"/>
-            <a:ext cx="3999900" cy="3416400"/>
-          </a:xfrm>
-          <a:prstGeom prst="rect">
-            <a:avLst/>
-          </a:prstGeom>
-        </p:spPr>
-        <p:txBody>
-          <a:bodyPr anchorCtr="0" anchor="t" bIns="91425" lIns="91425" spcFirstLastPara="1" rIns="91425" wrap="square" tIns="91425">
-            <a:normAutofit/>
-          </a:bodyPr>
-          <a:lstStyle>
-            <a:lvl1pPr indent="-317500" lvl="0" marL="457200">
-              <a:spcBef>
-                <a:spcPts val="0"/>
-              </a:spcBef>
-              <a:spcAft>
-                <a:spcPts val="0"/>
-              </a:spcAft>
-              <a:buSzPts val="1400"/>
-              <a:buChar char="●"/>
-              <a:defRPr sz="1400"/>
-            </a:lvl1pPr>
-            <a:lvl2pPr indent="-304800" lvl="1" marL="914400">
-              <a:spcBef>
-                <a:spcPts val="0"/>
-              </a:spcBef>
-              <a:spcAft>
-                <a:spcPts val="0"/>
-              </a:spcAft>
-              <a:buSzPts val="1200"/>
-              <a:buChar char="○"/>
-              <a:defRPr sz="1200"/>
-            </a:lvl2pPr>
-            <a:lvl3pPr indent="-304800" lvl="2" marL="1371600">
-              <a:spcBef>
-                <a:spcPts val="0"/>
-              </a:spcBef>
-              <a:spcAft>
-                <a:spcPts val="0"/>
-              </a:spcAft>
-              <a:buSzPts val="1200"/>
-              <a:buChar char="■"/>
-              <a:defRPr sz="1200"/>
-            </a:lvl3pPr>
-            <a:lvl4pPr indent="-304800" lvl="3" marL="1828800">
-              <a:spcBef>
-                <a:spcPts val="0"/>
-              </a:spcBef>
-              <a:spcAft>
-                <a:spcPts val="0"/>
-              </a:spcAft>
-              <a:buSzPts val="1200"/>
-              <a:buChar char="●"/>
-              <a:defRPr sz="1200"/>
-            </a:lvl4pPr>
-            <a:lvl5pPr indent="-304800" lvl="4" marL="2286000">
-              <a:spcBef>
-                <a:spcPts val="0"/>
-              </a:spcBef>
-              <a:spcAft>
-                <a:spcPts val="0"/>
-              </a:spcAft>
-              <a:buSzPts val="1200"/>
-              <a:buChar char="○"/>
-              <a:defRPr sz="1200"/>
-            </a:lvl5pPr>
-            <a:lvl6pPr indent="-304800" lvl="5" marL="2743200">
-              <a:spcBef>
-                <a:spcPts val="0"/>
-              </a:spcBef>
-              <a:spcAft>
-                <a:spcPts val="0"/>
-              </a:spcAft>
-              <a:buSzPts val="1200"/>
-              <a:buChar char="■"/>
-              <a:defRPr sz="1200"/>
-            </a:lvl6pPr>
-            <a:lvl7pPr indent="-304800" lvl="6" marL="3200400">
-              <a:spcBef>
-                <a:spcPts val="0"/>
-              </a:spcBef>
-              <a:spcAft>
-                <a:spcPts val="0"/>
-              </a:spcAft>
-              <a:buSzPts val="1200"/>
-              <a:buChar char="●"/>
-              <a:defRPr sz="1200"/>
-            </a:lvl7pPr>
-            <a:lvl8pPr indent="-304800" lvl="7" marL="3657600">
-              <a:spcBef>
-                <a:spcPts val="0"/>
-              </a:spcBef>
-              <a:spcAft>
-                <a:spcPts val="0"/>
-              </a:spcAft>
-              <a:buSzPts val="1200"/>
-              <a:buChar char="○"/>
-              <a:defRPr sz="1200"/>
-            </a:lvl8pPr>
-            <a:lvl9pPr indent="-304800" lvl="8" marL="4114800">
-              <a:spcBef>
-                <a:spcPts val="0"/>
-              </a:spcBef>
-              <a:spcAft>
-                <a:spcPts val="0"/>
-              </a:spcAft>
-              <a:buSzPts val="1200"/>
-              <a:buChar char="■"/>
-              <a:defRPr sz="1200"/>
-            </a:lvl9pPr>
-          </a:lstStyle>
-          <a:p/>
-        </p:txBody>
-      </p:sp>
-      <p:sp>
-        <p:nvSpPr>
-          <p:cNvPr id="23" name="Google Shape;23;p5"/>
-          <p:cNvSpPr txBox="1"/>
-          <p:nvPr>
-            <p:ph idx="2" type="body"/>
-          </p:nvPr>
-        </p:nvSpPr>
-        <p:spPr>
-          <a:xfrm>
-            <a:off x="4832400" y="1152475"/>
-            <a:ext cx="3999900" cy="3416400"/>
-          </a:xfrm>
-          <a:prstGeom prst="rect">
-            <a:avLst/>
-          </a:prstGeom>
-        </p:spPr>
-        <p:txBody>
-          <a:bodyPr anchorCtr="0" anchor="t" bIns="91425" lIns="91425" spcFirstLastPara="1" rIns="91425" wrap="square" tIns="91425">
-            <a:normAutofit/>
-          </a:bodyPr>
-          <a:lstStyle>
-            <a:lvl1pPr indent="-317500" lvl="0" marL="457200">
-              <a:spcBef>
-                <a:spcPts val="0"/>
-              </a:spcBef>
-              <a:spcAft>
-                <a:spcPts val="0"/>
-              </a:spcAft>
-              <a:buSzPts val="1400"/>
-              <a:buChar char="●"/>
-              <a:defRPr sz="1400"/>
-            </a:lvl1pPr>
-            <a:lvl2pPr indent="-304800" lvl="1" marL="914400">
-              <a:spcBef>
-                <a:spcPts val="0"/>
-              </a:spcBef>
-              <a:spcAft>
-                <a:spcPts val="0"/>
-              </a:spcAft>
-              <a:buSzPts val="1200"/>
-              <a:buChar char="○"/>
-              <a:defRPr sz="1200"/>
-            </a:lvl2pPr>
-            <a:lvl3pPr indent="-304800" lvl="2" marL="1371600">
-              <a:spcBef>
-                <a:spcPts val="0"/>
-              </a:spcBef>
-              <a:spcAft>
-                <a:spcPts val="0"/>
-              </a:spcAft>
-              <a:buSzPts val="1200"/>
-              <a:buChar char="■"/>
-              <a:defRPr sz="1200"/>
-            </a:lvl3pPr>
-            <a:lvl4pPr indent="-304800" lvl="3" marL="1828800">
-              <a:spcBef>
-                <a:spcPts val="0"/>
-              </a:spcBef>
-              <a:spcAft>
-                <a:spcPts val="0"/>
-              </a:spcAft>
-              <a:buSzPts val="1200"/>
-              <a:buChar char="●"/>
-              <a:defRPr sz="1200"/>
-            </a:lvl4pPr>
-            <a:lvl5pPr indent="-304800" lvl="4" marL="2286000">
-              <a:spcBef>
-                <a:spcPts val="0"/>
-              </a:spcBef>
-              <a:spcAft>
-                <a:spcPts val="0"/>
-              </a:spcAft>
-              <a:buSzPts val="1200"/>
-              <a:buChar char="○"/>
-              <a:defRPr sz="1200"/>
-            </a:lvl5pPr>
-            <a:lvl6pPr indent="-304800" lvl="5" marL="2743200">
-              <a:spcBef>
-                <a:spcPts val="0"/>
-              </a:spcBef>
-              <a:spcAft>
-                <a:spcPts val="0"/>
-              </a:spcAft>
-              <a:buSzPts val="1200"/>
-              <a:buChar char="■"/>
-              <a:defRPr sz="1200"/>
-            </a:lvl6pPr>
-            <a:lvl7pPr indent="-304800" lvl="6" marL="3200400">
-              <a:spcBef>
-                <a:spcPts val="0"/>
-              </a:spcBef>
-              <a:spcAft>
-                <a:spcPts val="0"/>
-              </a:spcAft>
-              <a:buSzPts val="1200"/>
-              <a:buChar char="●"/>
-              <a:defRPr sz="1200"/>
-            </a:lvl7pPr>
-            <a:lvl8pPr indent="-304800" lvl="7" marL="3657600">
-              <a:spcBef>
-                <a:spcPts val="0"/>
-              </a:spcBef>
-              <a:spcAft>
-                <a:spcPts val="0"/>
-              </a:spcAft>
-              <a:buSzPts val="1200"/>
-              <a:buChar char="○"/>
-              <a:defRPr sz="1200"/>
-            </a:lvl8pPr>
-            <a:lvl9pPr indent="-304800" lvl="8" marL="4114800">
-              <a:spcBef>
-                <a:spcPts val="0"/>
-              </a:spcBef>
-              <a:spcAft>
-                <a:spcPts val="0"/>
-              </a:spcAft>
-              <a:buSzPts val="1200"/>
-              <a:buChar char="■"/>
-              <a:defRPr sz="1200"/>
-            </a:lvl9pPr>
-          </a:lstStyle>
-          <a:p/>
-        </p:txBody>
-      </p:sp>
-      <p:sp>
-        <p:nvSpPr>
-          <p:cNvPr id="24" name="Google Shape;24;p5"/>
-          <p:cNvSpPr txBox="1"/>
-          <p:nvPr>
-            <p:ph idx="12" type="sldNum"/>
+            <p:ph type="sldNum" idx="12"/>
           </p:nvPr>
         </p:nvSpPr>
         <p:spPr>
@@ -2611,7 +2317,7 @@
           </a:prstGeom>
         </p:spPr>
         <p:txBody>
-          <a:bodyPr anchorCtr="0" anchor="ctr" bIns="91425" lIns="91425" spcFirstLastPara="1" rIns="91425" wrap="square" tIns="91425">
+          <a:bodyPr spcFirstLastPara="1" wrap="square" lIns="91425" tIns="91425" rIns="91425" bIns="91425" anchor="ctr" anchorCtr="0">
             <a:normAutofit/>
           </a:bodyPr>
           <a:lstStyle>
@@ -2653,7 +2359,7 @@
             </a:lvl9pPr>
           </a:lstStyle>
           <a:p>
-            <a:pPr indent="0" lvl="0" marL="0" rtl="0" algn="r">
+            <a:pPr marL="0" lvl="0" indent="0" algn="r" rtl="0">
               <a:spcBef>
                 <a:spcPts val="0"/>
               </a:spcBef>
@@ -2679,11 +2385,11 @@
 </file>
 
 <file path=ppt/slideLayouts/slideLayout5.xml><?xml version="1.0" encoding="utf-8"?>
-<p:sldLayout xmlns:a="http://schemas.openxmlformats.org/drawingml/2006/main" xmlns:r="http://schemas.openxmlformats.org/officeDocument/2006/relationships" xmlns:mc="http://schemas.openxmlformats.org/markup-compatibility/2006" xmlns:mv="urn:schemas-microsoft-com:mac:vml" xmlns:p="http://schemas.openxmlformats.org/presentationml/2006/main" xmlns:c="http://schemas.openxmlformats.org/drawingml/2006/chart" xmlns:dgm="http://schemas.openxmlformats.org/drawingml/2006/diagram" xmlns:o="urn:schemas-microsoft-com:office:office" xmlns:v="urn:schemas-microsoft-com:vml" xmlns:pvml="urn:schemas-microsoft-com:office:powerpoint" xmlns:com="http://schemas.openxmlformats.org/drawingml/2006/compatibility" xmlns:p14="http://schemas.microsoft.com/office/powerpoint/2010/main" xmlns:p15="http://schemas.microsoft.com/office/powerpoint/2012/main" xmlns:ahyp="http://schemas.microsoft.com/office/drawing/2018/hyperlinkcolor" matchingName="Title only" type="titleOnly">
-  <p:cSld name="TITLE_ONLY">
+<p:sldLayout xmlns:a="http://schemas.openxmlformats.org/drawingml/2006/main" xmlns:r="http://schemas.openxmlformats.org/officeDocument/2006/relationships" xmlns:p="http://schemas.openxmlformats.org/presentationml/2006/main" matchingName="One column text">
+  <p:cSld name="ONE_COLUMN_TEXT">
     <p:spTree>
       <p:nvGrpSpPr>
-        <p:cNvPr id="25" name="Shape 25"/>
+        <p:cNvPr id="1" name="Shape 28"/>
         <p:cNvGrpSpPr/>
         <p:nvPr/>
       </p:nvGrpSpPr>
@@ -2697,23 +2403,25 @@
       </p:grpSpPr>
       <p:sp>
         <p:nvSpPr>
-          <p:cNvPr id="26" name="Google Shape;26;p6"/>
-          <p:cNvSpPr txBox="1"/>
+          <p:cNvPr id="29" name="Google Shape;29;p7"/>
+          <p:cNvSpPr txBox="1">
+            <a:spLocks noGrp="1"/>
+          </p:cNvSpPr>
           <p:nvPr>
             <p:ph type="title"/>
           </p:nvPr>
         </p:nvSpPr>
         <p:spPr>
           <a:xfrm>
-            <a:off x="311700" y="445025"/>
-            <a:ext cx="8520600" cy="572700"/>
+            <a:off x="311700" y="555600"/>
+            <a:ext cx="2808000" cy="755700"/>
           </a:xfrm>
           <a:prstGeom prst="rect">
             <a:avLst/>
           </a:prstGeom>
         </p:spPr>
         <p:txBody>
-          <a:bodyPr anchorCtr="0" anchor="t" bIns="91425" lIns="91425" spcFirstLastPara="1" rIns="91425" wrap="square" tIns="91425">
+          <a:bodyPr spcFirstLastPara="1" wrap="square" lIns="91425" tIns="91425" rIns="91425" bIns="91425" anchor="b" anchorCtr="0">
             <a:normAutofit/>
           </a:bodyPr>
           <a:lstStyle>
@@ -2724,9 +2432,9 @@
               <a:spcAft>
                 <a:spcPts val="0"/>
               </a:spcAft>
-              <a:buSzPts val="2800"/>
-              <a:buNone/>
-              <a:defRPr/>
+              <a:buSzPts val="2400"/>
+              <a:buNone/>
+              <a:defRPr sz="2400"/>
             </a:lvl1pPr>
             <a:lvl2pPr lvl="1">
               <a:spcBef>
@@ -2735,9 +2443,9 @@
               <a:spcAft>
                 <a:spcPts val="0"/>
               </a:spcAft>
-              <a:buSzPts val="2800"/>
-              <a:buNone/>
-              <a:defRPr/>
+              <a:buSzPts val="2400"/>
+              <a:buNone/>
+              <a:defRPr sz="2400"/>
             </a:lvl2pPr>
             <a:lvl3pPr lvl="2">
               <a:spcBef>
@@ -2746,9 +2454,9 @@
               <a:spcAft>
                 <a:spcPts val="0"/>
               </a:spcAft>
-              <a:buSzPts val="2800"/>
-              <a:buNone/>
-              <a:defRPr/>
+              <a:buSzPts val="2400"/>
+              <a:buNone/>
+              <a:defRPr sz="2400"/>
             </a:lvl3pPr>
             <a:lvl4pPr lvl="3">
               <a:spcBef>
@@ -2757,9 +2465,9 @@
               <a:spcAft>
                 <a:spcPts val="0"/>
               </a:spcAft>
-              <a:buSzPts val="2800"/>
-              <a:buNone/>
-              <a:defRPr/>
+              <a:buSzPts val="2400"/>
+              <a:buNone/>
+              <a:defRPr sz="2400"/>
             </a:lvl4pPr>
             <a:lvl5pPr lvl="4">
               <a:spcBef>
@@ -2768,9 +2476,9 @@
               <a:spcAft>
                 <a:spcPts val="0"/>
               </a:spcAft>
-              <a:buSzPts val="2800"/>
-              <a:buNone/>
-              <a:defRPr/>
+              <a:buSzPts val="2400"/>
+              <a:buNone/>
+              <a:defRPr sz="2400"/>
             </a:lvl5pPr>
             <a:lvl6pPr lvl="5">
               <a:spcBef>
@@ -2779,9 +2487,9 @@
               <a:spcAft>
                 <a:spcPts val="0"/>
               </a:spcAft>
-              <a:buSzPts val="2800"/>
-              <a:buNone/>
-              <a:defRPr/>
+              <a:buSzPts val="2400"/>
+              <a:buNone/>
+              <a:defRPr sz="2400"/>
             </a:lvl6pPr>
             <a:lvl7pPr lvl="6">
               <a:spcBef>
@@ -2790,9 +2498,9 @@
               <a:spcAft>
                 <a:spcPts val="0"/>
               </a:spcAft>
-              <a:buSzPts val="2800"/>
-              <a:buNone/>
-              <a:defRPr/>
+              <a:buSzPts val="2400"/>
+              <a:buNone/>
+              <a:defRPr sz="2400"/>
             </a:lvl7pPr>
             <a:lvl8pPr lvl="7">
               <a:spcBef>
@@ -2801,9 +2509,9 @@
               <a:spcAft>
                 <a:spcPts val="0"/>
               </a:spcAft>
-              <a:buSzPts val="2800"/>
-              <a:buNone/>
-              <a:defRPr/>
+              <a:buSzPts val="2400"/>
+              <a:buNone/>
+              <a:defRPr sz="2400"/>
             </a:lvl8pPr>
             <a:lvl9pPr lvl="8">
               <a:spcBef>
@@ -2812,20 +2520,153 @@
               <a:spcAft>
                 <a:spcPts val="0"/>
               </a:spcAft>
-              <a:buSzPts val="2800"/>
-              <a:buNone/>
-              <a:defRPr/>
+              <a:buSzPts val="2400"/>
+              <a:buNone/>
+              <a:defRPr sz="2400"/>
             </a:lvl9pPr>
           </a:lstStyle>
-          <a:p/>
+          <a:p>
+            <a:endParaRPr/>
+          </a:p>
         </p:txBody>
       </p:sp>
       <p:sp>
         <p:nvSpPr>
-          <p:cNvPr id="27" name="Google Shape;27;p6"/>
-          <p:cNvSpPr txBox="1"/>
+          <p:cNvPr id="30" name="Google Shape;30;p7"/>
+          <p:cNvSpPr txBox="1">
+            <a:spLocks noGrp="1"/>
+          </p:cNvSpPr>
           <p:nvPr>
-            <p:ph idx="12" type="sldNum"/>
+            <p:ph type="body" idx="1"/>
+          </p:nvPr>
+        </p:nvSpPr>
+        <p:spPr>
+          <a:xfrm>
+            <a:off x="311700" y="1389600"/>
+            <a:ext cx="2808000" cy="3179400"/>
+          </a:xfrm>
+          <a:prstGeom prst="rect">
+            <a:avLst/>
+          </a:prstGeom>
+        </p:spPr>
+        <p:txBody>
+          <a:bodyPr spcFirstLastPara="1" wrap="square" lIns="91425" tIns="91425" rIns="91425" bIns="91425" anchor="t" anchorCtr="0">
+            <a:normAutofit/>
+          </a:bodyPr>
+          <a:lstStyle>
+            <a:lvl1pPr marL="457200" lvl="0" indent="-304800">
+              <a:spcBef>
+                <a:spcPts val="0"/>
+              </a:spcBef>
+              <a:spcAft>
+                <a:spcPts val="0"/>
+              </a:spcAft>
+              <a:buSzPts val="1200"/>
+              <a:buChar char="●"/>
+              <a:defRPr sz="1200"/>
+            </a:lvl1pPr>
+            <a:lvl2pPr marL="914400" lvl="1" indent="-304800">
+              <a:spcBef>
+                <a:spcPts val="0"/>
+              </a:spcBef>
+              <a:spcAft>
+                <a:spcPts val="0"/>
+              </a:spcAft>
+              <a:buSzPts val="1200"/>
+              <a:buChar char="○"/>
+              <a:defRPr sz="1200"/>
+            </a:lvl2pPr>
+            <a:lvl3pPr marL="1371600" lvl="2" indent="-304800">
+              <a:spcBef>
+                <a:spcPts val="0"/>
+              </a:spcBef>
+              <a:spcAft>
+                <a:spcPts val="0"/>
+              </a:spcAft>
+              <a:buSzPts val="1200"/>
+              <a:buChar char="■"/>
+              <a:defRPr sz="1200"/>
+            </a:lvl3pPr>
+            <a:lvl4pPr marL="1828800" lvl="3" indent="-304800">
+              <a:spcBef>
+                <a:spcPts val="0"/>
+              </a:spcBef>
+              <a:spcAft>
+                <a:spcPts val="0"/>
+              </a:spcAft>
+              <a:buSzPts val="1200"/>
+              <a:buChar char="●"/>
+              <a:defRPr sz="1200"/>
+            </a:lvl4pPr>
+            <a:lvl5pPr marL="2286000" lvl="4" indent="-304800">
+              <a:spcBef>
+                <a:spcPts val="0"/>
+              </a:spcBef>
+              <a:spcAft>
+                <a:spcPts val="0"/>
+              </a:spcAft>
+              <a:buSzPts val="1200"/>
+              <a:buChar char="○"/>
+              <a:defRPr sz="1200"/>
+            </a:lvl5pPr>
+            <a:lvl6pPr marL="2743200" lvl="5" indent="-304800">
+              <a:spcBef>
+                <a:spcPts val="0"/>
+              </a:spcBef>
+              <a:spcAft>
+                <a:spcPts val="0"/>
+              </a:spcAft>
+              <a:buSzPts val="1200"/>
+              <a:buChar char="■"/>
+              <a:defRPr sz="1200"/>
+            </a:lvl6pPr>
+            <a:lvl7pPr marL="3200400" lvl="6" indent="-304800">
+              <a:spcBef>
+                <a:spcPts val="0"/>
+              </a:spcBef>
+              <a:spcAft>
+                <a:spcPts val="0"/>
+              </a:spcAft>
+              <a:buSzPts val="1200"/>
+              <a:buChar char="●"/>
+              <a:defRPr sz="1200"/>
+            </a:lvl7pPr>
+            <a:lvl8pPr marL="3657600" lvl="7" indent="-304800">
+              <a:spcBef>
+                <a:spcPts val="0"/>
+              </a:spcBef>
+              <a:spcAft>
+                <a:spcPts val="0"/>
+              </a:spcAft>
+              <a:buSzPts val="1200"/>
+              <a:buChar char="○"/>
+              <a:defRPr sz="1200"/>
+            </a:lvl8pPr>
+            <a:lvl9pPr marL="4114800" lvl="8" indent="-304800">
+              <a:spcBef>
+                <a:spcPts val="0"/>
+              </a:spcBef>
+              <a:spcAft>
+                <a:spcPts val="0"/>
+              </a:spcAft>
+              <a:buSzPts val="1200"/>
+              <a:buChar char="■"/>
+              <a:defRPr sz="1200"/>
+            </a:lvl9pPr>
+          </a:lstStyle>
+          <a:p>
+            <a:endParaRPr/>
+          </a:p>
+        </p:txBody>
+      </p:sp>
+      <p:sp>
+        <p:nvSpPr>
+          <p:cNvPr id="31" name="Google Shape;31;p7"/>
+          <p:cNvSpPr txBox="1">
+            <a:spLocks noGrp="1"/>
+          </p:cNvSpPr>
+          <p:nvPr>
+            <p:ph type="sldNum" idx="12"/>
           </p:nvPr>
         </p:nvSpPr>
         <p:spPr>
@@ -2838,7 +2679,7 @@
           </a:prstGeom>
         </p:spPr>
         <p:txBody>
-          <a:bodyPr anchorCtr="0" anchor="ctr" bIns="91425" lIns="91425" spcFirstLastPara="1" rIns="91425" wrap="square" tIns="91425">
+          <a:bodyPr spcFirstLastPara="1" wrap="square" lIns="91425" tIns="91425" rIns="91425" bIns="91425" anchor="ctr" anchorCtr="0">
             <a:normAutofit/>
           </a:bodyPr>
           <a:lstStyle>
@@ -2880,7 +2721,7 @@
             </a:lvl9pPr>
           </a:lstStyle>
           <a:p>
-            <a:pPr indent="0" lvl="0" marL="0" rtl="0" algn="r">
+            <a:pPr marL="0" lvl="0" indent="0" algn="r" rtl="0">
               <a:spcBef>
                 <a:spcPts val="0"/>
               </a:spcBef>
@@ -2906,11 +2747,11 @@
 </file>
 
 <file path=ppt/slideLayouts/slideLayout6.xml><?xml version="1.0" encoding="utf-8"?>
-<p:sldLayout xmlns:a="http://schemas.openxmlformats.org/drawingml/2006/main" xmlns:r="http://schemas.openxmlformats.org/officeDocument/2006/relationships" xmlns:mc="http://schemas.openxmlformats.org/markup-compatibility/2006" xmlns:mv="urn:schemas-microsoft-com:mac:vml" xmlns:p="http://schemas.openxmlformats.org/presentationml/2006/main" xmlns:c="http://schemas.openxmlformats.org/drawingml/2006/chart" xmlns:dgm="http://schemas.openxmlformats.org/drawingml/2006/diagram" xmlns:o="urn:schemas-microsoft-com:office:office" xmlns:v="urn:schemas-microsoft-com:vml" xmlns:pvml="urn:schemas-microsoft-com:office:powerpoint" xmlns:com="http://schemas.openxmlformats.org/drawingml/2006/compatibility" xmlns:p14="http://schemas.microsoft.com/office/powerpoint/2010/main" xmlns:p15="http://schemas.microsoft.com/office/powerpoint/2012/main" xmlns:ahyp="http://schemas.microsoft.com/office/drawing/2018/hyperlinkcolor" matchingName="One column text">
-  <p:cSld name="ONE_COLUMN_TEXT">
+<p:sldLayout xmlns:a="http://schemas.openxmlformats.org/drawingml/2006/main" xmlns:r="http://schemas.openxmlformats.org/officeDocument/2006/relationships" xmlns:p="http://schemas.openxmlformats.org/presentationml/2006/main" matchingName="Main point">
+  <p:cSld name="MAIN_POINT">
     <p:spTree>
       <p:nvGrpSpPr>
-        <p:cNvPr id="28" name="Shape 28"/>
+        <p:cNvPr id="1" name="Shape 32"/>
         <p:cNvGrpSpPr/>
         <p:nvPr/>
       </p:nvGrpSpPr>
@@ -2924,23 +2765,25 @@
       </p:grpSpPr>
       <p:sp>
         <p:nvSpPr>
-          <p:cNvPr id="29" name="Google Shape;29;p7"/>
-          <p:cNvSpPr txBox="1"/>
+          <p:cNvPr id="33" name="Google Shape;33;p8"/>
+          <p:cNvSpPr txBox="1">
+            <a:spLocks noGrp="1"/>
+          </p:cNvSpPr>
           <p:nvPr>
             <p:ph type="title"/>
           </p:nvPr>
         </p:nvSpPr>
         <p:spPr>
           <a:xfrm>
-            <a:off x="311700" y="555600"/>
-            <a:ext cx="2808000" cy="755700"/>
+            <a:off x="490250" y="450150"/>
+            <a:ext cx="6367800" cy="4090800"/>
           </a:xfrm>
           <a:prstGeom prst="rect">
             <a:avLst/>
           </a:prstGeom>
         </p:spPr>
         <p:txBody>
-          <a:bodyPr anchorCtr="0" anchor="b" bIns="91425" lIns="91425" spcFirstLastPara="1" rIns="91425" wrap="square" tIns="91425">
+          <a:bodyPr spcFirstLastPara="1" wrap="square" lIns="91425" tIns="91425" rIns="91425" bIns="91425" anchor="ctr" anchorCtr="0">
             <a:normAutofit/>
           </a:bodyPr>
           <a:lstStyle>
@@ -2951,9 +2794,9 @@
               <a:spcAft>
                 <a:spcPts val="0"/>
               </a:spcAft>
-              <a:buSzPts val="2400"/>
-              <a:buNone/>
-              <a:defRPr sz="2400"/>
+              <a:buSzPts val="4800"/>
+              <a:buNone/>
+              <a:defRPr sz="4800"/>
             </a:lvl1pPr>
             <a:lvl2pPr lvl="1">
               <a:spcBef>
@@ -2962,9 +2805,9 @@
               <a:spcAft>
                 <a:spcPts val="0"/>
               </a:spcAft>
-              <a:buSzPts val="2400"/>
-              <a:buNone/>
-              <a:defRPr sz="2400"/>
+              <a:buSzPts val="4800"/>
+              <a:buNone/>
+              <a:defRPr sz="4800"/>
             </a:lvl2pPr>
             <a:lvl3pPr lvl="2">
               <a:spcBef>
@@ -2973,9 +2816,9 @@
               <a:spcAft>
                 <a:spcPts val="0"/>
               </a:spcAft>
-              <a:buSzPts val="2400"/>
-              <a:buNone/>
-              <a:defRPr sz="2400"/>
+              <a:buSzPts val="4800"/>
+              <a:buNone/>
+              <a:defRPr sz="4800"/>
             </a:lvl3pPr>
             <a:lvl4pPr lvl="3">
               <a:spcBef>
@@ -2984,9 +2827,9 @@
               <a:spcAft>
                 <a:spcPts val="0"/>
               </a:spcAft>
-              <a:buSzPts val="2400"/>
-              <a:buNone/>
-              <a:defRPr sz="2400"/>
+              <a:buSzPts val="4800"/>
+              <a:buNone/>
+              <a:defRPr sz="4800"/>
             </a:lvl4pPr>
             <a:lvl5pPr lvl="4">
               <a:spcBef>
@@ -2995,9 +2838,9 @@
               <a:spcAft>
                 <a:spcPts val="0"/>
               </a:spcAft>
-              <a:buSzPts val="2400"/>
-              <a:buNone/>
-              <a:defRPr sz="2400"/>
+              <a:buSzPts val="4800"/>
+              <a:buNone/>
+              <a:defRPr sz="4800"/>
             </a:lvl5pPr>
             <a:lvl6pPr lvl="5">
               <a:spcBef>
@@ -3006,9 +2849,9 @@
               <a:spcAft>
                 <a:spcPts val="0"/>
               </a:spcAft>
-              <a:buSzPts val="2400"/>
-              <a:buNone/>
-              <a:defRPr sz="2400"/>
+              <a:buSzPts val="4800"/>
+              <a:buNone/>
+              <a:defRPr sz="4800"/>
             </a:lvl6pPr>
             <a:lvl7pPr lvl="6">
               <a:spcBef>
@@ -3017,9 +2860,9 @@
               <a:spcAft>
                 <a:spcPts val="0"/>
               </a:spcAft>
-              <a:buSzPts val="2400"/>
-              <a:buNone/>
-              <a:defRPr sz="2400"/>
+              <a:buSzPts val="4800"/>
+              <a:buNone/>
+              <a:defRPr sz="4800"/>
             </a:lvl7pPr>
             <a:lvl8pPr lvl="7">
               <a:spcBef>
@@ -3028,9 +2871,9 @@
               <a:spcAft>
                 <a:spcPts val="0"/>
               </a:spcAft>
-              <a:buSzPts val="2400"/>
-              <a:buNone/>
-              <a:defRPr sz="2400"/>
+              <a:buSzPts val="4800"/>
+              <a:buNone/>
+              <a:defRPr sz="4800"/>
             </a:lvl8pPr>
             <a:lvl9pPr lvl="8">
               <a:spcBef>
@@ -3039,145 +2882,24 @@
               <a:spcAft>
                 <a:spcPts val="0"/>
               </a:spcAft>
-              <a:buSzPts val="2400"/>
-              <a:buNone/>
-              <a:defRPr sz="2400"/>
+              <a:buSzPts val="4800"/>
+              <a:buNone/>
+              <a:defRPr sz="4800"/>
             </a:lvl9pPr>
           </a:lstStyle>
-          <a:p/>
+          <a:p>
+            <a:endParaRPr/>
+          </a:p>
         </p:txBody>
       </p:sp>
       <p:sp>
         <p:nvSpPr>
-          <p:cNvPr id="30" name="Google Shape;30;p7"/>
-          <p:cNvSpPr txBox="1"/>
+          <p:cNvPr id="34" name="Google Shape;34;p8"/>
+          <p:cNvSpPr txBox="1">
+            <a:spLocks noGrp="1"/>
+          </p:cNvSpPr>
           <p:nvPr>
-            <p:ph idx="1" type="body"/>
-          </p:nvPr>
-        </p:nvSpPr>
-        <p:spPr>
-          <a:xfrm>
-            <a:off x="311700" y="1389600"/>
-            <a:ext cx="2808000" cy="3179400"/>
-          </a:xfrm>
-          <a:prstGeom prst="rect">
-            <a:avLst/>
-          </a:prstGeom>
-        </p:spPr>
-        <p:txBody>
-          <a:bodyPr anchorCtr="0" anchor="t" bIns="91425" lIns="91425" spcFirstLastPara="1" rIns="91425" wrap="square" tIns="91425">
-            <a:normAutofit/>
-          </a:bodyPr>
-          <a:lstStyle>
-            <a:lvl1pPr indent="-304800" lvl="0" marL="457200">
-              <a:spcBef>
-                <a:spcPts val="0"/>
-              </a:spcBef>
-              <a:spcAft>
-                <a:spcPts val="0"/>
-              </a:spcAft>
-              <a:buSzPts val="1200"/>
-              <a:buChar char="●"/>
-              <a:defRPr sz="1200"/>
-            </a:lvl1pPr>
-            <a:lvl2pPr indent="-304800" lvl="1" marL="914400">
-              <a:spcBef>
-                <a:spcPts val="0"/>
-              </a:spcBef>
-              <a:spcAft>
-                <a:spcPts val="0"/>
-              </a:spcAft>
-              <a:buSzPts val="1200"/>
-              <a:buChar char="○"/>
-              <a:defRPr sz="1200"/>
-            </a:lvl2pPr>
-            <a:lvl3pPr indent="-304800" lvl="2" marL="1371600">
-              <a:spcBef>
-                <a:spcPts val="0"/>
-              </a:spcBef>
-              <a:spcAft>
-                <a:spcPts val="0"/>
-              </a:spcAft>
-              <a:buSzPts val="1200"/>
-              <a:buChar char="■"/>
-              <a:defRPr sz="1200"/>
-            </a:lvl3pPr>
-            <a:lvl4pPr indent="-304800" lvl="3" marL="1828800">
-              <a:spcBef>
-                <a:spcPts val="0"/>
-              </a:spcBef>
-              <a:spcAft>
-                <a:spcPts val="0"/>
-              </a:spcAft>
-              <a:buSzPts val="1200"/>
-              <a:buChar char="●"/>
-              <a:defRPr sz="1200"/>
-            </a:lvl4pPr>
-            <a:lvl5pPr indent="-304800" lvl="4" marL="2286000">
-              <a:spcBef>
-                <a:spcPts val="0"/>
-              </a:spcBef>
-              <a:spcAft>
-                <a:spcPts val="0"/>
-              </a:spcAft>
-              <a:buSzPts val="1200"/>
-              <a:buChar char="○"/>
-              <a:defRPr sz="1200"/>
-            </a:lvl5pPr>
-            <a:lvl6pPr indent="-304800" lvl="5" marL="2743200">
-              <a:spcBef>
-                <a:spcPts val="0"/>
-              </a:spcBef>
-              <a:spcAft>
-                <a:spcPts val="0"/>
-              </a:spcAft>
-              <a:buSzPts val="1200"/>
-              <a:buChar char="■"/>
-              <a:defRPr sz="1200"/>
-            </a:lvl6pPr>
-            <a:lvl7pPr indent="-304800" lvl="6" marL="3200400">
-              <a:spcBef>
-                <a:spcPts val="0"/>
-              </a:spcBef>
-              <a:spcAft>
-                <a:spcPts val="0"/>
-              </a:spcAft>
-              <a:buSzPts val="1200"/>
-              <a:buChar char="●"/>
-              <a:defRPr sz="1200"/>
-            </a:lvl7pPr>
-            <a:lvl8pPr indent="-304800" lvl="7" marL="3657600">
-              <a:spcBef>
-                <a:spcPts val="0"/>
-              </a:spcBef>
-              <a:spcAft>
-                <a:spcPts val="0"/>
-              </a:spcAft>
-              <a:buSzPts val="1200"/>
-              <a:buChar char="○"/>
-              <a:defRPr sz="1200"/>
-            </a:lvl8pPr>
-            <a:lvl9pPr indent="-304800" lvl="8" marL="4114800">
-              <a:spcBef>
-                <a:spcPts val="0"/>
-              </a:spcBef>
-              <a:spcAft>
-                <a:spcPts val="0"/>
-              </a:spcAft>
-              <a:buSzPts val="1200"/>
-              <a:buChar char="■"/>
-              <a:defRPr sz="1200"/>
-            </a:lvl9pPr>
-          </a:lstStyle>
-          <a:p/>
-        </p:txBody>
-      </p:sp>
-      <p:sp>
-        <p:nvSpPr>
-          <p:cNvPr id="31" name="Google Shape;31;p7"/>
-          <p:cNvSpPr txBox="1"/>
-          <p:nvPr>
-            <p:ph idx="12" type="sldNum"/>
+            <p:ph type="sldNum" idx="12"/>
           </p:nvPr>
         </p:nvSpPr>
         <p:spPr>
@@ -3190,7 +2912,7 @@
           </a:prstGeom>
         </p:spPr>
         <p:txBody>
-          <a:bodyPr anchorCtr="0" anchor="ctr" bIns="91425" lIns="91425" spcFirstLastPara="1" rIns="91425" wrap="square" tIns="91425">
+          <a:bodyPr spcFirstLastPara="1" wrap="square" lIns="91425" tIns="91425" rIns="91425" bIns="91425" anchor="ctr" anchorCtr="0">
             <a:normAutofit/>
           </a:bodyPr>
           <a:lstStyle>
@@ -3232,7 +2954,7 @@
             </a:lvl9pPr>
           </a:lstStyle>
           <a:p>
-            <a:pPr indent="0" lvl="0" marL="0" rtl="0" algn="r">
+            <a:pPr marL="0" lvl="0" indent="0" algn="r" rtl="0">
               <a:spcBef>
                 <a:spcPts val="0"/>
               </a:spcBef>
@@ -3258,238 +2980,11 @@
 </file>
 
 <file path=ppt/slideLayouts/slideLayout7.xml><?xml version="1.0" encoding="utf-8"?>
-<p:sldLayout xmlns:a="http://schemas.openxmlformats.org/drawingml/2006/main" xmlns:r="http://schemas.openxmlformats.org/officeDocument/2006/relationships" xmlns:mc="http://schemas.openxmlformats.org/markup-compatibility/2006" xmlns:mv="urn:schemas-microsoft-com:mac:vml" xmlns:p="http://schemas.openxmlformats.org/presentationml/2006/main" xmlns:c="http://schemas.openxmlformats.org/drawingml/2006/chart" xmlns:dgm="http://schemas.openxmlformats.org/drawingml/2006/diagram" xmlns:o="urn:schemas-microsoft-com:office:office" xmlns:v="urn:schemas-microsoft-com:vml" xmlns:pvml="urn:schemas-microsoft-com:office:powerpoint" xmlns:com="http://schemas.openxmlformats.org/drawingml/2006/compatibility" xmlns:p14="http://schemas.microsoft.com/office/powerpoint/2010/main" xmlns:p15="http://schemas.microsoft.com/office/powerpoint/2012/main" xmlns:ahyp="http://schemas.microsoft.com/office/drawing/2018/hyperlinkcolor" matchingName="Main point">
-  <p:cSld name="MAIN_POINT">
-    <p:spTree>
-      <p:nvGrpSpPr>
-        <p:cNvPr id="32" name="Shape 32"/>
-        <p:cNvGrpSpPr/>
-        <p:nvPr/>
-      </p:nvGrpSpPr>
-      <p:grpSpPr>
-        <a:xfrm>
-          <a:off x="0" y="0"/>
-          <a:ext cx="0" cy="0"/>
-          <a:chOff x="0" y="0"/>
-          <a:chExt cx="0" cy="0"/>
-        </a:xfrm>
-      </p:grpSpPr>
-      <p:sp>
-        <p:nvSpPr>
-          <p:cNvPr id="33" name="Google Shape;33;p8"/>
-          <p:cNvSpPr txBox="1"/>
-          <p:nvPr>
-            <p:ph type="title"/>
-          </p:nvPr>
-        </p:nvSpPr>
-        <p:spPr>
-          <a:xfrm>
-            <a:off x="490250" y="450150"/>
-            <a:ext cx="6367800" cy="4090800"/>
-          </a:xfrm>
-          <a:prstGeom prst="rect">
-            <a:avLst/>
-          </a:prstGeom>
-        </p:spPr>
-        <p:txBody>
-          <a:bodyPr anchorCtr="0" anchor="ctr" bIns="91425" lIns="91425" spcFirstLastPara="1" rIns="91425" wrap="square" tIns="91425">
-            <a:normAutofit/>
-          </a:bodyPr>
-          <a:lstStyle>
-            <a:lvl1pPr lvl="0">
-              <a:spcBef>
-                <a:spcPts val="0"/>
-              </a:spcBef>
-              <a:spcAft>
-                <a:spcPts val="0"/>
-              </a:spcAft>
-              <a:buSzPts val="4800"/>
-              <a:buNone/>
-              <a:defRPr sz="4800"/>
-            </a:lvl1pPr>
-            <a:lvl2pPr lvl="1">
-              <a:spcBef>
-                <a:spcPts val="0"/>
-              </a:spcBef>
-              <a:spcAft>
-                <a:spcPts val="0"/>
-              </a:spcAft>
-              <a:buSzPts val="4800"/>
-              <a:buNone/>
-              <a:defRPr sz="4800"/>
-            </a:lvl2pPr>
-            <a:lvl3pPr lvl="2">
-              <a:spcBef>
-                <a:spcPts val="0"/>
-              </a:spcBef>
-              <a:spcAft>
-                <a:spcPts val="0"/>
-              </a:spcAft>
-              <a:buSzPts val="4800"/>
-              <a:buNone/>
-              <a:defRPr sz="4800"/>
-            </a:lvl3pPr>
-            <a:lvl4pPr lvl="3">
-              <a:spcBef>
-                <a:spcPts val="0"/>
-              </a:spcBef>
-              <a:spcAft>
-                <a:spcPts val="0"/>
-              </a:spcAft>
-              <a:buSzPts val="4800"/>
-              <a:buNone/>
-              <a:defRPr sz="4800"/>
-            </a:lvl4pPr>
-            <a:lvl5pPr lvl="4">
-              <a:spcBef>
-                <a:spcPts val="0"/>
-              </a:spcBef>
-              <a:spcAft>
-                <a:spcPts val="0"/>
-              </a:spcAft>
-              <a:buSzPts val="4800"/>
-              <a:buNone/>
-              <a:defRPr sz="4800"/>
-            </a:lvl5pPr>
-            <a:lvl6pPr lvl="5">
-              <a:spcBef>
-                <a:spcPts val="0"/>
-              </a:spcBef>
-              <a:spcAft>
-                <a:spcPts val="0"/>
-              </a:spcAft>
-              <a:buSzPts val="4800"/>
-              <a:buNone/>
-              <a:defRPr sz="4800"/>
-            </a:lvl6pPr>
-            <a:lvl7pPr lvl="6">
-              <a:spcBef>
-                <a:spcPts val="0"/>
-              </a:spcBef>
-              <a:spcAft>
-                <a:spcPts val="0"/>
-              </a:spcAft>
-              <a:buSzPts val="4800"/>
-              <a:buNone/>
-              <a:defRPr sz="4800"/>
-            </a:lvl7pPr>
-            <a:lvl8pPr lvl="7">
-              <a:spcBef>
-                <a:spcPts val="0"/>
-              </a:spcBef>
-              <a:spcAft>
-                <a:spcPts val="0"/>
-              </a:spcAft>
-              <a:buSzPts val="4800"/>
-              <a:buNone/>
-              <a:defRPr sz="4800"/>
-            </a:lvl8pPr>
-            <a:lvl9pPr lvl="8">
-              <a:spcBef>
-                <a:spcPts val="0"/>
-              </a:spcBef>
-              <a:spcAft>
-                <a:spcPts val="0"/>
-              </a:spcAft>
-              <a:buSzPts val="4800"/>
-              <a:buNone/>
-              <a:defRPr sz="4800"/>
-            </a:lvl9pPr>
-          </a:lstStyle>
-          <a:p/>
-        </p:txBody>
-      </p:sp>
-      <p:sp>
-        <p:nvSpPr>
-          <p:cNvPr id="34" name="Google Shape;34;p8"/>
-          <p:cNvSpPr txBox="1"/>
-          <p:nvPr>
-            <p:ph idx="12" type="sldNum"/>
-          </p:nvPr>
-        </p:nvSpPr>
-        <p:spPr>
-          <a:xfrm>
-            <a:off x="8472458" y="4663217"/>
-            <a:ext cx="548700" cy="393600"/>
-          </a:xfrm>
-          <a:prstGeom prst="rect">
-            <a:avLst/>
-          </a:prstGeom>
-        </p:spPr>
-        <p:txBody>
-          <a:bodyPr anchorCtr="0" anchor="ctr" bIns="91425" lIns="91425" spcFirstLastPara="1" rIns="91425" wrap="square" tIns="91425">
-            <a:normAutofit/>
-          </a:bodyPr>
-          <a:lstStyle>
-            <a:lvl1pPr lvl="0">
-              <a:buNone/>
-              <a:defRPr/>
-            </a:lvl1pPr>
-            <a:lvl2pPr lvl="1">
-              <a:buNone/>
-              <a:defRPr/>
-            </a:lvl2pPr>
-            <a:lvl3pPr lvl="2">
-              <a:buNone/>
-              <a:defRPr/>
-            </a:lvl3pPr>
-            <a:lvl4pPr lvl="3">
-              <a:buNone/>
-              <a:defRPr/>
-            </a:lvl4pPr>
-            <a:lvl5pPr lvl="4">
-              <a:buNone/>
-              <a:defRPr/>
-            </a:lvl5pPr>
-            <a:lvl6pPr lvl="5">
-              <a:buNone/>
-              <a:defRPr/>
-            </a:lvl6pPr>
-            <a:lvl7pPr lvl="6">
-              <a:buNone/>
-              <a:defRPr/>
-            </a:lvl7pPr>
-            <a:lvl8pPr lvl="7">
-              <a:buNone/>
-              <a:defRPr/>
-            </a:lvl8pPr>
-            <a:lvl9pPr lvl="8">
-              <a:buNone/>
-              <a:defRPr/>
-            </a:lvl9pPr>
-          </a:lstStyle>
-          <a:p>
-            <a:pPr indent="0" lvl="0" marL="0" rtl="0" algn="r">
-              <a:spcBef>
-                <a:spcPts val="0"/>
-              </a:spcBef>
-              <a:spcAft>
-                <a:spcPts val="0"/>
-              </a:spcAft>
-              <a:buNone/>
-            </a:pPr>
-            <a:fld id="{00000000-1234-1234-1234-123412341234}" type="slidenum">
-              <a:rPr lang="en"/>
-              <a:t>‹#›</a:t>
-            </a:fld>
-            <a:endParaRPr/>
-          </a:p>
-        </p:txBody>
-      </p:sp>
-    </p:spTree>
-  </p:cSld>
-  <p:clrMapOvr>
-    <a:masterClrMapping/>
-  </p:clrMapOvr>
-</p:sldLayout>
-</file>
-
-<file path=ppt/slideLayouts/slideLayout8.xml><?xml version="1.0" encoding="utf-8"?>
-<p:sldLayout xmlns:a="http://schemas.openxmlformats.org/drawingml/2006/main" xmlns:r="http://schemas.openxmlformats.org/officeDocument/2006/relationships" xmlns:mc="http://schemas.openxmlformats.org/markup-compatibility/2006" xmlns:mv="urn:schemas-microsoft-com:mac:vml" xmlns:p="http://schemas.openxmlformats.org/presentationml/2006/main" xmlns:c="http://schemas.openxmlformats.org/drawingml/2006/chart" xmlns:dgm="http://schemas.openxmlformats.org/drawingml/2006/diagram" xmlns:o="urn:schemas-microsoft-com:office:office" xmlns:v="urn:schemas-microsoft-com:vml" xmlns:pvml="urn:schemas-microsoft-com:office:powerpoint" xmlns:com="http://schemas.openxmlformats.org/drawingml/2006/compatibility" xmlns:p14="http://schemas.microsoft.com/office/powerpoint/2010/main" xmlns:p15="http://schemas.microsoft.com/office/powerpoint/2012/main" xmlns:ahyp="http://schemas.microsoft.com/office/drawing/2018/hyperlinkcolor" matchingName="Section title and description">
+<p:sldLayout xmlns:a="http://schemas.openxmlformats.org/drawingml/2006/main" xmlns:r="http://schemas.openxmlformats.org/officeDocument/2006/relationships" xmlns:p="http://schemas.openxmlformats.org/presentationml/2006/main" matchingName="Section title and description">
   <p:cSld name="SECTION_TITLE_AND_DESCRIPTION">
     <p:spTree>
       <p:nvGrpSpPr>
-        <p:cNvPr id="35" name="Shape 35"/>
+        <p:cNvPr id="1" name="Shape 35"/>
         <p:cNvGrpSpPr/>
         <p:nvPr/>
       </p:nvGrpSpPr>
@@ -3523,12 +3018,12 @@
           </a:ln>
         </p:spPr>
         <p:txBody>
-          <a:bodyPr anchorCtr="0" anchor="ctr" bIns="91425" lIns="91425" spcFirstLastPara="1" rIns="91425" wrap="square" tIns="91425">
+          <a:bodyPr spcFirstLastPara="1" wrap="square" lIns="91425" tIns="91425" rIns="91425" bIns="91425" anchor="ctr" anchorCtr="0">
             <a:noAutofit/>
           </a:bodyPr>
           <a:lstStyle/>
           <a:p>
-            <a:pPr indent="0" lvl="0" marL="0" rtl="0" algn="l">
+            <a:pPr marL="0" lvl="0" indent="0" algn="l" rtl="0">
               <a:spcBef>
                 <a:spcPts val="0"/>
               </a:spcBef>
@@ -3537,9 +3032,6 @@
               </a:spcAft>
               <a:buNone/>
             </a:pPr>
-            <a:r>
-              <a:t/>
-            </a:r>
             <a:endParaRPr/>
           </a:p>
         </p:txBody>
@@ -3547,7 +3039,9 @@
       <p:sp>
         <p:nvSpPr>
           <p:cNvPr id="37" name="Google Shape;37;p9"/>
-          <p:cNvSpPr txBox="1"/>
+          <p:cNvSpPr txBox="1">
+            <a:spLocks noGrp="1"/>
+          </p:cNvSpPr>
           <p:nvPr>
             <p:ph type="title"/>
           </p:nvPr>
@@ -3562,7 +3056,7 @@
           </a:prstGeom>
         </p:spPr>
         <p:txBody>
-          <a:bodyPr anchorCtr="0" anchor="b" bIns="91425" lIns="91425" spcFirstLastPara="1" rIns="91425" wrap="square" tIns="91425">
+          <a:bodyPr spcFirstLastPara="1" wrap="square" lIns="91425" tIns="91425" rIns="91425" bIns="91425" anchor="b" anchorCtr="0">
             <a:normAutofit/>
           </a:bodyPr>
           <a:lstStyle>
@@ -3666,15 +3160,19 @@
               <a:defRPr sz="4200"/>
             </a:lvl9pPr>
           </a:lstStyle>
-          <a:p/>
+          <a:p>
+            <a:endParaRPr/>
+          </a:p>
         </p:txBody>
       </p:sp>
       <p:sp>
         <p:nvSpPr>
           <p:cNvPr id="38" name="Google Shape;38;p9"/>
-          <p:cNvSpPr txBox="1"/>
+          <p:cNvSpPr txBox="1">
+            <a:spLocks noGrp="1"/>
+          </p:cNvSpPr>
           <p:nvPr>
-            <p:ph idx="1" type="subTitle"/>
+            <p:ph type="subTitle" idx="1"/>
           </p:nvPr>
         </p:nvSpPr>
         <p:spPr>
@@ -3687,7 +3185,7 @@
           </a:prstGeom>
         </p:spPr>
         <p:txBody>
-          <a:bodyPr anchorCtr="0" anchor="t" bIns="91425" lIns="91425" spcFirstLastPara="1" rIns="91425" wrap="square" tIns="91425">
+          <a:bodyPr spcFirstLastPara="1" wrap="square" lIns="91425" tIns="91425" rIns="91425" bIns="91425" anchor="t" anchorCtr="0">
             <a:normAutofit/>
           </a:bodyPr>
           <a:lstStyle>
@@ -3818,15 +3316,19 @@
               <a:defRPr sz="2100"/>
             </a:lvl9pPr>
           </a:lstStyle>
-          <a:p/>
+          <a:p>
+            <a:endParaRPr/>
+          </a:p>
         </p:txBody>
       </p:sp>
       <p:sp>
         <p:nvSpPr>
           <p:cNvPr id="39" name="Google Shape;39;p9"/>
-          <p:cNvSpPr txBox="1"/>
+          <p:cNvSpPr txBox="1">
+            <a:spLocks noGrp="1"/>
+          </p:cNvSpPr>
           <p:nvPr>
-            <p:ph idx="2" type="body"/>
+            <p:ph type="body" idx="2"/>
           </p:nvPr>
         </p:nvSpPr>
         <p:spPr>
@@ -3839,11 +3341,11 @@
           </a:prstGeom>
         </p:spPr>
         <p:txBody>
-          <a:bodyPr anchorCtr="0" anchor="ctr" bIns="91425" lIns="91425" spcFirstLastPara="1" rIns="91425" wrap="square" tIns="91425">
+          <a:bodyPr spcFirstLastPara="1" wrap="square" lIns="91425" tIns="91425" rIns="91425" bIns="91425" anchor="ctr" anchorCtr="0">
             <a:normAutofit/>
           </a:bodyPr>
           <a:lstStyle>
-            <a:lvl1pPr indent="-342900" lvl="0" marL="457200">
+            <a:lvl1pPr marL="457200" lvl="0" indent="-342900">
               <a:spcBef>
                 <a:spcPts val="0"/>
               </a:spcBef>
@@ -3854,7 +3356,7 @@
               <a:buChar char="●"/>
               <a:defRPr/>
             </a:lvl1pPr>
-            <a:lvl2pPr indent="-317500" lvl="1" marL="914400">
+            <a:lvl2pPr marL="914400" lvl="1" indent="-317500">
               <a:spcBef>
                 <a:spcPts val="0"/>
               </a:spcBef>
@@ -3865,7 +3367,7 @@
               <a:buChar char="○"/>
               <a:defRPr/>
             </a:lvl2pPr>
-            <a:lvl3pPr indent="-317500" lvl="2" marL="1371600">
+            <a:lvl3pPr marL="1371600" lvl="2" indent="-317500">
               <a:spcBef>
                 <a:spcPts val="0"/>
               </a:spcBef>
@@ -3876,7 +3378,7 @@
               <a:buChar char="■"/>
               <a:defRPr/>
             </a:lvl3pPr>
-            <a:lvl4pPr indent="-317500" lvl="3" marL="1828800">
+            <a:lvl4pPr marL="1828800" lvl="3" indent="-317500">
               <a:spcBef>
                 <a:spcPts val="0"/>
               </a:spcBef>
@@ -3887,7 +3389,7 @@
               <a:buChar char="●"/>
               <a:defRPr/>
             </a:lvl4pPr>
-            <a:lvl5pPr indent="-317500" lvl="4" marL="2286000">
+            <a:lvl5pPr marL="2286000" lvl="4" indent="-317500">
               <a:spcBef>
                 <a:spcPts val="0"/>
               </a:spcBef>
@@ -3898,7 +3400,7 @@
               <a:buChar char="○"/>
               <a:defRPr/>
             </a:lvl5pPr>
-            <a:lvl6pPr indent="-317500" lvl="5" marL="2743200">
+            <a:lvl6pPr marL="2743200" lvl="5" indent="-317500">
               <a:spcBef>
                 <a:spcPts val="0"/>
               </a:spcBef>
@@ -3909,7 +3411,7 @@
               <a:buChar char="■"/>
               <a:defRPr/>
             </a:lvl6pPr>
-            <a:lvl7pPr indent="-317500" lvl="6" marL="3200400">
+            <a:lvl7pPr marL="3200400" lvl="6" indent="-317500">
               <a:spcBef>
                 <a:spcPts val="0"/>
               </a:spcBef>
@@ -3920,7 +3422,7 @@
               <a:buChar char="●"/>
               <a:defRPr/>
             </a:lvl7pPr>
-            <a:lvl8pPr indent="-317500" lvl="7" marL="3657600">
+            <a:lvl8pPr marL="3657600" lvl="7" indent="-317500">
               <a:spcBef>
                 <a:spcPts val="0"/>
               </a:spcBef>
@@ -3931,7 +3433,7 @@
               <a:buChar char="○"/>
               <a:defRPr/>
             </a:lvl8pPr>
-            <a:lvl9pPr indent="-317500" lvl="8" marL="4114800">
+            <a:lvl9pPr marL="4114800" lvl="8" indent="-317500">
               <a:spcBef>
                 <a:spcPts val="0"/>
               </a:spcBef>
@@ -3943,15 +3445,19 @@
               <a:defRPr/>
             </a:lvl9pPr>
           </a:lstStyle>
-          <a:p/>
+          <a:p>
+            <a:endParaRPr/>
+          </a:p>
         </p:txBody>
       </p:sp>
       <p:sp>
         <p:nvSpPr>
           <p:cNvPr id="40" name="Google Shape;40;p9"/>
-          <p:cNvSpPr txBox="1"/>
+          <p:cNvSpPr txBox="1">
+            <a:spLocks noGrp="1"/>
+          </p:cNvSpPr>
           <p:nvPr>
-            <p:ph idx="12" type="sldNum"/>
+            <p:ph type="sldNum" idx="12"/>
           </p:nvPr>
         </p:nvSpPr>
         <p:spPr>
@@ -3964,7 +3470,7 @@
           </a:prstGeom>
         </p:spPr>
         <p:txBody>
-          <a:bodyPr anchorCtr="0" anchor="ctr" bIns="91425" lIns="91425" spcFirstLastPara="1" rIns="91425" wrap="square" tIns="91425">
+          <a:bodyPr spcFirstLastPara="1" wrap="square" lIns="91425" tIns="91425" rIns="91425" bIns="91425" anchor="ctr" anchorCtr="0">
             <a:normAutofit/>
           </a:bodyPr>
           <a:lstStyle>
@@ -4006,7 +3512,155 @@
             </a:lvl9pPr>
           </a:lstStyle>
           <a:p>
-            <a:pPr indent="0" lvl="0" marL="0" rtl="0" algn="r">
+            <a:pPr marL="0" lvl="0" indent="0" algn="r" rtl="0">
+              <a:spcBef>
+                <a:spcPts val="0"/>
+              </a:spcBef>
+              <a:spcAft>
+                <a:spcPts val="0"/>
+              </a:spcAft>
+              <a:buNone/>
+            </a:pPr>
+            <a:fld id="{00000000-1234-1234-1234-123412341234}" type="slidenum">
+              <a:rPr lang="en"/>
+              <a:t>‹#›</a:t>
+            </a:fld>
+            <a:endParaRPr/>
+          </a:p>
+        </p:txBody>
+      </p:sp>
+    </p:spTree>
+  </p:cSld>
+  <p:clrMapOvr>
+    <a:masterClrMapping/>
+  </p:clrMapOvr>
+</p:sldLayout>
+</file>
+
+<file path=ppt/slideLayouts/slideLayout8.xml><?xml version="1.0" encoding="utf-8"?>
+<p:sldLayout xmlns:a="http://schemas.openxmlformats.org/drawingml/2006/main" xmlns:r="http://schemas.openxmlformats.org/officeDocument/2006/relationships" xmlns:p="http://schemas.openxmlformats.org/presentationml/2006/main" matchingName="Caption">
+  <p:cSld name="CAPTION_ONLY">
+    <p:spTree>
+      <p:nvGrpSpPr>
+        <p:cNvPr id="1" name="Shape 41"/>
+        <p:cNvGrpSpPr/>
+        <p:nvPr/>
+      </p:nvGrpSpPr>
+      <p:grpSpPr>
+        <a:xfrm>
+          <a:off x="0" y="0"/>
+          <a:ext cx="0" cy="0"/>
+          <a:chOff x="0" y="0"/>
+          <a:chExt cx="0" cy="0"/>
+        </a:xfrm>
+      </p:grpSpPr>
+      <p:sp>
+        <p:nvSpPr>
+          <p:cNvPr id="42" name="Google Shape;42;p10"/>
+          <p:cNvSpPr txBox="1">
+            <a:spLocks noGrp="1"/>
+          </p:cNvSpPr>
+          <p:nvPr>
+            <p:ph type="body" idx="1"/>
+          </p:nvPr>
+        </p:nvSpPr>
+        <p:spPr>
+          <a:xfrm>
+            <a:off x="311700" y="4230575"/>
+            <a:ext cx="5998800" cy="605100"/>
+          </a:xfrm>
+          <a:prstGeom prst="rect">
+            <a:avLst/>
+          </a:prstGeom>
+        </p:spPr>
+        <p:txBody>
+          <a:bodyPr spcFirstLastPara="1" wrap="square" lIns="91425" tIns="91425" rIns="91425" bIns="91425" anchor="ctr" anchorCtr="0">
+            <a:normAutofit/>
+          </a:bodyPr>
+          <a:lstStyle>
+            <a:lvl1pPr marL="457200" lvl="0" indent="-228600">
+              <a:lnSpc>
+                <a:spcPct val="100000"/>
+              </a:lnSpc>
+              <a:spcBef>
+                <a:spcPts val="0"/>
+              </a:spcBef>
+              <a:spcAft>
+                <a:spcPts val="0"/>
+              </a:spcAft>
+              <a:buSzPts val="1800"/>
+              <a:buNone/>
+              <a:defRPr/>
+            </a:lvl1pPr>
+          </a:lstStyle>
+          <a:p>
+            <a:endParaRPr/>
+          </a:p>
+        </p:txBody>
+      </p:sp>
+      <p:sp>
+        <p:nvSpPr>
+          <p:cNvPr id="43" name="Google Shape;43;p10"/>
+          <p:cNvSpPr txBox="1">
+            <a:spLocks noGrp="1"/>
+          </p:cNvSpPr>
+          <p:nvPr>
+            <p:ph type="sldNum" idx="12"/>
+          </p:nvPr>
+        </p:nvSpPr>
+        <p:spPr>
+          <a:xfrm>
+            <a:off x="8472458" y="4663217"/>
+            <a:ext cx="548700" cy="393600"/>
+          </a:xfrm>
+          <a:prstGeom prst="rect">
+            <a:avLst/>
+          </a:prstGeom>
+        </p:spPr>
+        <p:txBody>
+          <a:bodyPr spcFirstLastPara="1" wrap="square" lIns="91425" tIns="91425" rIns="91425" bIns="91425" anchor="ctr" anchorCtr="0">
+            <a:normAutofit/>
+          </a:bodyPr>
+          <a:lstStyle>
+            <a:lvl1pPr lvl="0">
+              <a:buNone/>
+              <a:defRPr/>
+            </a:lvl1pPr>
+            <a:lvl2pPr lvl="1">
+              <a:buNone/>
+              <a:defRPr/>
+            </a:lvl2pPr>
+            <a:lvl3pPr lvl="2">
+              <a:buNone/>
+              <a:defRPr/>
+            </a:lvl3pPr>
+            <a:lvl4pPr lvl="3">
+              <a:buNone/>
+              <a:defRPr/>
+            </a:lvl4pPr>
+            <a:lvl5pPr lvl="4">
+              <a:buNone/>
+              <a:defRPr/>
+            </a:lvl5pPr>
+            <a:lvl6pPr lvl="5">
+              <a:buNone/>
+              <a:defRPr/>
+            </a:lvl6pPr>
+            <a:lvl7pPr lvl="6">
+              <a:buNone/>
+              <a:defRPr/>
+            </a:lvl7pPr>
+            <a:lvl8pPr lvl="7">
+              <a:buNone/>
+              <a:defRPr/>
+            </a:lvl8pPr>
+            <a:lvl9pPr lvl="8">
+              <a:buNone/>
+              <a:defRPr/>
+            </a:lvl9pPr>
+          </a:lstStyle>
+          <a:p>
+            <a:pPr marL="0" lvl="0" indent="0" algn="r" rtl="0">
               <a:spcBef>
                 <a:spcPts val="0"/>
               </a:spcBef>
@@ -4032,11 +3686,11 @@
 </file>
 
 <file path=ppt/slideLayouts/slideLayout9.xml><?xml version="1.0" encoding="utf-8"?>
-<p:sldLayout xmlns:a="http://schemas.openxmlformats.org/drawingml/2006/main" xmlns:r="http://schemas.openxmlformats.org/officeDocument/2006/relationships" xmlns:mc="http://schemas.openxmlformats.org/markup-compatibility/2006" xmlns:mv="urn:schemas-microsoft-com:mac:vml" xmlns:p="http://schemas.openxmlformats.org/presentationml/2006/main" xmlns:c="http://schemas.openxmlformats.org/drawingml/2006/chart" xmlns:dgm="http://schemas.openxmlformats.org/drawingml/2006/diagram" xmlns:o="urn:schemas-microsoft-com:office:office" xmlns:v="urn:schemas-microsoft-com:vml" xmlns:pvml="urn:schemas-microsoft-com:office:powerpoint" xmlns:com="http://schemas.openxmlformats.org/drawingml/2006/compatibility" xmlns:p14="http://schemas.microsoft.com/office/powerpoint/2010/main" xmlns:p15="http://schemas.microsoft.com/office/powerpoint/2012/main" xmlns:ahyp="http://schemas.microsoft.com/office/drawing/2018/hyperlinkcolor" matchingName="Caption">
-  <p:cSld name="CAPTION_ONLY">
+<p:sldLayout xmlns:a="http://schemas.openxmlformats.org/drawingml/2006/main" xmlns:r="http://schemas.openxmlformats.org/officeDocument/2006/relationships" xmlns:p="http://schemas.openxmlformats.org/presentationml/2006/main" matchingName="Big number">
+  <p:cSld name="BIG_NUMBER">
     <p:spTree>
       <p:nvGrpSpPr>
-        <p:cNvPr id="41" name="Shape 41"/>
+        <p:cNvPr id="1" name="Shape 44"/>
         <p:cNvGrpSpPr/>
         <p:nvPr/>
       </p:nvGrpSpPr>
@@ -4050,50 +3704,272 @@
       </p:grpSpPr>
       <p:sp>
         <p:nvSpPr>
-          <p:cNvPr id="42" name="Google Shape;42;p10"/>
-          <p:cNvSpPr txBox="1"/>
+          <p:cNvPr id="45" name="Google Shape;45;p11"/>
+          <p:cNvSpPr txBox="1">
+            <a:spLocks noGrp="1"/>
+          </p:cNvSpPr>
           <p:nvPr>
-            <p:ph idx="1" type="body"/>
+            <p:ph type="title" hasCustomPrompt="1"/>
           </p:nvPr>
         </p:nvSpPr>
         <p:spPr>
           <a:xfrm>
-            <a:off x="311700" y="4230575"/>
-            <a:ext cx="5998800" cy="605100"/>
+            <a:off x="311700" y="1106125"/>
+            <a:ext cx="8520600" cy="1963500"/>
           </a:xfrm>
           <a:prstGeom prst="rect">
             <a:avLst/>
           </a:prstGeom>
         </p:spPr>
         <p:txBody>
-          <a:bodyPr anchorCtr="0" anchor="ctr" bIns="91425" lIns="91425" spcFirstLastPara="1" rIns="91425" wrap="square" tIns="91425">
+          <a:bodyPr spcFirstLastPara="1" wrap="square" lIns="91425" tIns="91425" rIns="91425" bIns="91425" anchor="b" anchorCtr="0">
             <a:normAutofit/>
           </a:bodyPr>
           <a:lstStyle>
-            <a:lvl1pPr indent="-228600" lvl="0" marL="457200">
-              <a:lnSpc>
-                <a:spcPct val="100000"/>
-              </a:lnSpc>
-              <a:spcBef>
-                <a:spcPts val="0"/>
-              </a:spcBef>
-              <a:spcAft>
-                <a:spcPts val="0"/>
-              </a:spcAft>
-              <a:buSzPts val="1800"/>
-              <a:buNone/>
-              <a:defRPr/>
+            <a:lvl1pPr lvl="0" algn="ctr">
+              <a:spcBef>
+                <a:spcPts val="0"/>
+              </a:spcBef>
+              <a:spcAft>
+                <a:spcPts val="0"/>
+              </a:spcAft>
+              <a:buSzPts val="12000"/>
+              <a:buNone/>
+              <a:defRPr sz="12000"/>
             </a:lvl1pPr>
+            <a:lvl2pPr lvl="1" algn="ctr">
+              <a:spcBef>
+                <a:spcPts val="0"/>
+              </a:spcBef>
+              <a:spcAft>
+                <a:spcPts val="0"/>
+              </a:spcAft>
+              <a:buSzPts val="12000"/>
+              <a:buNone/>
+              <a:defRPr sz="12000"/>
+            </a:lvl2pPr>
+            <a:lvl3pPr lvl="2" algn="ctr">
+              <a:spcBef>
+                <a:spcPts val="0"/>
+              </a:spcBef>
+              <a:spcAft>
+                <a:spcPts val="0"/>
+              </a:spcAft>
+              <a:buSzPts val="12000"/>
+              <a:buNone/>
+              <a:defRPr sz="12000"/>
+            </a:lvl3pPr>
+            <a:lvl4pPr lvl="3" algn="ctr">
+              <a:spcBef>
+                <a:spcPts val="0"/>
+              </a:spcBef>
+              <a:spcAft>
+                <a:spcPts val="0"/>
+              </a:spcAft>
+              <a:buSzPts val="12000"/>
+              <a:buNone/>
+              <a:defRPr sz="12000"/>
+            </a:lvl4pPr>
+            <a:lvl5pPr lvl="4" algn="ctr">
+              <a:spcBef>
+                <a:spcPts val="0"/>
+              </a:spcBef>
+              <a:spcAft>
+                <a:spcPts val="0"/>
+              </a:spcAft>
+              <a:buSzPts val="12000"/>
+              <a:buNone/>
+              <a:defRPr sz="12000"/>
+            </a:lvl5pPr>
+            <a:lvl6pPr lvl="5" algn="ctr">
+              <a:spcBef>
+                <a:spcPts val="0"/>
+              </a:spcBef>
+              <a:spcAft>
+                <a:spcPts val="0"/>
+              </a:spcAft>
+              <a:buSzPts val="12000"/>
+              <a:buNone/>
+              <a:defRPr sz="12000"/>
+            </a:lvl6pPr>
+            <a:lvl7pPr lvl="6" algn="ctr">
+              <a:spcBef>
+                <a:spcPts val="0"/>
+              </a:spcBef>
+              <a:spcAft>
+                <a:spcPts val="0"/>
+              </a:spcAft>
+              <a:buSzPts val="12000"/>
+              <a:buNone/>
+              <a:defRPr sz="12000"/>
+            </a:lvl7pPr>
+            <a:lvl8pPr lvl="7" algn="ctr">
+              <a:spcBef>
+                <a:spcPts val="0"/>
+              </a:spcBef>
+              <a:spcAft>
+                <a:spcPts val="0"/>
+              </a:spcAft>
+              <a:buSzPts val="12000"/>
+              <a:buNone/>
+              <a:defRPr sz="12000"/>
+            </a:lvl8pPr>
+            <a:lvl9pPr lvl="8" algn="ctr">
+              <a:spcBef>
+                <a:spcPts val="0"/>
+              </a:spcBef>
+              <a:spcAft>
+                <a:spcPts val="0"/>
+              </a:spcAft>
+              <a:buSzPts val="12000"/>
+              <a:buNone/>
+              <a:defRPr sz="12000"/>
+            </a:lvl9pPr>
           </a:lstStyle>
-          <a:p/>
+          <a:p>
+            <a:r>
+              <a:t>xx%</a:t>
+            </a:r>
+          </a:p>
         </p:txBody>
       </p:sp>
       <p:sp>
         <p:nvSpPr>
-          <p:cNvPr id="43" name="Google Shape;43;p10"/>
-          <p:cNvSpPr txBox="1"/>
+          <p:cNvPr id="46" name="Google Shape;46;p11"/>
+          <p:cNvSpPr txBox="1">
+            <a:spLocks noGrp="1"/>
+          </p:cNvSpPr>
           <p:nvPr>
-            <p:ph idx="12" type="sldNum"/>
+            <p:ph type="body" idx="1"/>
+          </p:nvPr>
+        </p:nvSpPr>
+        <p:spPr>
+          <a:xfrm>
+            <a:off x="311700" y="3152225"/>
+            <a:ext cx="8520600" cy="1300800"/>
+          </a:xfrm>
+          <a:prstGeom prst="rect">
+            <a:avLst/>
+          </a:prstGeom>
+        </p:spPr>
+        <p:txBody>
+          <a:bodyPr spcFirstLastPara="1" wrap="square" lIns="91425" tIns="91425" rIns="91425" bIns="91425" anchor="t" anchorCtr="0">
+            <a:normAutofit/>
+          </a:bodyPr>
+          <a:lstStyle>
+            <a:lvl1pPr marL="457200" lvl="0" indent="-342900" algn="ctr">
+              <a:spcBef>
+                <a:spcPts val="0"/>
+              </a:spcBef>
+              <a:spcAft>
+                <a:spcPts val="0"/>
+              </a:spcAft>
+              <a:buSzPts val="1800"/>
+              <a:buChar char="●"/>
+              <a:defRPr/>
+            </a:lvl1pPr>
+            <a:lvl2pPr marL="914400" lvl="1" indent="-317500" algn="ctr">
+              <a:spcBef>
+                <a:spcPts val="0"/>
+              </a:spcBef>
+              <a:spcAft>
+                <a:spcPts val="0"/>
+              </a:spcAft>
+              <a:buSzPts val="1400"/>
+              <a:buChar char="○"/>
+              <a:defRPr/>
+            </a:lvl2pPr>
+            <a:lvl3pPr marL="1371600" lvl="2" indent="-317500" algn="ctr">
+              <a:spcBef>
+                <a:spcPts val="0"/>
+              </a:spcBef>
+              <a:spcAft>
+                <a:spcPts val="0"/>
+              </a:spcAft>
+              <a:buSzPts val="1400"/>
+              <a:buChar char="■"/>
+              <a:defRPr/>
+            </a:lvl3pPr>
+            <a:lvl4pPr marL="1828800" lvl="3" indent="-317500" algn="ctr">
+              <a:spcBef>
+                <a:spcPts val="0"/>
+              </a:spcBef>
+              <a:spcAft>
+                <a:spcPts val="0"/>
+              </a:spcAft>
+              <a:buSzPts val="1400"/>
+              <a:buChar char="●"/>
+              <a:defRPr/>
+            </a:lvl4pPr>
+            <a:lvl5pPr marL="2286000" lvl="4" indent="-317500" algn="ctr">
+              <a:spcBef>
+                <a:spcPts val="0"/>
+              </a:spcBef>
+              <a:spcAft>
+                <a:spcPts val="0"/>
+              </a:spcAft>
+              <a:buSzPts val="1400"/>
+              <a:buChar char="○"/>
+              <a:defRPr/>
+            </a:lvl5pPr>
+            <a:lvl6pPr marL="2743200" lvl="5" indent="-317500" algn="ctr">
+              <a:spcBef>
+                <a:spcPts val="0"/>
+              </a:spcBef>
+              <a:spcAft>
+                <a:spcPts val="0"/>
+              </a:spcAft>
+              <a:buSzPts val="1400"/>
+              <a:buChar char="■"/>
+              <a:defRPr/>
+            </a:lvl6pPr>
+            <a:lvl7pPr marL="3200400" lvl="6" indent="-317500" algn="ctr">
+              <a:spcBef>
+                <a:spcPts val="0"/>
+              </a:spcBef>
+              <a:spcAft>
+                <a:spcPts val="0"/>
+              </a:spcAft>
+              <a:buSzPts val="1400"/>
+              <a:buChar char="●"/>
+              <a:defRPr/>
+            </a:lvl7pPr>
+            <a:lvl8pPr marL="3657600" lvl="7" indent="-317500" algn="ctr">
+              <a:spcBef>
+                <a:spcPts val="0"/>
+              </a:spcBef>
+              <a:spcAft>
+                <a:spcPts val="0"/>
+              </a:spcAft>
+              <a:buSzPts val="1400"/>
+              <a:buChar char="○"/>
+              <a:defRPr/>
+            </a:lvl8pPr>
+            <a:lvl9pPr marL="4114800" lvl="8" indent="-317500" algn="ctr">
+              <a:spcBef>
+                <a:spcPts val="0"/>
+              </a:spcBef>
+              <a:spcAft>
+                <a:spcPts val="0"/>
+              </a:spcAft>
+              <a:buSzPts val="1400"/>
+              <a:buChar char="■"/>
+              <a:defRPr/>
+            </a:lvl9pPr>
+          </a:lstStyle>
+          <a:p>
+            <a:endParaRPr/>
+          </a:p>
+        </p:txBody>
+      </p:sp>
+      <p:sp>
+        <p:nvSpPr>
+          <p:cNvPr id="47" name="Google Shape;47;p11"/>
+          <p:cNvSpPr txBox="1">
+            <a:spLocks noGrp="1"/>
+          </p:cNvSpPr>
+          <p:nvPr>
+            <p:ph type="sldNum" idx="12"/>
           </p:nvPr>
         </p:nvSpPr>
         <p:spPr>
@@ -4106,7 +3982,7 @@
           </a:prstGeom>
         </p:spPr>
         <p:txBody>
-          <a:bodyPr anchorCtr="0" anchor="ctr" bIns="91425" lIns="91425" spcFirstLastPara="1" rIns="91425" wrap="square" tIns="91425">
+          <a:bodyPr spcFirstLastPara="1" wrap="square" lIns="91425" tIns="91425" rIns="91425" bIns="91425" anchor="ctr" anchorCtr="0">
             <a:normAutofit/>
           </a:bodyPr>
           <a:lstStyle>
@@ -4148,7 +4024,7 @@
             </a:lvl9pPr>
           </a:lstStyle>
           <a:p>
-            <a:pPr indent="0" lvl="0" marL="0" rtl="0" algn="r">
+            <a:pPr marL="0" lvl="0" indent="0" algn="r" rtl="0">
               <a:spcBef>
                 <a:spcPts val="0"/>
               </a:spcBef>
@@ -4174,18 +4050,19 @@
 </file>
 
 <file path=ppt/slideMasters/slideMaster1.xml><?xml version="1.0" encoding="utf-8"?>
-<p:sldMaster xmlns:a="http://schemas.openxmlformats.org/drawingml/2006/main" xmlns:r="http://schemas.openxmlformats.org/officeDocument/2006/relationships" xmlns:mc="http://schemas.openxmlformats.org/markup-compatibility/2006" xmlns:mv="urn:schemas-microsoft-com:mac:vml" xmlns:p="http://schemas.openxmlformats.org/presentationml/2006/main" xmlns:c="http://schemas.openxmlformats.org/drawingml/2006/chart" xmlns:dgm="http://schemas.openxmlformats.org/drawingml/2006/diagram" xmlns:o="urn:schemas-microsoft-com:office:office" xmlns:v="urn:schemas-microsoft-com:vml" xmlns:pvml="urn:schemas-microsoft-com:office:powerpoint" xmlns:com="http://schemas.openxmlformats.org/drawingml/2006/compatibility" xmlns:p14="http://schemas.microsoft.com/office/powerpoint/2010/main" xmlns:p15="http://schemas.microsoft.com/office/powerpoint/2012/main" xmlns:ahyp="http://schemas.microsoft.com/office/drawing/2018/hyperlinkcolor">
+<p:sldMaster xmlns:a="http://schemas.openxmlformats.org/drawingml/2006/main" xmlns:r="http://schemas.openxmlformats.org/officeDocument/2006/relationships" xmlns:p="http://schemas.openxmlformats.org/presentationml/2006/main">
   <p:cSld name="simple-light-2">
     <p:bg>
       <p:bgPr>
         <a:solidFill>
           <a:schemeClr val="lt1"/>
         </a:solidFill>
+        <a:effectLst/>
       </p:bgPr>
     </p:bg>
     <p:spTree>
       <p:nvGrpSpPr>
-        <p:cNvPr id="5" name="Shape 5"/>
+        <p:cNvPr id="1" name="Shape 5"/>
         <p:cNvGrpSpPr/>
         <p:nvPr/>
       </p:nvGrpSpPr>
@@ -4200,7 +4077,9 @@
       <p:sp>
         <p:nvSpPr>
           <p:cNvPr id="6" name="Google Shape;6;p1"/>
-          <p:cNvSpPr txBox="1"/>
+          <p:cNvSpPr txBox="1">
+            <a:spLocks noGrp="1"/>
+          </p:cNvSpPr>
           <p:nvPr>
             <p:ph type="title"/>
           </p:nvPr>
@@ -4219,7 +4098,7 @@
           </a:ln>
         </p:spPr>
         <p:txBody>
-          <a:bodyPr anchorCtr="0" anchor="t" bIns="91425" lIns="91425" spcFirstLastPara="1" rIns="91425" wrap="square" tIns="91425">
+          <a:bodyPr spcFirstLastPara="1" wrap="square" lIns="91425" tIns="91425" rIns="91425" bIns="91425" anchor="t" anchorCtr="0">
             <a:normAutofit/>
           </a:bodyPr>
           <a:lstStyle>
@@ -4386,15 +4265,19 @@
               </a:defRPr>
             </a:lvl9pPr>
           </a:lstStyle>
-          <a:p/>
+          <a:p>
+            <a:endParaRPr/>
+          </a:p>
         </p:txBody>
       </p:sp>
       <p:sp>
         <p:nvSpPr>
           <p:cNvPr id="7" name="Google Shape;7;p1"/>
-          <p:cNvSpPr txBox="1"/>
+          <p:cNvSpPr txBox="1">
+            <a:spLocks noGrp="1"/>
+          </p:cNvSpPr>
           <p:nvPr>
-            <p:ph idx="1" type="body"/>
+            <p:ph type="body" idx="1"/>
           </p:nvPr>
         </p:nvSpPr>
         <p:spPr>
@@ -4411,11 +4294,11 @@
           </a:ln>
         </p:spPr>
         <p:txBody>
-          <a:bodyPr anchorCtr="0" anchor="t" bIns="91425" lIns="91425" spcFirstLastPara="1" rIns="91425" wrap="square" tIns="91425">
+          <a:bodyPr spcFirstLastPara="1" wrap="square" lIns="91425" tIns="91425" rIns="91425" bIns="91425" anchor="t" anchorCtr="0">
             <a:normAutofit/>
           </a:bodyPr>
           <a:lstStyle>
-            <a:lvl1pPr indent="-342900" lvl="0" marL="457200">
+            <a:lvl1pPr marL="457200" lvl="0" indent="-342900">
               <a:lnSpc>
                 <a:spcPct val="115000"/>
               </a:lnSpc>
@@ -4436,7 +4319,7 @@
                 </a:solidFill>
               </a:defRPr>
             </a:lvl1pPr>
-            <a:lvl2pPr indent="-317500" lvl="1" marL="914400">
+            <a:lvl2pPr marL="914400" lvl="1" indent="-317500">
               <a:lnSpc>
                 <a:spcPct val="115000"/>
               </a:lnSpc>
@@ -4457,7 +4340,7 @@
                 </a:solidFill>
               </a:defRPr>
             </a:lvl2pPr>
-            <a:lvl3pPr indent="-317500" lvl="2" marL="1371600">
+            <a:lvl3pPr marL="1371600" lvl="2" indent="-317500">
               <a:lnSpc>
                 <a:spcPct val="115000"/>
               </a:lnSpc>
@@ -4478,7 +4361,7 @@
                 </a:solidFill>
               </a:defRPr>
             </a:lvl3pPr>
-            <a:lvl4pPr indent="-317500" lvl="3" marL="1828800">
+            <a:lvl4pPr marL="1828800" lvl="3" indent="-317500">
               <a:lnSpc>
                 <a:spcPct val="115000"/>
               </a:lnSpc>
@@ -4499,7 +4382,7 @@
                 </a:solidFill>
               </a:defRPr>
             </a:lvl4pPr>
-            <a:lvl5pPr indent="-317500" lvl="4" marL="2286000">
+            <a:lvl5pPr marL="2286000" lvl="4" indent="-317500">
               <a:lnSpc>
                 <a:spcPct val="115000"/>
               </a:lnSpc>
@@ -4520,7 +4403,7 @@
                 </a:solidFill>
               </a:defRPr>
             </a:lvl5pPr>
-            <a:lvl6pPr indent="-317500" lvl="5" marL="2743200">
+            <a:lvl6pPr marL="2743200" lvl="5" indent="-317500">
               <a:lnSpc>
                 <a:spcPct val="115000"/>
               </a:lnSpc>
@@ -4541,7 +4424,7 @@
                 </a:solidFill>
               </a:defRPr>
             </a:lvl6pPr>
-            <a:lvl7pPr indent="-317500" lvl="6" marL="3200400">
+            <a:lvl7pPr marL="3200400" lvl="6" indent="-317500">
               <a:lnSpc>
                 <a:spcPct val="115000"/>
               </a:lnSpc>
@@ -4562,7 +4445,7 @@
                 </a:solidFill>
               </a:defRPr>
             </a:lvl7pPr>
-            <a:lvl8pPr indent="-317500" lvl="7" marL="3657600">
+            <a:lvl8pPr marL="3657600" lvl="7" indent="-317500">
               <a:lnSpc>
                 <a:spcPct val="115000"/>
               </a:lnSpc>
@@ -4583,7 +4466,7 @@
                 </a:solidFill>
               </a:defRPr>
             </a:lvl8pPr>
-            <a:lvl9pPr indent="-317500" lvl="8" marL="4114800">
+            <a:lvl9pPr marL="4114800" lvl="8" indent="-317500">
               <a:lnSpc>
                 <a:spcPct val="115000"/>
               </a:lnSpc>
@@ -4605,15 +4488,19 @@
               </a:defRPr>
             </a:lvl9pPr>
           </a:lstStyle>
-          <a:p/>
+          <a:p>
+            <a:endParaRPr/>
+          </a:p>
         </p:txBody>
       </p:sp>
       <p:sp>
         <p:nvSpPr>
           <p:cNvPr id="8" name="Google Shape;8;p1"/>
-          <p:cNvSpPr txBox="1"/>
+          <p:cNvSpPr txBox="1">
+            <a:spLocks noGrp="1"/>
+          </p:cNvSpPr>
           <p:nvPr>
-            <p:ph idx="12" type="sldNum"/>
+            <p:ph type="sldNum" idx="12"/>
           </p:nvPr>
         </p:nvSpPr>
         <p:spPr>
@@ -4630,7 +4517,7 @@
           </a:ln>
         </p:spPr>
         <p:txBody>
-          <a:bodyPr anchorCtr="0" anchor="ctr" bIns="91425" lIns="91425" spcFirstLastPara="1" rIns="91425" wrap="square" tIns="91425">
+          <a:bodyPr spcFirstLastPara="1" wrap="square" lIns="91425" tIns="91425" rIns="91425" bIns="91425" anchor="ctr" anchorCtr="0">
             <a:normAutofit/>
           </a:bodyPr>
           <a:lstStyle>
@@ -4708,7 +4595,7 @@
             </a:lvl9pPr>
           </a:lstStyle>
           <a:p>
-            <a:pPr indent="0" lvl="0" marL="0" rtl="0" algn="r">
+            <a:pPr marL="0" lvl="0" indent="0" algn="r" rtl="0">
               <a:spcBef>
                 <a:spcPts val="0"/>
               </a:spcBef>
@@ -4727,24 +4614,23 @@
       </p:sp>
     </p:spTree>
   </p:cSld>
-  <p:clrMap accent1="accent1" accent2="accent2" accent3="accent3" accent4="accent4" accent5="accent5" accent6="accent6" bg1="lt1" bg2="dk2" tx1="dk1" tx2="lt2" folHlink="folHlink" hlink="hlink"/>
+  <p:clrMap bg1="lt1" tx1="dk1" bg2="dk2" tx2="lt2" accent1="accent1" accent2="accent2" accent3="accent3" accent4="accent4" accent5="accent5" accent6="accent6" hlink="hlink" folHlink="folHlink"/>
   <p:sldLayoutIdLst>
     <p:sldLayoutId id="2147483648" r:id="rId1"/>
-    <p:sldLayoutId id="2147483649" r:id="rId2"/>
-    <p:sldLayoutId id="2147483650" r:id="rId3"/>
-    <p:sldLayoutId id="2147483651" r:id="rId4"/>
-    <p:sldLayoutId id="2147483652" r:id="rId5"/>
-    <p:sldLayoutId id="2147483653" r:id="rId6"/>
-    <p:sldLayoutId id="2147483654" r:id="rId7"/>
-    <p:sldLayoutId id="2147483655" r:id="rId8"/>
-    <p:sldLayoutId id="2147483656" r:id="rId9"/>
-    <p:sldLayoutId id="2147483657" r:id="rId10"/>
-    <p:sldLayoutId id="2147483658" r:id="rId11"/>
+    <p:sldLayoutId id="2147483650" r:id="rId2"/>
+    <p:sldLayoutId id="2147483651" r:id="rId3"/>
+    <p:sldLayoutId id="2147483652" r:id="rId4"/>
+    <p:sldLayoutId id="2147483653" r:id="rId5"/>
+    <p:sldLayoutId id="2147483654" r:id="rId6"/>
+    <p:sldLayoutId id="2147483655" r:id="rId7"/>
+    <p:sldLayoutId id="2147483656" r:id="rId8"/>
+    <p:sldLayoutId id="2147483657" r:id="rId9"/>
+    <p:sldLayoutId id="2147483658" r:id="rId10"/>
   </p:sldLayoutIdLst>
-  <p:hf dt="0" ftr="0" hdr="0" sldNum="0"/>
+  <p:hf sldNum="0" hdr="0" ftr="0" dt="0"/>
   <p:txStyles>
     <p:titleStyle>
-      <a:defPPr lvl="0" marR="0" rtl="0" algn="l">
+      <a:defPPr marR="0" lvl="0" algn="l" rtl="0">
         <a:lnSpc>
           <a:spcPct val="100000"/>
         </a:lnSpc>
@@ -4755,7 +4641,7 @@
           <a:spcPts val="0"/>
         </a:spcAft>
       </a:defPPr>
-      <a:lvl1pPr lvl="0" marR="0" rtl="0" algn="l">
+      <a:lvl1pPr marR="0" lvl="0" algn="l" rtl="0">
         <a:lnSpc>
           <a:spcPct val="100000"/>
         </a:lnSpc>
@@ -4769,7 +4655,7 @@
           <a:srgbClr val="000000"/>
         </a:buClr>
         <a:buFont typeface="Arial"/>
-        <a:defRPr b="0" i="0" sz="1400" u="none" cap="none" strike="noStrike">
+        <a:defRPr sz="1400" b="0" i="0" u="none" strike="noStrike" cap="none">
           <a:solidFill>
             <a:srgbClr val="000000"/>
           </a:solidFill>
@@ -4779,7 +4665,7 @@
           <a:sym typeface="Arial"/>
         </a:defRPr>
       </a:lvl1pPr>
-      <a:lvl2pPr lvl="1" marR="0" rtl="0" algn="l">
+      <a:lvl2pPr marR="0" lvl="1" algn="l" rtl="0">
         <a:lnSpc>
           <a:spcPct val="100000"/>
         </a:lnSpc>
@@ -4793,7 +4679,7 @@
           <a:srgbClr val="000000"/>
         </a:buClr>
         <a:buFont typeface="Arial"/>
-        <a:defRPr b="0" i="0" sz="1400" u="none" cap="none" strike="noStrike">
+        <a:defRPr sz="1400" b="0" i="0" u="none" strike="noStrike" cap="none">
           <a:solidFill>
             <a:srgbClr val="000000"/>
           </a:solidFill>
@@ -4803,7 +4689,7 @@
           <a:sym typeface="Arial"/>
         </a:defRPr>
       </a:lvl2pPr>
-      <a:lvl3pPr lvl="2" marR="0" rtl="0" algn="l">
+      <a:lvl3pPr marR="0" lvl="2" algn="l" rtl="0">
         <a:lnSpc>
           <a:spcPct val="100000"/>
         </a:lnSpc>
@@ -4817,7 +4703,7 @@
           <a:srgbClr val="000000"/>
         </a:buClr>
         <a:buFont typeface="Arial"/>
-        <a:defRPr b="0" i="0" sz="1400" u="none" cap="none" strike="noStrike">
+        <a:defRPr sz="1400" b="0" i="0" u="none" strike="noStrike" cap="none">
           <a:solidFill>
             <a:srgbClr val="000000"/>
           </a:solidFill>
@@ -4827,7 +4713,7 @@
           <a:sym typeface="Arial"/>
         </a:defRPr>
       </a:lvl3pPr>
-      <a:lvl4pPr lvl="3" marR="0" rtl="0" algn="l">
+      <a:lvl4pPr marR="0" lvl="3" algn="l" rtl="0">
         <a:lnSpc>
           <a:spcPct val="100000"/>
         </a:lnSpc>
@@ -4841,7 +4727,7 @@
           <a:srgbClr val="000000"/>
         </a:buClr>
         <a:buFont typeface="Arial"/>
-        <a:defRPr b="0" i="0" sz="1400" u="none" cap="none" strike="noStrike">
+        <a:defRPr sz="1400" b="0" i="0" u="none" strike="noStrike" cap="none">
           <a:solidFill>
             <a:srgbClr val="000000"/>
           </a:solidFill>
@@ -4851,7 +4737,7 @@
           <a:sym typeface="Arial"/>
         </a:defRPr>
       </a:lvl4pPr>
-      <a:lvl5pPr lvl="4" marR="0" rtl="0" algn="l">
+      <a:lvl5pPr marR="0" lvl="4" algn="l" rtl="0">
         <a:lnSpc>
           <a:spcPct val="100000"/>
         </a:lnSpc>
@@ -4865,7 +4751,7 @@
           <a:srgbClr val="000000"/>
         </a:buClr>
         <a:buFont typeface="Arial"/>
-        <a:defRPr b="0" i="0" sz="1400" u="none" cap="none" strike="noStrike">
+        <a:defRPr sz="1400" b="0" i="0" u="none" strike="noStrike" cap="none">
           <a:solidFill>
             <a:srgbClr val="000000"/>
           </a:solidFill>
@@ -4875,7 +4761,7 @@
           <a:sym typeface="Arial"/>
         </a:defRPr>
       </a:lvl5pPr>
-      <a:lvl6pPr lvl="5" marR="0" rtl="0" algn="l">
+      <a:lvl6pPr marR="0" lvl="5" algn="l" rtl="0">
         <a:lnSpc>
           <a:spcPct val="100000"/>
         </a:lnSpc>
@@ -4889,7 +4775,7 @@
           <a:srgbClr val="000000"/>
         </a:buClr>
         <a:buFont typeface="Arial"/>
-        <a:defRPr b="0" i="0" sz="1400" u="none" cap="none" strike="noStrike">
+        <a:defRPr sz="1400" b="0" i="0" u="none" strike="noStrike" cap="none">
           <a:solidFill>
             <a:srgbClr val="000000"/>
           </a:solidFill>
@@ -4899,7 +4785,7 @@
           <a:sym typeface="Arial"/>
         </a:defRPr>
       </a:lvl6pPr>
-      <a:lvl7pPr lvl="6" marR="0" rtl="0" algn="l">
+      <a:lvl7pPr marR="0" lvl="6" algn="l" rtl="0">
         <a:lnSpc>
           <a:spcPct val="100000"/>
         </a:lnSpc>
@@ -4913,7 +4799,7 @@
           <a:srgbClr val="000000"/>
         </a:buClr>
         <a:buFont typeface="Arial"/>
-        <a:defRPr b="0" i="0" sz="1400" u="none" cap="none" strike="noStrike">
+        <a:defRPr sz="1400" b="0" i="0" u="none" strike="noStrike" cap="none">
           <a:solidFill>
             <a:srgbClr val="000000"/>
           </a:solidFill>
@@ -4923,7 +4809,7 @@
           <a:sym typeface="Arial"/>
         </a:defRPr>
       </a:lvl7pPr>
-      <a:lvl8pPr lvl="7" marR="0" rtl="0" algn="l">
+      <a:lvl8pPr marR="0" lvl="7" algn="l" rtl="0">
         <a:lnSpc>
           <a:spcPct val="100000"/>
         </a:lnSpc>
@@ -4937,7 +4823,7 @@
           <a:srgbClr val="000000"/>
         </a:buClr>
         <a:buFont typeface="Arial"/>
-        <a:defRPr b="0" i="0" sz="1400" u="none" cap="none" strike="noStrike">
+        <a:defRPr sz="1400" b="0" i="0" u="none" strike="noStrike" cap="none">
           <a:solidFill>
             <a:srgbClr val="000000"/>
           </a:solidFill>
@@ -4947,7 +4833,7 @@
           <a:sym typeface="Arial"/>
         </a:defRPr>
       </a:lvl8pPr>
-      <a:lvl9pPr lvl="8" marR="0" rtl="0" algn="l">
+      <a:lvl9pPr marR="0" lvl="8" algn="l" rtl="0">
         <a:lnSpc>
           <a:spcPct val="100000"/>
         </a:lnSpc>
@@ -4961,7 +4847,7 @@
           <a:srgbClr val="000000"/>
         </a:buClr>
         <a:buFont typeface="Arial"/>
-        <a:defRPr b="0" i="0" sz="1400" u="none" cap="none" strike="noStrike">
+        <a:defRPr sz="1400" b="0" i="0" u="none" strike="noStrike" cap="none">
           <a:solidFill>
             <a:srgbClr val="000000"/>
           </a:solidFill>
@@ -4973,7 +4859,7 @@
       </a:lvl9pPr>
     </p:titleStyle>
     <p:bodyStyle>
-      <a:defPPr lvl="0" marR="0" rtl="0" algn="l">
+      <a:defPPr marR="0" lvl="0" algn="l" rtl="0">
         <a:lnSpc>
           <a:spcPct val="100000"/>
         </a:lnSpc>
@@ -4984,7 +4870,7 @@
           <a:spcPts val="0"/>
         </a:spcAft>
       </a:defPPr>
-      <a:lvl1pPr lvl="0" marR="0" rtl="0" algn="l">
+      <a:lvl1pPr marR="0" lvl="0" algn="l" rtl="0">
         <a:lnSpc>
           <a:spcPct val="100000"/>
         </a:lnSpc>
@@ -4998,7 +4884,7 @@
           <a:srgbClr val="000000"/>
         </a:buClr>
         <a:buFont typeface="Arial"/>
-        <a:defRPr b="0" i="0" sz="1400" u="none" cap="none" strike="noStrike">
+        <a:defRPr sz="1400" b="0" i="0" u="none" strike="noStrike" cap="none">
           <a:solidFill>
             <a:srgbClr val="000000"/>
           </a:solidFill>
@@ -5008,7 +4894,7 @@
           <a:sym typeface="Arial"/>
         </a:defRPr>
       </a:lvl1pPr>
-      <a:lvl2pPr lvl="1" marR="0" rtl="0" algn="l">
+      <a:lvl2pPr marR="0" lvl="1" algn="l" rtl="0">
         <a:lnSpc>
           <a:spcPct val="100000"/>
         </a:lnSpc>
@@ -5022,7 +4908,7 @@
           <a:srgbClr val="000000"/>
         </a:buClr>
         <a:buFont typeface="Arial"/>
-        <a:defRPr b="0" i="0" sz="1400" u="none" cap="none" strike="noStrike">
+        <a:defRPr sz="1400" b="0" i="0" u="none" strike="noStrike" cap="none">
           <a:solidFill>
             <a:srgbClr val="000000"/>
           </a:solidFill>
@@ -5032,7 +4918,7 @@
           <a:sym typeface="Arial"/>
         </a:defRPr>
       </a:lvl2pPr>
-      <a:lvl3pPr lvl="2" marR="0" rtl="0" algn="l">
+      <a:lvl3pPr marR="0" lvl="2" algn="l" rtl="0">
         <a:lnSpc>
           <a:spcPct val="100000"/>
         </a:lnSpc>
@@ -5046,7 +4932,7 @@
           <a:srgbClr val="000000"/>
         </a:buClr>
         <a:buFont typeface="Arial"/>
-        <a:defRPr b="0" i="0" sz="1400" u="none" cap="none" strike="noStrike">
+        <a:defRPr sz="1400" b="0" i="0" u="none" strike="noStrike" cap="none">
           <a:solidFill>
             <a:srgbClr val="000000"/>
           </a:solidFill>
@@ -5056,7 +4942,7 @@
           <a:sym typeface="Arial"/>
         </a:defRPr>
       </a:lvl3pPr>
-      <a:lvl4pPr lvl="3" marR="0" rtl="0" algn="l">
+      <a:lvl4pPr marR="0" lvl="3" algn="l" rtl="0">
         <a:lnSpc>
           <a:spcPct val="100000"/>
         </a:lnSpc>
@@ -5070,7 +4956,7 @@
           <a:srgbClr val="000000"/>
         </a:buClr>
         <a:buFont typeface="Arial"/>
-        <a:defRPr b="0" i="0" sz="1400" u="none" cap="none" strike="noStrike">
+        <a:defRPr sz="1400" b="0" i="0" u="none" strike="noStrike" cap="none">
           <a:solidFill>
             <a:srgbClr val="000000"/>
           </a:solidFill>
@@ -5080,7 +4966,7 @@
           <a:sym typeface="Arial"/>
         </a:defRPr>
       </a:lvl4pPr>
-      <a:lvl5pPr lvl="4" marR="0" rtl="0" algn="l">
+      <a:lvl5pPr marR="0" lvl="4" algn="l" rtl="0">
         <a:lnSpc>
           <a:spcPct val="100000"/>
         </a:lnSpc>
@@ -5094,7 +4980,7 @@
           <a:srgbClr val="000000"/>
         </a:buClr>
         <a:buFont typeface="Arial"/>
-        <a:defRPr b="0" i="0" sz="1400" u="none" cap="none" strike="noStrike">
+        <a:defRPr sz="1400" b="0" i="0" u="none" strike="noStrike" cap="none">
           <a:solidFill>
             <a:srgbClr val="000000"/>
           </a:solidFill>
@@ -5104,7 +4990,7 @@
           <a:sym typeface="Arial"/>
         </a:defRPr>
       </a:lvl5pPr>
-      <a:lvl6pPr lvl="5" marR="0" rtl="0" algn="l">
+      <a:lvl6pPr marR="0" lvl="5" algn="l" rtl="0">
         <a:lnSpc>
           <a:spcPct val="100000"/>
         </a:lnSpc>
@@ -5118,7 +5004,7 @@
           <a:srgbClr val="000000"/>
         </a:buClr>
         <a:buFont typeface="Arial"/>
-        <a:defRPr b="0" i="0" sz="1400" u="none" cap="none" strike="noStrike">
+        <a:defRPr sz="1400" b="0" i="0" u="none" strike="noStrike" cap="none">
           <a:solidFill>
             <a:srgbClr val="000000"/>
           </a:solidFill>
@@ -5128,7 +5014,7 @@
           <a:sym typeface="Arial"/>
         </a:defRPr>
       </a:lvl6pPr>
-      <a:lvl7pPr lvl="6" marR="0" rtl="0" algn="l">
+      <a:lvl7pPr marR="0" lvl="6" algn="l" rtl="0">
         <a:lnSpc>
           <a:spcPct val="100000"/>
         </a:lnSpc>
@@ -5142,7 +5028,7 @@
           <a:srgbClr val="000000"/>
         </a:buClr>
         <a:buFont typeface="Arial"/>
-        <a:defRPr b="0" i="0" sz="1400" u="none" cap="none" strike="noStrike">
+        <a:defRPr sz="1400" b="0" i="0" u="none" strike="noStrike" cap="none">
           <a:solidFill>
             <a:srgbClr val="000000"/>
           </a:solidFill>
@@ -5152,7 +5038,7 @@
           <a:sym typeface="Arial"/>
         </a:defRPr>
       </a:lvl7pPr>
-      <a:lvl8pPr lvl="7" marR="0" rtl="0" algn="l">
+      <a:lvl8pPr marR="0" lvl="7" algn="l" rtl="0">
         <a:lnSpc>
           <a:spcPct val="100000"/>
         </a:lnSpc>
@@ -5166,7 +5052,7 @@
           <a:srgbClr val="000000"/>
         </a:buClr>
         <a:buFont typeface="Arial"/>
-        <a:defRPr b="0" i="0" sz="1400" u="none" cap="none" strike="noStrike">
+        <a:defRPr sz="1400" b="0" i="0" u="none" strike="noStrike" cap="none">
           <a:solidFill>
             <a:srgbClr val="000000"/>
           </a:solidFill>
@@ -5176,7 +5062,7 @@
           <a:sym typeface="Arial"/>
         </a:defRPr>
       </a:lvl8pPr>
-      <a:lvl9pPr lvl="8" marR="0" rtl="0" algn="l">
+      <a:lvl9pPr marR="0" lvl="8" algn="l" rtl="0">
         <a:lnSpc>
           <a:spcPct val="100000"/>
         </a:lnSpc>
@@ -5190,7 +5076,7 @@
           <a:srgbClr val="000000"/>
         </a:buClr>
         <a:buFont typeface="Arial"/>
-        <a:defRPr b="0" i="0" sz="1400" u="none" cap="none" strike="noStrike">
+        <a:defRPr sz="1400" b="0" i="0" u="none" strike="noStrike" cap="none">
           <a:solidFill>
             <a:srgbClr val="000000"/>
           </a:solidFill>
@@ -5202,7 +5088,7 @@
       </a:lvl9pPr>
     </p:bodyStyle>
     <p:otherStyle>
-      <a:defPPr lvl="0" marR="0" rtl="0" algn="l">
+      <a:defPPr marR="0" lvl="0" algn="l" rtl="0">
         <a:lnSpc>
           <a:spcPct val="100000"/>
         </a:lnSpc>
@@ -5213,7 +5099,7 @@
           <a:spcPts val="0"/>
         </a:spcAft>
       </a:defPPr>
-      <a:lvl1pPr lvl="0" marR="0" rtl="0" algn="l">
+      <a:lvl1pPr marR="0" lvl="0" algn="l" rtl="0">
         <a:lnSpc>
           <a:spcPct val="100000"/>
         </a:lnSpc>
@@ -5227,7 +5113,7 @@
           <a:srgbClr val="000000"/>
         </a:buClr>
         <a:buFont typeface="Arial"/>
-        <a:defRPr b="0" i="0" sz="1400" u="none" cap="none" strike="noStrike">
+        <a:defRPr sz="1400" b="0" i="0" u="none" strike="noStrike" cap="none">
           <a:solidFill>
             <a:srgbClr val="000000"/>
           </a:solidFill>
@@ -5237,7 +5123,7 @@
           <a:sym typeface="Arial"/>
         </a:defRPr>
       </a:lvl1pPr>
-      <a:lvl2pPr lvl="1" marR="0" rtl="0" algn="l">
+      <a:lvl2pPr marR="0" lvl="1" algn="l" rtl="0">
         <a:lnSpc>
           <a:spcPct val="100000"/>
         </a:lnSpc>
@@ -5251,7 +5137,7 @@
           <a:srgbClr val="000000"/>
         </a:buClr>
         <a:buFont typeface="Arial"/>
-        <a:defRPr b="0" i="0" sz="1400" u="none" cap="none" strike="noStrike">
+        <a:defRPr sz="1400" b="0" i="0" u="none" strike="noStrike" cap="none">
           <a:solidFill>
             <a:srgbClr val="000000"/>
           </a:solidFill>
@@ -5261,7 +5147,7 @@
           <a:sym typeface="Arial"/>
         </a:defRPr>
       </a:lvl2pPr>
-      <a:lvl3pPr lvl="2" marR="0" rtl="0" algn="l">
+      <a:lvl3pPr marR="0" lvl="2" algn="l" rtl="0">
         <a:lnSpc>
           <a:spcPct val="100000"/>
         </a:lnSpc>
@@ -5275,7 +5161,7 @@
           <a:srgbClr val="000000"/>
         </a:buClr>
         <a:buFont typeface="Arial"/>
-        <a:defRPr b="0" i="0" sz="1400" u="none" cap="none" strike="noStrike">
+        <a:defRPr sz="1400" b="0" i="0" u="none" strike="noStrike" cap="none">
           <a:solidFill>
             <a:srgbClr val="000000"/>
           </a:solidFill>
@@ -5285,7 +5171,7 @@
           <a:sym typeface="Arial"/>
         </a:defRPr>
       </a:lvl3pPr>
-      <a:lvl4pPr lvl="3" marR="0" rtl="0" algn="l">
+      <a:lvl4pPr marR="0" lvl="3" algn="l" rtl="0">
         <a:lnSpc>
           <a:spcPct val="100000"/>
         </a:lnSpc>
@@ -5299,7 +5185,7 @@
           <a:srgbClr val="000000"/>
         </a:buClr>
         <a:buFont typeface="Arial"/>
-        <a:defRPr b="0" i="0" sz="1400" u="none" cap="none" strike="noStrike">
+        <a:defRPr sz="1400" b="0" i="0" u="none" strike="noStrike" cap="none">
           <a:solidFill>
             <a:srgbClr val="000000"/>
           </a:solidFill>
@@ -5309,7 +5195,7 @@
           <a:sym typeface="Arial"/>
         </a:defRPr>
       </a:lvl4pPr>
-      <a:lvl5pPr lvl="4" marR="0" rtl="0" algn="l">
+      <a:lvl5pPr marR="0" lvl="4" algn="l" rtl="0">
         <a:lnSpc>
           <a:spcPct val="100000"/>
         </a:lnSpc>
@@ -5323,7 +5209,7 @@
           <a:srgbClr val="000000"/>
         </a:buClr>
         <a:buFont typeface="Arial"/>
-        <a:defRPr b="0" i="0" sz="1400" u="none" cap="none" strike="noStrike">
+        <a:defRPr sz="1400" b="0" i="0" u="none" strike="noStrike" cap="none">
           <a:solidFill>
             <a:srgbClr val="000000"/>
           </a:solidFill>
@@ -5333,7 +5219,7 @@
           <a:sym typeface="Arial"/>
         </a:defRPr>
       </a:lvl5pPr>
-      <a:lvl6pPr lvl="5" marR="0" rtl="0" algn="l">
+      <a:lvl6pPr marR="0" lvl="5" algn="l" rtl="0">
         <a:lnSpc>
           <a:spcPct val="100000"/>
         </a:lnSpc>
@@ -5347,7 +5233,7 @@
           <a:srgbClr val="000000"/>
         </a:buClr>
         <a:buFont typeface="Arial"/>
-        <a:defRPr b="0" i="0" sz="1400" u="none" cap="none" strike="noStrike">
+        <a:defRPr sz="1400" b="0" i="0" u="none" strike="noStrike" cap="none">
           <a:solidFill>
             <a:srgbClr val="000000"/>
           </a:solidFill>
@@ -5357,7 +5243,7 @@
           <a:sym typeface="Arial"/>
         </a:defRPr>
       </a:lvl6pPr>
-      <a:lvl7pPr lvl="6" marR="0" rtl="0" algn="l">
+      <a:lvl7pPr marR="0" lvl="6" algn="l" rtl="0">
         <a:lnSpc>
           <a:spcPct val="100000"/>
         </a:lnSpc>
@@ -5371,7 +5257,7 @@
           <a:srgbClr val="000000"/>
         </a:buClr>
         <a:buFont typeface="Arial"/>
-        <a:defRPr b="0" i="0" sz="1400" u="none" cap="none" strike="noStrike">
+        <a:defRPr sz="1400" b="0" i="0" u="none" strike="noStrike" cap="none">
           <a:solidFill>
             <a:srgbClr val="000000"/>
           </a:solidFill>
@@ -5381,7 +5267,7 @@
           <a:sym typeface="Arial"/>
         </a:defRPr>
       </a:lvl7pPr>
-      <a:lvl8pPr lvl="7" marR="0" rtl="0" algn="l">
+      <a:lvl8pPr marR="0" lvl="7" algn="l" rtl="0">
         <a:lnSpc>
           <a:spcPct val="100000"/>
         </a:lnSpc>
@@ -5395,7 +5281,7 @@
           <a:srgbClr val="000000"/>
         </a:buClr>
         <a:buFont typeface="Arial"/>
-        <a:defRPr b="0" i="0" sz="1400" u="none" cap="none" strike="noStrike">
+        <a:defRPr sz="1400" b="0" i="0" u="none" strike="noStrike" cap="none">
           <a:solidFill>
             <a:srgbClr val="000000"/>
           </a:solidFill>
@@ -5405,7 +5291,7 @@
           <a:sym typeface="Arial"/>
         </a:defRPr>
       </a:lvl8pPr>
-      <a:lvl9pPr lvl="8" marR="0" rtl="0" algn="l">
+      <a:lvl9pPr marR="0" lvl="8" algn="l" rtl="0">
         <a:lnSpc>
           <a:spcPct val="100000"/>
         </a:lnSpc>
@@ -5419,7 +5305,7 @@
           <a:srgbClr val="000000"/>
         </a:buClr>
         <a:buFont typeface="Arial"/>
-        <a:defRPr b="0" i="0" sz="1400" u="none" cap="none" strike="noStrike">
+        <a:defRPr sz="1400" b="0" i="0" u="none" strike="noStrike" cap="none">
           <a:solidFill>
             <a:srgbClr val="000000"/>
           </a:solidFill>
@@ -5435,11 +5321,11 @@
 </file>
 
 <file path=ppt/slides/slide1.xml><?xml version="1.0" encoding="utf-8"?>
-<p:sld xmlns:a="http://schemas.openxmlformats.org/drawingml/2006/main" xmlns:r="http://schemas.openxmlformats.org/officeDocument/2006/relationships" xmlns:mc="http://schemas.openxmlformats.org/markup-compatibility/2006" xmlns:mv="urn:schemas-microsoft-com:mac:vml" xmlns:p="http://schemas.openxmlformats.org/presentationml/2006/main" xmlns:c="http://schemas.openxmlformats.org/drawingml/2006/chart" xmlns:dgm="http://schemas.openxmlformats.org/drawingml/2006/diagram" xmlns:o="urn:schemas-microsoft-com:office:office" xmlns:v="urn:schemas-microsoft-com:vml" xmlns:pvml="urn:schemas-microsoft-com:office:powerpoint" xmlns:com="http://schemas.openxmlformats.org/drawingml/2006/compatibility" xmlns:p14="http://schemas.microsoft.com/office/powerpoint/2010/main" xmlns:p15="http://schemas.microsoft.com/office/powerpoint/2012/main" xmlns:ahyp="http://schemas.microsoft.com/office/drawing/2018/hyperlinkcolor">
+<p:sld xmlns:a="http://schemas.openxmlformats.org/drawingml/2006/main" xmlns:r="http://schemas.openxmlformats.org/officeDocument/2006/relationships" xmlns:p="http://schemas.openxmlformats.org/presentationml/2006/main">
   <p:cSld>
     <p:spTree>
       <p:nvGrpSpPr>
-        <p:cNvPr id="53" name="Shape 53"/>
+        <p:cNvPr id="1" name="Shape 53"/>
         <p:cNvGrpSpPr/>
         <p:nvPr/>
       </p:nvGrpSpPr>
@@ -5467,7 +5353,7 @@
         </p:blipFill>
         <p:spPr>
           <a:xfrm>
-            <a:off x="152400" y="152400"/>
+            <a:off x="340160" y="152400"/>
             <a:ext cx="8602133" cy="4838700"/>
           </a:xfrm>
           <a:prstGeom prst="rect">
@@ -5479,6 +5365,41 @@
           </a:ln>
         </p:spPr>
       </p:pic>
+      <p:sp>
+        <p:nvSpPr>
+          <p:cNvPr id="2" name="TextBox 1">
+            <a:extLst>
+              <a:ext uri="{FF2B5EF4-FFF2-40B4-BE49-F238E27FC236}">
+                <a16:creationId xmlns:a16="http://schemas.microsoft.com/office/drawing/2014/main" id="{2FB1861B-B8FA-445F-3058-FA14E81987BC}"/>
+              </a:ext>
+            </a:extLst>
+          </p:cNvPr>
+          <p:cNvSpPr txBox="1"/>
+          <p:nvPr/>
+        </p:nvSpPr>
+        <p:spPr>
+          <a:xfrm>
+            <a:off x="4363571" y="3516406"/>
+            <a:ext cx="3090911" cy="307777"/>
+          </a:xfrm>
+          <a:prstGeom prst="rect">
+            <a:avLst/>
+          </a:prstGeom>
+          <a:noFill/>
+        </p:spPr>
+        <p:txBody>
+          <a:bodyPr wrap="none" rtlCol="0">
+            <a:spAutoFit/>
+          </a:bodyPr>
+          <a:lstStyle/>
+          <a:p>
+            <a:r>
+              <a:rPr lang="en-CA" dirty="0"/>
+              <a:t>, Results page, Product Details page</a:t>
+            </a:r>
+          </a:p>
+        </p:txBody>
+      </p:sp>
     </p:spTree>
   </p:cSld>
   <p:clrMapOvr>
@@ -5488,7 +5409,288 @@
 </file>
 
 <file path=ppt/theme/theme1.xml><?xml version="1.0" encoding="utf-8"?>
-<a:theme xmlns:a="http://schemas.openxmlformats.org/drawingml/2006/main" xmlns:r="http://schemas.openxmlformats.org/officeDocument/2006/relationships">
+<a:theme xmlns:a="http://schemas.openxmlformats.org/drawingml/2006/main" name="Simple Light">
+  <a:themeElements>
+    <a:clrScheme name="Simple Light">
+      <a:dk1>
+        <a:srgbClr val="000000"/>
+      </a:dk1>
+      <a:lt1>
+        <a:srgbClr val="FFFFFF"/>
+      </a:lt1>
+      <a:dk2>
+        <a:srgbClr val="595959"/>
+      </a:dk2>
+      <a:lt2>
+        <a:srgbClr val="EEEEEE"/>
+      </a:lt2>
+      <a:accent1>
+        <a:srgbClr val="4285F4"/>
+      </a:accent1>
+      <a:accent2>
+        <a:srgbClr val="212121"/>
+      </a:accent2>
+      <a:accent3>
+        <a:srgbClr val="78909C"/>
+      </a:accent3>
+      <a:accent4>
+        <a:srgbClr val="FFAB40"/>
+      </a:accent4>
+      <a:accent5>
+        <a:srgbClr val="0097A7"/>
+      </a:accent5>
+      <a:accent6>
+        <a:srgbClr val="EEFF41"/>
+      </a:accent6>
+      <a:hlink>
+        <a:srgbClr val="0097A7"/>
+      </a:hlink>
+      <a:folHlink>
+        <a:srgbClr val="0097A7"/>
+      </a:folHlink>
+    </a:clrScheme>
+    <a:fontScheme name="Office">
+      <a:majorFont>
+        <a:latin typeface="Arial"/>
+        <a:ea typeface=""/>
+        <a:cs typeface=""/>
+        <a:font script="Jpan" typeface="ＭＳ Ｐゴシック"/>
+        <a:font script="Hang" typeface="맑은 고딕"/>
+        <a:font script="Hans" typeface="宋体"/>
+        <a:font script="Hant" typeface="新細明體"/>
+        <a:font script="Arab" typeface="Times New Roman"/>
+        <a:font script="Hebr" typeface="Times New Roman"/>
+        <a:font script="Thai" typeface="Angsana New"/>
+        <a:font script="Ethi" typeface="Nyala"/>
+        <a:font script="Beng" typeface="Vrinda"/>
+        <a:font script="Gujr" typeface="Shruti"/>
+        <a:font script="Khmr" typeface="MoolBoran"/>
+        <a:font script="Knda" typeface="Tunga"/>
+        <a:font script="Guru" typeface="Raavi"/>
+        <a:font script="Cans" typeface="Euphemia"/>
+        <a:font script="Cher" typeface="Plantagenet Cherokee"/>
+        <a:font script="Yiii" typeface="Microsoft Yi Baiti"/>
+        <a:font script="Tibt" typeface="Microsoft Himalaya"/>
+        <a:font script="Thaa" typeface="MV Boli"/>
+        <a:font script="Deva" typeface="Mangal"/>
+        <a:font script="Telu" typeface="Gautami"/>
+        <a:font script="Taml" typeface="Latha"/>
+        <a:font script="Syrc" typeface="Estrangelo Edessa"/>
+        <a:font script="Orya" typeface="Kalinga"/>
+        <a:font script="Mlym" typeface="Kartika"/>
+        <a:font script="Laoo" typeface="DokChampa"/>
+        <a:font script="Sinh" typeface="Iskoola Pota"/>
+        <a:font script="Mong" typeface="Mongolian Baiti"/>
+        <a:font script="Viet" typeface="Times New Roman"/>
+        <a:font script="Uigh" typeface="Microsoft Uighur"/>
+        <a:font script="Geor" typeface="Sylfaen"/>
+      </a:majorFont>
+      <a:minorFont>
+        <a:latin typeface="Arial"/>
+        <a:ea typeface=""/>
+        <a:cs typeface=""/>
+        <a:font script="Jpan" typeface="ＭＳ Ｐゴシック"/>
+        <a:font script="Hang" typeface="맑은 고딕"/>
+        <a:font script="Hans" typeface="宋体"/>
+        <a:font script="Hant" typeface="新細明體"/>
+        <a:font script="Arab" typeface="Arial"/>
+        <a:font script="Hebr" typeface="Arial"/>
+        <a:font script="Thai" typeface="Cordia New"/>
+        <a:font script="Ethi" typeface="Nyala"/>
+        <a:font script="Beng" typeface="Vrinda"/>
+        <a:font script="Gujr" typeface="Shruti"/>
+        <a:font script="Khmr" typeface="DaunPenh"/>
+        <a:font script="Knda" typeface="Tunga"/>
+        <a:font script="Guru" typeface="Raavi"/>
+        <a:font script="Cans" typeface="Euphemia"/>
+        <a:font script="Cher" typeface="Plantagenet Cherokee"/>
+        <a:font script="Yiii" typeface="Microsoft Yi Baiti"/>
+        <a:font script="Tibt" typeface="Microsoft Himalaya"/>
+        <a:font script="Thaa" typeface="MV Boli"/>
+        <a:font script="Deva" typeface="Mangal"/>
+        <a:font script="Telu" typeface="Gautami"/>
+        <a:font script="Taml" typeface="Latha"/>
+        <a:font script="Syrc" typeface="Estrangelo Edessa"/>
+        <a:font script="Orya" typeface="Kalinga"/>
+        <a:font script="Mlym" typeface="Kartika"/>
+        <a:font script="Laoo" typeface="DokChampa"/>
+        <a:font script="Sinh" typeface="Iskoola Pota"/>
+        <a:font script="Mong" typeface="Mongolian Baiti"/>
+        <a:font script="Viet" typeface="Arial"/>
+        <a:font script="Uigh" typeface="Microsoft Uighur"/>
+        <a:font script="Geor" typeface="Sylfaen"/>
+      </a:minorFont>
+    </a:fontScheme>
+    <a:fmtScheme name="Office">
+      <a:fillStyleLst>
+        <a:solidFill>
+          <a:schemeClr val="phClr"/>
+        </a:solidFill>
+        <a:gradFill rotWithShape="1">
+          <a:gsLst>
+            <a:gs pos="0">
+              <a:schemeClr val="phClr">
+                <a:tint val="50000"/>
+                <a:satMod val="300000"/>
+              </a:schemeClr>
+            </a:gs>
+            <a:gs pos="35000">
+              <a:schemeClr val="phClr">
+                <a:tint val="37000"/>
+                <a:satMod val="300000"/>
+              </a:schemeClr>
+            </a:gs>
+            <a:gs pos="100000">
+              <a:schemeClr val="phClr">
+                <a:tint val="15000"/>
+                <a:satMod val="350000"/>
+              </a:schemeClr>
+            </a:gs>
+          </a:gsLst>
+          <a:lin ang="16200000" scaled="1"/>
+        </a:gradFill>
+        <a:gradFill rotWithShape="1">
+          <a:gsLst>
+            <a:gs pos="0">
+              <a:schemeClr val="phClr">
+                <a:tint val="100000"/>
+                <a:shade val="100000"/>
+                <a:satMod val="130000"/>
+              </a:schemeClr>
+            </a:gs>
+            <a:gs pos="100000">
+              <a:schemeClr val="phClr">
+                <a:tint val="50000"/>
+                <a:shade val="100000"/>
+                <a:satMod val="350000"/>
+              </a:schemeClr>
+            </a:gs>
+          </a:gsLst>
+          <a:lin ang="16200000" scaled="0"/>
+        </a:gradFill>
+      </a:fillStyleLst>
+      <a:lnStyleLst>
+        <a:ln w="9525" cap="flat" cmpd="sng" algn="ctr">
+          <a:solidFill>
+            <a:schemeClr val="phClr">
+              <a:shade val="95000"/>
+              <a:satMod val="105000"/>
+            </a:schemeClr>
+          </a:solidFill>
+          <a:prstDash val="solid"/>
+        </a:ln>
+        <a:ln w="25400" cap="flat" cmpd="sng" algn="ctr">
+          <a:solidFill>
+            <a:schemeClr val="phClr"/>
+          </a:solidFill>
+          <a:prstDash val="solid"/>
+        </a:ln>
+        <a:ln w="38100" cap="flat" cmpd="sng" algn="ctr">
+          <a:solidFill>
+            <a:schemeClr val="phClr"/>
+          </a:solidFill>
+          <a:prstDash val="solid"/>
+        </a:ln>
+      </a:lnStyleLst>
+      <a:effectStyleLst>
+        <a:effectStyle>
+          <a:effectLst>
+            <a:outerShdw blurRad="40000" dist="20000" dir="5400000" rotWithShape="0">
+              <a:srgbClr val="000000">
+                <a:alpha val="38000"/>
+              </a:srgbClr>
+            </a:outerShdw>
+          </a:effectLst>
+        </a:effectStyle>
+        <a:effectStyle>
+          <a:effectLst>
+            <a:outerShdw blurRad="40000" dist="23000" dir="5400000" rotWithShape="0">
+              <a:srgbClr val="000000">
+                <a:alpha val="35000"/>
+              </a:srgbClr>
+            </a:outerShdw>
+          </a:effectLst>
+        </a:effectStyle>
+        <a:effectStyle>
+          <a:effectLst>
+            <a:outerShdw blurRad="40000" dist="23000" dir="5400000" rotWithShape="0">
+              <a:srgbClr val="000000">
+                <a:alpha val="35000"/>
+              </a:srgbClr>
+            </a:outerShdw>
+          </a:effectLst>
+          <a:scene3d>
+            <a:camera prst="orthographicFront">
+              <a:rot lat="0" lon="0" rev="0"/>
+            </a:camera>
+            <a:lightRig rig="threePt" dir="t">
+              <a:rot lat="0" lon="0" rev="1200000"/>
+            </a:lightRig>
+          </a:scene3d>
+          <a:sp3d>
+            <a:bevelT w="63500" h="25400"/>
+          </a:sp3d>
+        </a:effectStyle>
+      </a:effectStyleLst>
+      <a:bgFillStyleLst>
+        <a:solidFill>
+          <a:schemeClr val="phClr"/>
+        </a:solidFill>
+        <a:gradFill rotWithShape="1">
+          <a:gsLst>
+            <a:gs pos="0">
+              <a:schemeClr val="phClr">
+                <a:tint val="40000"/>
+                <a:satMod val="350000"/>
+              </a:schemeClr>
+            </a:gs>
+            <a:gs pos="40000">
+              <a:schemeClr val="phClr">
+                <a:tint val="45000"/>
+                <a:shade val="99000"/>
+                <a:satMod val="350000"/>
+              </a:schemeClr>
+            </a:gs>
+            <a:gs pos="100000">
+              <a:schemeClr val="phClr">
+                <a:shade val="20000"/>
+                <a:satMod val="255000"/>
+              </a:schemeClr>
+            </a:gs>
+          </a:gsLst>
+          <a:path path="circle">
+            <a:fillToRect l="50000" t="-80000" r="50000" b="180000"/>
+          </a:path>
+        </a:gradFill>
+        <a:gradFill rotWithShape="1">
+          <a:gsLst>
+            <a:gs pos="0">
+              <a:schemeClr val="phClr">
+                <a:tint val="80000"/>
+                <a:satMod val="300000"/>
+              </a:schemeClr>
+            </a:gs>
+            <a:gs pos="100000">
+              <a:schemeClr val="phClr">
+                <a:shade val="30000"/>
+                <a:satMod val="200000"/>
+              </a:schemeClr>
+            </a:gs>
+          </a:gsLst>
+          <a:path path="circle">
+            <a:fillToRect l="50000" t="50000" r="50000" b="50000"/>
+          </a:path>
+        </a:gradFill>
+      </a:bgFillStyleLst>
+    </a:fmtScheme>
+  </a:themeElements>
+  <a:objectDefaults/>
+  <a:extraClrSchemeLst/>
+</a:theme>
+</file>
+
+<file path=ppt/theme/theme2.xml><?xml version="1.0" encoding="utf-8"?>
+<a:theme xmlns:a="http://schemas.openxmlformats.org/drawingml/2006/main">
   <a:themeElements>
     <a:clrScheme name="Default">
       <a:dk1>
@@ -5763,284 +5965,7 @@
       </a:bgFillStyleLst>
     </a:fmtScheme>
   </a:themeElements>
-</a:theme>
-</file>
-
-<file path=ppt/theme/theme2.xml><?xml version="1.0" encoding="utf-8"?>
-<a:theme xmlns:a="http://schemas.openxmlformats.org/drawingml/2006/main" xmlns:r="http://schemas.openxmlformats.org/officeDocument/2006/relationships" name="Simple Light">
-  <a:themeElements>
-    <a:clrScheme name="Simple Light">
-      <a:dk1>
-        <a:srgbClr val="000000"/>
-      </a:dk1>
-      <a:lt1>
-        <a:srgbClr val="FFFFFF"/>
-      </a:lt1>
-      <a:dk2>
-        <a:srgbClr val="595959"/>
-      </a:dk2>
-      <a:lt2>
-        <a:srgbClr val="EEEEEE"/>
-      </a:lt2>
-      <a:accent1>
-        <a:srgbClr val="4285F4"/>
-      </a:accent1>
-      <a:accent2>
-        <a:srgbClr val="212121"/>
-      </a:accent2>
-      <a:accent3>
-        <a:srgbClr val="78909C"/>
-      </a:accent3>
-      <a:accent4>
-        <a:srgbClr val="FFAB40"/>
-      </a:accent4>
-      <a:accent5>
-        <a:srgbClr val="0097A7"/>
-      </a:accent5>
-      <a:accent6>
-        <a:srgbClr val="EEFF41"/>
-      </a:accent6>
-      <a:hlink>
-        <a:srgbClr val="0097A7"/>
-      </a:hlink>
-      <a:folHlink>
-        <a:srgbClr val="0097A7"/>
-      </a:folHlink>
-    </a:clrScheme>
-    <a:fontScheme name="Office">
-      <a:majorFont>
-        <a:latin typeface="Arial"/>
-        <a:ea typeface=""/>
-        <a:cs typeface=""/>
-        <a:font script="Jpan" typeface="ＭＳ Ｐゴシック"/>
-        <a:font script="Hang" typeface="맑은 고딕"/>
-        <a:font script="Hans" typeface="宋体"/>
-        <a:font script="Hant" typeface="新細明體"/>
-        <a:font script="Arab" typeface="Times New Roman"/>
-        <a:font script="Hebr" typeface="Times New Roman"/>
-        <a:font script="Thai" typeface="Angsana New"/>
-        <a:font script="Ethi" typeface="Nyala"/>
-        <a:font script="Beng" typeface="Vrinda"/>
-        <a:font script="Gujr" typeface="Shruti"/>
-        <a:font script="Khmr" typeface="MoolBoran"/>
-        <a:font script="Knda" typeface="Tunga"/>
-        <a:font script="Guru" typeface="Raavi"/>
-        <a:font script="Cans" typeface="Euphemia"/>
-        <a:font script="Cher" typeface="Plantagenet Cherokee"/>
-        <a:font script="Yiii" typeface="Microsoft Yi Baiti"/>
-        <a:font script="Tibt" typeface="Microsoft Himalaya"/>
-        <a:font script="Thaa" typeface="MV Boli"/>
-        <a:font script="Deva" typeface="Mangal"/>
-        <a:font script="Telu" typeface="Gautami"/>
-        <a:font script="Taml" typeface="Latha"/>
-        <a:font script="Syrc" typeface="Estrangelo Edessa"/>
-        <a:font script="Orya" typeface="Kalinga"/>
-        <a:font script="Mlym" typeface="Kartika"/>
-        <a:font script="Laoo" typeface="DokChampa"/>
-        <a:font script="Sinh" typeface="Iskoola Pota"/>
-        <a:font script="Mong" typeface="Mongolian Baiti"/>
-        <a:font script="Viet" typeface="Times New Roman"/>
-        <a:font script="Uigh" typeface="Microsoft Uighur"/>
-        <a:font script="Geor" typeface="Sylfaen"/>
-      </a:majorFont>
-      <a:minorFont>
-        <a:latin typeface="Arial"/>
-        <a:ea typeface=""/>
-        <a:cs typeface=""/>
-        <a:font script="Jpan" typeface="ＭＳ Ｐゴシック"/>
-        <a:font script="Hang" typeface="맑은 고딕"/>
-        <a:font script="Hans" typeface="宋体"/>
-        <a:font script="Hant" typeface="新細明體"/>
-        <a:font script="Arab" typeface="Arial"/>
-        <a:font script="Hebr" typeface="Arial"/>
-        <a:font script="Thai" typeface="Cordia New"/>
-        <a:font script="Ethi" typeface="Nyala"/>
-        <a:font script="Beng" typeface="Vrinda"/>
-        <a:font script="Gujr" typeface="Shruti"/>
-        <a:font script="Khmr" typeface="DaunPenh"/>
-        <a:font script="Knda" typeface="Tunga"/>
-        <a:font script="Guru" typeface="Raavi"/>
-        <a:font script="Cans" typeface="Euphemia"/>
-        <a:font script="Cher" typeface="Plantagenet Cherokee"/>
-        <a:font script="Yiii" typeface="Microsoft Yi Baiti"/>
-        <a:font script="Tibt" typeface="Microsoft Himalaya"/>
-        <a:font script="Thaa" typeface="MV Boli"/>
-        <a:font script="Deva" typeface="Mangal"/>
-        <a:font script="Telu" typeface="Gautami"/>
-        <a:font script="Taml" typeface="Latha"/>
-        <a:font script="Syrc" typeface="Estrangelo Edessa"/>
-        <a:font script="Orya" typeface="Kalinga"/>
-        <a:font script="Mlym" typeface="Kartika"/>
-        <a:font script="Laoo" typeface="DokChampa"/>
-        <a:font script="Sinh" typeface="Iskoola Pota"/>
-        <a:font script="Mong" typeface="Mongolian Baiti"/>
-        <a:font script="Viet" typeface="Arial"/>
-        <a:font script="Uigh" typeface="Microsoft Uighur"/>
-        <a:font script="Geor" typeface="Sylfaen"/>
-      </a:minorFont>
-    </a:fontScheme>
-    <a:fmtScheme name="Office">
-      <a:fillStyleLst>
-        <a:solidFill>
-          <a:schemeClr val="phClr"/>
-        </a:solidFill>
-        <a:gradFill rotWithShape="1">
-          <a:gsLst>
-            <a:gs pos="0">
-              <a:schemeClr val="phClr">
-                <a:tint val="50000"/>
-                <a:satMod val="300000"/>
-              </a:schemeClr>
-            </a:gs>
-            <a:gs pos="35000">
-              <a:schemeClr val="phClr">
-                <a:tint val="37000"/>
-                <a:satMod val="300000"/>
-              </a:schemeClr>
-            </a:gs>
-            <a:gs pos="100000">
-              <a:schemeClr val="phClr">
-                <a:tint val="15000"/>
-                <a:satMod val="350000"/>
-              </a:schemeClr>
-            </a:gs>
-          </a:gsLst>
-          <a:lin ang="16200000" scaled="1"/>
-        </a:gradFill>
-        <a:gradFill rotWithShape="1">
-          <a:gsLst>
-            <a:gs pos="0">
-              <a:schemeClr val="phClr">
-                <a:tint val="100000"/>
-                <a:shade val="100000"/>
-                <a:satMod val="130000"/>
-              </a:schemeClr>
-            </a:gs>
-            <a:gs pos="100000">
-              <a:schemeClr val="phClr">
-                <a:tint val="50000"/>
-                <a:shade val="100000"/>
-                <a:satMod val="350000"/>
-              </a:schemeClr>
-            </a:gs>
-          </a:gsLst>
-          <a:lin ang="16200000" scaled="0"/>
-        </a:gradFill>
-      </a:fillStyleLst>
-      <a:lnStyleLst>
-        <a:ln w="9525" cap="flat" cmpd="sng" algn="ctr">
-          <a:solidFill>
-            <a:schemeClr val="phClr">
-              <a:shade val="95000"/>
-              <a:satMod val="105000"/>
-            </a:schemeClr>
-          </a:solidFill>
-          <a:prstDash val="solid"/>
-        </a:ln>
-        <a:ln w="25400" cap="flat" cmpd="sng" algn="ctr">
-          <a:solidFill>
-            <a:schemeClr val="phClr"/>
-          </a:solidFill>
-          <a:prstDash val="solid"/>
-        </a:ln>
-        <a:ln w="38100" cap="flat" cmpd="sng" algn="ctr">
-          <a:solidFill>
-            <a:schemeClr val="phClr"/>
-          </a:solidFill>
-          <a:prstDash val="solid"/>
-        </a:ln>
-      </a:lnStyleLst>
-      <a:effectStyleLst>
-        <a:effectStyle>
-          <a:effectLst>
-            <a:outerShdw blurRad="40000" dist="20000" dir="5400000" rotWithShape="0">
-              <a:srgbClr val="000000">
-                <a:alpha val="38000"/>
-              </a:srgbClr>
-            </a:outerShdw>
-          </a:effectLst>
-        </a:effectStyle>
-        <a:effectStyle>
-          <a:effectLst>
-            <a:outerShdw blurRad="40000" dist="23000" dir="5400000" rotWithShape="0">
-              <a:srgbClr val="000000">
-                <a:alpha val="35000"/>
-              </a:srgbClr>
-            </a:outerShdw>
-          </a:effectLst>
-        </a:effectStyle>
-        <a:effectStyle>
-          <a:effectLst>
-            <a:outerShdw blurRad="40000" dist="23000" dir="5400000" rotWithShape="0">
-              <a:srgbClr val="000000">
-                <a:alpha val="35000"/>
-              </a:srgbClr>
-            </a:outerShdw>
-          </a:effectLst>
-          <a:scene3d>
-            <a:camera prst="orthographicFront">
-              <a:rot lat="0" lon="0" rev="0"/>
-            </a:camera>
-            <a:lightRig rig="threePt" dir="t">
-              <a:rot lat="0" lon="0" rev="1200000"/>
-            </a:lightRig>
-          </a:scene3d>
-          <a:sp3d>
-            <a:bevelT w="63500" h="25400"/>
-          </a:sp3d>
-        </a:effectStyle>
-      </a:effectStyleLst>
-      <a:bgFillStyleLst>
-        <a:solidFill>
-          <a:schemeClr val="phClr"/>
-        </a:solidFill>
-        <a:gradFill rotWithShape="1">
-          <a:gsLst>
-            <a:gs pos="0">
-              <a:schemeClr val="phClr">
-                <a:tint val="40000"/>
-                <a:satMod val="350000"/>
-              </a:schemeClr>
-            </a:gs>
-            <a:gs pos="40000">
-              <a:schemeClr val="phClr">
-                <a:tint val="45000"/>
-                <a:shade val="99000"/>
-                <a:satMod val="350000"/>
-              </a:schemeClr>
-            </a:gs>
-            <a:gs pos="100000">
-              <a:schemeClr val="phClr">
-                <a:shade val="20000"/>
-                <a:satMod val="255000"/>
-              </a:schemeClr>
-            </a:gs>
-          </a:gsLst>
-          <a:path path="circle">
-            <a:fillToRect l="50000" t="-80000" r="50000" b="180000"/>
-          </a:path>
-        </a:gradFill>
-        <a:gradFill rotWithShape="1">
-          <a:gsLst>
-            <a:gs pos="0">
-              <a:schemeClr val="phClr">
-                <a:tint val="80000"/>
-                <a:satMod val="300000"/>
-              </a:schemeClr>
-            </a:gs>
-            <a:gs pos="100000">
-              <a:schemeClr val="phClr">
-                <a:shade val="30000"/>
-                <a:satMod val="200000"/>
-              </a:schemeClr>
-            </a:gs>
-          </a:gsLst>
-          <a:path path="circle">
-            <a:fillToRect l="50000" t="50000" r="50000" b="50000"/>
-          </a:path>
-        </a:gradFill>
-      </a:bgFillStyleLst>
-    </a:fmtScheme>
-  </a:themeElements>
+  <a:objectDefaults/>
+  <a:extraClrSchemeLst/>
 </a:theme>
 </file>